--- a/企业后台管理系统/后台管理系统答辩.pptx
+++ b/企业后台管理系统/后台管理系统答辩.pptx
@@ -6,37 +6,36 @@
     <p:sldMasterId id="2147483682" r:id="rId3"/>
   </p:sldMasterIdLst>
   <p:notesMasterIdLst>
-    <p:notesMasterId r:id="rId29"/>
+    <p:notesMasterId r:id="rId28"/>
   </p:notesMasterIdLst>
   <p:handoutMasterIdLst>
-    <p:handoutMasterId r:id="rId30"/>
+    <p:handoutMasterId r:id="rId29"/>
   </p:handoutMasterIdLst>
   <p:sldIdLst>
     <p:sldId id="286" r:id="rId4"/>
-    <p:sldId id="1159" r:id="rId5"/>
-    <p:sldId id="1182" r:id="rId6"/>
-    <p:sldId id="287" r:id="rId7"/>
-    <p:sldId id="288" r:id="rId8"/>
-    <p:sldId id="257" r:id="rId9"/>
-    <p:sldId id="305" r:id="rId10"/>
-    <p:sldId id="349" r:id="rId11"/>
-    <p:sldId id="1181" r:id="rId12"/>
-    <p:sldId id="1142" r:id="rId13"/>
-    <p:sldId id="1123" r:id="rId14"/>
-    <p:sldId id="1146" r:id="rId15"/>
-    <p:sldId id="1147" r:id="rId16"/>
-    <p:sldId id="1148" r:id="rId17"/>
-    <p:sldId id="1150" r:id="rId18"/>
-    <p:sldId id="1151" r:id="rId19"/>
-    <p:sldId id="1124" r:id="rId20"/>
-    <p:sldId id="1152" r:id="rId21"/>
-    <p:sldId id="1153" r:id="rId22"/>
-    <p:sldId id="1154" r:id="rId23"/>
-    <p:sldId id="1155" r:id="rId24"/>
-    <p:sldId id="1156" r:id="rId25"/>
-    <p:sldId id="1157" r:id="rId26"/>
-    <p:sldId id="1158" r:id="rId27"/>
-    <p:sldId id="1126" r:id="rId28"/>
+    <p:sldId id="1182" r:id="rId5"/>
+    <p:sldId id="287" r:id="rId6"/>
+    <p:sldId id="288" r:id="rId7"/>
+    <p:sldId id="257" r:id="rId8"/>
+    <p:sldId id="305" r:id="rId9"/>
+    <p:sldId id="349" r:id="rId10"/>
+    <p:sldId id="1181" r:id="rId11"/>
+    <p:sldId id="1142" r:id="rId12"/>
+    <p:sldId id="1123" r:id="rId13"/>
+    <p:sldId id="1146" r:id="rId14"/>
+    <p:sldId id="1147" r:id="rId15"/>
+    <p:sldId id="1148" r:id="rId16"/>
+    <p:sldId id="1150" r:id="rId17"/>
+    <p:sldId id="1151" r:id="rId18"/>
+    <p:sldId id="1124" r:id="rId19"/>
+    <p:sldId id="1152" r:id="rId20"/>
+    <p:sldId id="1153" r:id="rId21"/>
+    <p:sldId id="1154" r:id="rId22"/>
+    <p:sldId id="1155" r:id="rId23"/>
+    <p:sldId id="1156" r:id="rId24"/>
+    <p:sldId id="1157" r:id="rId25"/>
+    <p:sldId id="1158" r:id="rId26"/>
+    <p:sldId id="1126" r:id="rId27"/>
   </p:sldIdLst>
   <p:sldSz cx="9144000" cy="5143500" type="screen16x9"/>
   <p:notesSz cx="6858000" cy="9144000"/>
@@ -8569,116 +8568,6 @@
           </a:bodyPr>
           <a:lstStyle/>
           <a:p>
-            <a:r>
-              <a:rPr lang="zh-CN" altLang="en-US" sz="1400" dirty="0">
-                <a:solidFill>
-                  <a:schemeClr val="bg1"/>
-                </a:solidFill>
-                <a:cs typeface="+mn-ea"/>
-                <a:sym typeface="+mn-lt"/>
-              </a:rPr>
-              <a:t>汇报人</a:t>
-            </a:r>
-            <a:r>
-              <a:rPr lang="zh-CN" altLang="en-US" sz="1400" dirty="0" smtClean="0">
-                <a:solidFill>
-                  <a:schemeClr val="bg1"/>
-                </a:solidFill>
-                <a:cs typeface="+mn-ea"/>
-                <a:sym typeface="+mn-lt"/>
-              </a:rPr>
-              <a:t>：</a:t>
-            </a:r>
-            <a:r>
-              <a:rPr lang="zh-CN" sz="1400" dirty="0" smtClean="0">
-                <a:solidFill>
-                  <a:schemeClr val="bg1"/>
-                </a:solidFill>
-                <a:cs typeface="+mn-ea"/>
-                <a:sym typeface="+mn-lt"/>
-              </a:rPr>
-              <a:t>何宇杰</a:t>
-            </a:r>
-            <a:r>
-              <a:rPr lang="en-US" altLang="zh-CN" sz="1400" dirty="0" smtClean="0">
-                <a:solidFill>
-                  <a:schemeClr val="bg1"/>
-                </a:solidFill>
-                <a:cs typeface="+mn-ea"/>
-                <a:sym typeface="+mn-lt"/>
-              </a:rPr>
-              <a:t>,</a:t>
-            </a:r>
-            <a:r>
-              <a:rPr lang="zh-CN" altLang="en-US" sz="1400" dirty="0" smtClean="0">
-                <a:solidFill>
-                  <a:schemeClr val="bg1"/>
-                </a:solidFill>
-                <a:cs typeface="+mn-ea"/>
-                <a:sym typeface="+mn-lt"/>
-              </a:rPr>
-              <a:t>田思凯</a:t>
-            </a:r>
-            <a:r>
-              <a:rPr lang="en-US" altLang="zh-CN" sz="1400" dirty="0" smtClean="0">
-                <a:solidFill>
-                  <a:schemeClr val="bg1"/>
-                </a:solidFill>
-                <a:cs typeface="+mn-ea"/>
-                <a:sym typeface="+mn-lt"/>
-              </a:rPr>
-              <a:t>,</a:t>
-            </a:r>
-            <a:r>
-              <a:rPr lang="zh-CN" altLang="en-US" sz="1400" dirty="0" smtClean="0">
-                <a:solidFill>
-                  <a:schemeClr val="bg1"/>
-                </a:solidFill>
-                <a:cs typeface="+mn-ea"/>
-                <a:sym typeface="+mn-lt"/>
-              </a:rPr>
-              <a:t>郝诗扬</a:t>
-            </a:r>
-            <a:r>
-              <a:rPr lang="en-US" altLang="zh-CN" sz="1400" dirty="0" smtClean="0">
-                <a:solidFill>
-                  <a:schemeClr val="bg1"/>
-                </a:solidFill>
-                <a:cs typeface="+mn-ea"/>
-                <a:sym typeface="+mn-lt"/>
-              </a:rPr>
-              <a:t>,</a:t>
-            </a:r>
-            <a:r>
-              <a:rPr lang="zh-CN" altLang="en-US" sz="1400" dirty="0" smtClean="0">
-                <a:solidFill>
-                  <a:schemeClr val="bg1"/>
-                </a:solidFill>
-                <a:cs typeface="+mn-ea"/>
-                <a:sym typeface="+mn-lt"/>
-              </a:rPr>
-              <a:t>于一川</a:t>
-            </a:r>
-            <a:r>
-              <a:rPr lang="en-US" altLang="zh-CN" sz="1400" dirty="0" smtClean="0">
-                <a:solidFill>
-                  <a:schemeClr val="bg1"/>
-                </a:solidFill>
-                <a:cs typeface="+mn-ea"/>
-                <a:sym typeface="+mn-lt"/>
-              </a:rPr>
-              <a:t>,</a:t>
-            </a:r>
-            <a:r>
-              <a:rPr lang="zh-CN" altLang="en-US" sz="1400" dirty="0" smtClean="0">
-                <a:solidFill>
-                  <a:schemeClr val="bg1"/>
-                </a:solidFill>
-                <a:cs typeface="+mn-ea"/>
-                <a:sym typeface="+mn-lt"/>
-              </a:rPr>
-              <a:t>易如</a:t>
-            </a:r>
             <a:endParaRPr lang="zh-CN" altLang="en-US" sz="1400" dirty="0" smtClean="0">
               <a:solidFill>
                 <a:schemeClr val="bg1"/>
@@ -9168,1923 +9057,6 @@
 </file>
 
 <file path=ppt/slides/slide10.xml><?xml version="1.0" encoding="utf-8"?>
-<p:sld xmlns:a="http://schemas.openxmlformats.org/drawingml/2006/main" xmlns:r="http://schemas.openxmlformats.org/officeDocument/2006/relationships" xmlns:p="http://schemas.openxmlformats.org/presentationml/2006/main">
-  <p:cSld>
-    <p:spTree>
-      <p:nvGrpSpPr>
-        <p:cNvPr id="1" name=""/>
-        <p:cNvGrpSpPr/>
-        <p:nvPr/>
-      </p:nvGrpSpPr>
-      <p:grpSpPr>
-        <a:xfrm>
-          <a:off x="0" y="0"/>
-          <a:ext cx="0" cy="0"/>
-          <a:chOff x="0" y="0"/>
-          <a:chExt cx="0" cy="0"/>
-        </a:xfrm>
-      </p:grpSpPr>
-      <p:sp>
-        <p:nvSpPr>
-          <p:cNvPr id="8" name="TextBox 21"/>
-          <p:cNvSpPr txBox="1"/>
-          <p:nvPr/>
-        </p:nvSpPr>
-        <p:spPr>
-          <a:xfrm>
-            <a:off x="157480" y="163830"/>
-            <a:ext cx="2035175" cy="460375"/>
-          </a:xfrm>
-          <a:prstGeom prst="rect">
-            <a:avLst/>
-          </a:prstGeom>
-          <a:noFill/>
-        </p:spPr>
-        <p:txBody>
-          <a:bodyPr wrap="square" rtlCol="0">
-            <a:spAutoFit/>
-          </a:bodyPr>
-          <a:lstStyle/>
-          <a:p>
-            <a:r>
-              <a:rPr lang="zh-CN" sz="2400" dirty="0">
-                <a:gradFill>
-                  <a:gsLst>
-                    <a:gs pos="0">
-                      <a:srgbClr val="5877B6"/>
-                    </a:gs>
-                    <a:gs pos="100000">
-                      <a:srgbClr val="465E96"/>
-                    </a:gs>
-                  </a:gsLst>
-                  <a:lin ang="5400000" scaled="0"/>
-                </a:gradFill>
-                <a:effectLst>
-                  <a:outerShdw blurRad="254000" dist="101600" dir="5400000" algn="ctr" rotWithShape="0">
-                    <a:srgbClr val="000000">
-                      <a:alpha val="15000"/>
-                    </a:srgbClr>
-                  </a:outerShdw>
-                </a:effectLst>
-                <a:cs typeface="+mn-ea"/>
-                <a:sym typeface="+mn-lt"/>
-              </a:rPr>
-              <a:t>项目环境搭建</a:t>
-            </a:r>
-            <a:endParaRPr lang="zh-CN" sz="2000" dirty="0">
-              <a:gradFill>
-                <a:gsLst>
-                  <a:gs pos="0">
-                    <a:srgbClr val="5877B6"/>
-                  </a:gs>
-                  <a:gs pos="100000">
-                    <a:srgbClr val="465E96"/>
-                  </a:gs>
-                </a:gsLst>
-                <a:lin ang="5400000" scaled="0"/>
-              </a:gradFill>
-              <a:effectLst>
-                <a:outerShdw blurRad="254000" dist="101600" dir="5400000" algn="ctr" rotWithShape="0">
-                  <a:srgbClr val="000000">
-                    <a:alpha val="15000"/>
-                  </a:srgbClr>
-                </a:outerShdw>
-              </a:effectLst>
-              <a:cs typeface="+mn-ea"/>
-              <a:sym typeface="+mn-lt"/>
-            </a:endParaRPr>
-          </a:p>
-        </p:txBody>
-      </p:sp>
-      <p:cxnSp>
-        <p:nvCxnSpPr>
-          <p:cNvPr id="3" name="直接连接符 2"/>
-          <p:cNvCxnSpPr>
-            <a:stCxn id="8" idx="3"/>
-          </p:cNvCxnSpPr>
-          <p:nvPr/>
-        </p:nvCxnSpPr>
-        <p:spPr>
-          <a:xfrm flipV="1">
-            <a:off x="2192655" y="347980"/>
-            <a:ext cx="6632575" cy="46355"/>
-          </a:xfrm>
-          <a:prstGeom prst="line">
-            <a:avLst/>
-          </a:prstGeom>
-          <a:ln>
-            <a:solidFill>
-              <a:srgbClr val="0070C0"/>
-            </a:solidFill>
-          </a:ln>
-        </p:spPr>
-        <p:style>
-          <a:lnRef idx="2">
-            <a:schemeClr val="dk1"/>
-          </a:lnRef>
-          <a:fillRef idx="0">
-            <a:schemeClr val="dk1"/>
-          </a:fillRef>
-          <a:effectRef idx="1">
-            <a:schemeClr val="dk1"/>
-          </a:effectRef>
-          <a:fontRef idx="minor">
-            <a:schemeClr val="tx1"/>
-          </a:fontRef>
-        </p:style>
-      </p:cxnSp>
-      <p:pic>
-        <p:nvPicPr>
-          <p:cNvPr id="4" name="图片 3"/>
-          <p:cNvPicPr>
-            <a:picLocks noChangeAspect="1"/>
-          </p:cNvPicPr>
-          <p:nvPr/>
-        </p:nvPicPr>
-        <p:blipFill>
-          <a:blip r:embed="rId1"/>
-          <a:stretch>
-            <a:fillRect/>
-          </a:stretch>
-        </p:blipFill>
-        <p:spPr>
-          <a:xfrm>
-            <a:off x="661035" y="624205"/>
-            <a:ext cx="4116070" cy="4160520"/>
-          </a:xfrm>
-          <a:prstGeom prst="rect">
-            <a:avLst/>
-          </a:prstGeom>
-        </p:spPr>
-      </p:pic>
-      <p:sp>
-        <p:nvSpPr>
-          <p:cNvPr id="5" name="文本框 4"/>
-          <p:cNvSpPr txBox="1"/>
-          <p:nvPr/>
-        </p:nvSpPr>
-        <p:spPr>
-          <a:xfrm>
-            <a:off x="5263515" y="1863725"/>
-            <a:ext cx="3529965" cy="953135"/>
-          </a:xfrm>
-          <a:prstGeom prst="rect">
-            <a:avLst/>
-          </a:prstGeom>
-          <a:noFill/>
-        </p:spPr>
-        <p:txBody>
-          <a:bodyPr wrap="square" rtlCol="0">
-            <a:spAutoFit/>
-          </a:bodyPr>
-          <a:p>
-            <a:r>
-              <a:rPr lang="zh-CN" altLang="en-US" sz="2800">
-                <a:solidFill>
-                  <a:srgbClr val="0070C0"/>
-                </a:solidFill>
-              </a:rPr>
-              <a:t>基本结构搭建，后台代码建包</a:t>
-            </a:r>
-            <a:endParaRPr lang="zh-CN" altLang="en-US" sz="2800">
-              <a:solidFill>
-                <a:srgbClr val="0070C0"/>
-              </a:solidFill>
-            </a:endParaRPr>
-          </a:p>
-        </p:txBody>
-      </p:sp>
-      <p:pic>
-        <p:nvPicPr>
-          <p:cNvPr id="6" name="图片 5"/>
-          <p:cNvPicPr>
-            <a:picLocks noChangeAspect="1"/>
-          </p:cNvPicPr>
-          <p:nvPr/>
-        </p:nvPicPr>
-        <p:blipFill>
-          <a:blip r:embed="rId2"/>
-          <a:stretch>
-            <a:fillRect/>
-          </a:stretch>
-        </p:blipFill>
-        <p:spPr>
-          <a:xfrm>
-            <a:off x="661035" y="624205"/>
-            <a:ext cx="4143375" cy="4362450"/>
-          </a:xfrm>
-          <a:prstGeom prst="rect">
-            <a:avLst/>
-          </a:prstGeom>
-        </p:spPr>
-      </p:pic>
-      <p:cxnSp>
-        <p:nvCxnSpPr>
-          <p:cNvPr id="7" name="直接箭头连接符 6"/>
-          <p:cNvCxnSpPr/>
-          <p:nvPr/>
-        </p:nvCxnSpPr>
-        <p:spPr>
-          <a:xfrm flipV="1">
-            <a:off x="3613150" y="1087755"/>
-            <a:ext cx="1757045" cy="15240"/>
-          </a:xfrm>
-          <a:prstGeom prst="straightConnector1">
-            <a:avLst/>
-          </a:prstGeom>
-          <a:ln>
-            <a:solidFill>
-              <a:srgbClr val="0070C0"/>
-            </a:solidFill>
-            <a:tailEnd type="arrow"/>
-          </a:ln>
-        </p:spPr>
-        <p:style>
-          <a:lnRef idx="1">
-            <a:schemeClr val="accent1"/>
-          </a:lnRef>
-          <a:fillRef idx="0">
-            <a:schemeClr val="accent1"/>
-          </a:fillRef>
-          <a:effectRef idx="0">
-            <a:schemeClr val="accent1"/>
-          </a:effectRef>
-          <a:fontRef idx="minor">
-            <a:schemeClr val="tx1"/>
-          </a:fontRef>
-        </p:style>
-      </p:cxnSp>
-      <p:sp>
-        <p:nvSpPr>
-          <p:cNvPr id="9" name="矩形 8"/>
-          <p:cNvSpPr/>
-          <p:nvPr/>
-        </p:nvSpPr>
-        <p:spPr>
-          <a:xfrm>
-            <a:off x="5438775" y="897890"/>
-            <a:ext cx="2092325" cy="395605"/>
-          </a:xfrm>
-          <a:prstGeom prst="rect">
-            <a:avLst/>
-          </a:prstGeom>
-        </p:spPr>
-        <p:style>
-          <a:lnRef idx="2">
-            <a:schemeClr val="accent6"/>
-          </a:lnRef>
-          <a:fillRef idx="1">
-            <a:schemeClr val="lt1"/>
-          </a:fillRef>
-          <a:effectRef idx="0">
-            <a:schemeClr val="accent6"/>
-          </a:effectRef>
-          <a:fontRef idx="minor">
-            <a:schemeClr val="dk1"/>
-          </a:fontRef>
-        </p:style>
-        <p:txBody>
-          <a:bodyPr rtlCol="0" anchor="ctr"/>
-          <a:p>
-            <a:pPr algn="ctr"/>
-            <a:r>
-              <a:rPr lang="zh-CN" altLang="en-US">
-                <a:solidFill>
-                  <a:srgbClr val="0070C0"/>
-                </a:solidFill>
-              </a:rPr>
-              <a:t>数据库配置文件</a:t>
-            </a:r>
-            <a:endParaRPr lang="zh-CN" altLang="en-US">
-              <a:solidFill>
-                <a:srgbClr val="0070C0"/>
-              </a:solidFill>
-            </a:endParaRPr>
-          </a:p>
-        </p:txBody>
-      </p:sp>
-      <p:cxnSp>
-        <p:nvCxnSpPr>
-          <p:cNvPr id="10" name="直接箭头连接符 9"/>
-          <p:cNvCxnSpPr/>
-          <p:nvPr/>
-        </p:nvCxnSpPr>
-        <p:spPr>
-          <a:xfrm>
-            <a:off x="3277870" y="3072765"/>
-            <a:ext cx="1316355" cy="38100"/>
-          </a:xfrm>
-          <a:prstGeom prst="straightConnector1">
-            <a:avLst/>
-          </a:prstGeom>
-          <a:ln>
-            <a:solidFill>
-              <a:srgbClr val="0070C0"/>
-            </a:solidFill>
-            <a:tailEnd type="arrow"/>
-          </a:ln>
-        </p:spPr>
-        <p:style>
-          <a:lnRef idx="1">
-            <a:schemeClr val="accent1"/>
-          </a:lnRef>
-          <a:fillRef idx="0">
-            <a:schemeClr val="accent1"/>
-          </a:fillRef>
-          <a:effectRef idx="0">
-            <a:schemeClr val="accent1"/>
-          </a:effectRef>
-          <a:fontRef idx="minor">
-            <a:schemeClr val="tx1"/>
-          </a:fontRef>
-        </p:style>
-      </p:cxnSp>
-      <p:sp>
-        <p:nvSpPr>
-          <p:cNvPr id="11" name="矩形 10"/>
-          <p:cNvSpPr/>
-          <p:nvPr/>
-        </p:nvSpPr>
-        <p:spPr>
-          <a:xfrm>
-            <a:off x="4715510" y="2894330"/>
-            <a:ext cx="2145665" cy="395605"/>
-          </a:xfrm>
-          <a:prstGeom prst="rect">
-            <a:avLst/>
-          </a:prstGeom>
-        </p:spPr>
-        <p:style>
-          <a:lnRef idx="2">
-            <a:schemeClr val="accent6"/>
-          </a:lnRef>
-          <a:fillRef idx="1">
-            <a:schemeClr val="lt1"/>
-          </a:fillRef>
-          <a:effectRef idx="0">
-            <a:schemeClr val="accent6"/>
-          </a:effectRef>
-          <a:fontRef idx="minor">
-            <a:schemeClr val="dk1"/>
-          </a:fontRef>
-        </p:style>
-        <p:txBody>
-          <a:bodyPr rtlCol="0" anchor="ctr"/>
-          <a:p>
-            <a:pPr algn="ctr"/>
-            <a:r>
-              <a:rPr lang="en-US" altLang="zh-CN">
-                <a:solidFill>
-                  <a:srgbClr val="0070C0"/>
-                </a:solidFill>
-              </a:rPr>
-              <a:t>spring</a:t>
-            </a:r>
-            <a:r>
-              <a:rPr lang="zh-CN" altLang="en-US">
-                <a:solidFill>
-                  <a:srgbClr val="0070C0"/>
-                </a:solidFill>
-              </a:rPr>
-              <a:t>配置文件</a:t>
-            </a:r>
-            <a:endParaRPr lang="zh-CN" altLang="en-US">
-              <a:solidFill>
-                <a:srgbClr val="0070C0"/>
-              </a:solidFill>
-            </a:endParaRPr>
-          </a:p>
-        </p:txBody>
-      </p:sp>
-      <p:cxnSp>
-        <p:nvCxnSpPr>
-          <p:cNvPr id="12" name="直接箭头连接符 11"/>
-          <p:cNvCxnSpPr/>
-          <p:nvPr/>
-        </p:nvCxnSpPr>
-        <p:spPr>
-          <a:xfrm flipV="1">
-            <a:off x="3613150" y="3270885"/>
-            <a:ext cx="935355" cy="137160"/>
-          </a:xfrm>
-          <a:prstGeom prst="straightConnector1">
-            <a:avLst/>
-          </a:prstGeom>
-          <a:ln>
-            <a:solidFill>
-              <a:srgbClr val="0070C0"/>
-            </a:solidFill>
-            <a:tailEnd type="arrow"/>
-          </a:ln>
-        </p:spPr>
-        <p:style>
-          <a:lnRef idx="1">
-            <a:schemeClr val="accent1"/>
-          </a:lnRef>
-          <a:fillRef idx="0">
-            <a:schemeClr val="accent1"/>
-          </a:fillRef>
-          <a:effectRef idx="0">
-            <a:schemeClr val="accent1"/>
-          </a:effectRef>
-          <a:fontRef idx="minor">
-            <a:schemeClr val="tx1"/>
-          </a:fontRef>
-        </p:style>
-      </p:cxnSp>
-      <p:cxnSp>
-        <p:nvCxnSpPr>
-          <p:cNvPr id="13" name="直接箭头连接符 12"/>
-          <p:cNvCxnSpPr/>
-          <p:nvPr/>
-        </p:nvCxnSpPr>
-        <p:spPr>
-          <a:xfrm flipV="1">
-            <a:off x="3103245" y="4389120"/>
-            <a:ext cx="1171575" cy="22860"/>
-          </a:xfrm>
-          <a:prstGeom prst="straightConnector1">
-            <a:avLst/>
-          </a:prstGeom>
-          <a:ln>
-            <a:solidFill>
-              <a:srgbClr val="0070C0"/>
-            </a:solidFill>
-            <a:tailEnd type="arrow"/>
-          </a:ln>
-        </p:spPr>
-        <p:style>
-          <a:lnRef idx="1">
-            <a:schemeClr val="accent1"/>
-          </a:lnRef>
-          <a:fillRef idx="0">
-            <a:schemeClr val="accent1"/>
-          </a:fillRef>
-          <a:effectRef idx="0">
-            <a:schemeClr val="accent1"/>
-          </a:effectRef>
-          <a:fontRef idx="minor">
-            <a:schemeClr val="tx1"/>
-          </a:fontRef>
-        </p:style>
-      </p:cxnSp>
-      <p:sp>
-        <p:nvSpPr>
-          <p:cNvPr id="14" name="矩形 13"/>
-          <p:cNvSpPr/>
-          <p:nvPr/>
-        </p:nvSpPr>
-        <p:spPr>
-          <a:xfrm>
-            <a:off x="4328160" y="4191000"/>
-            <a:ext cx="1848485" cy="311785"/>
-          </a:xfrm>
-          <a:prstGeom prst="rect">
-            <a:avLst/>
-          </a:prstGeom>
-        </p:spPr>
-        <p:style>
-          <a:lnRef idx="2">
-            <a:schemeClr val="accent6"/>
-          </a:lnRef>
-          <a:fillRef idx="1">
-            <a:schemeClr val="lt1"/>
-          </a:fillRef>
-          <a:effectRef idx="0">
-            <a:schemeClr val="accent6"/>
-          </a:effectRef>
-          <a:fontRef idx="minor">
-            <a:schemeClr val="dk1"/>
-          </a:fontRef>
-        </p:style>
-        <p:txBody>
-          <a:bodyPr rtlCol="0" anchor="ctr"/>
-          <a:p>
-            <a:pPr algn="ctr"/>
-            <a:r>
-              <a:rPr lang="en-US" altLang="zh-CN">
-                <a:solidFill>
-                  <a:srgbClr val="0070C0"/>
-                </a:solidFill>
-              </a:rPr>
-              <a:t>log4j</a:t>
-            </a:r>
-            <a:r>
-              <a:rPr lang="zh-CN" altLang="en-US">
-                <a:solidFill>
-                  <a:srgbClr val="0070C0"/>
-                </a:solidFill>
-              </a:rPr>
-              <a:t>配置文件</a:t>
-            </a:r>
-            <a:endParaRPr lang="zh-CN" altLang="en-US">
-              <a:solidFill>
-                <a:srgbClr val="0070C0"/>
-              </a:solidFill>
-            </a:endParaRPr>
-          </a:p>
-        </p:txBody>
-      </p:sp>
-      <p:cxnSp>
-        <p:nvCxnSpPr>
-          <p:cNvPr id="15" name="直接箭头连接符 14"/>
-          <p:cNvCxnSpPr/>
-          <p:nvPr/>
-        </p:nvCxnSpPr>
-        <p:spPr>
-          <a:xfrm>
-            <a:off x="3293110" y="4723765"/>
-            <a:ext cx="1301115" cy="53340"/>
-          </a:xfrm>
-          <a:prstGeom prst="straightConnector1">
-            <a:avLst/>
-          </a:prstGeom>
-          <a:ln>
-            <a:solidFill>
-              <a:srgbClr val="5877B6"/>
-            </a:solidFill>
-            <a:tailEnd type="arrow"/>
-          </a:ln>
-        </p:spPr>
-        <p:style>
-          <a:lnRef idx="1">
-            <a:schemeClr val="accent1"/>
-          </a:lnRef>
-          <a:fillRef idx="0">
-            <a:schemeClr val="accent1"/>
-          </a:fillRef>
-          <a:effectRef idx="0">
-            <a:schemeClr val="accent1"/>
-          </a:effectRef>
-          <a:fontRef idx="minor">
-            <a:schemeClr val="tx1"/>
-          </a:fontRef>
-        </p:style>
-      </p:cxnSp>
-      <p:sp>
-        <p:nvSpPr>
-          <p:cNvPr id="18" name="矩形 17"/>
-          <p:cNvSpPr/>
-          <p:nvPr/>
-        </p:nvSpPr>
-        <p:spPr>
-          <a:xfrm>
-            <a:off x="4660265" y="4723765"/>
-            <a:ext cx="2061210" cy="311785"/>
-          </a:xfrm>
-          <a:prstGeom prst="rect">
-            <a:avLst/>
-          </a:prstGeom>
-        </p:spPr>
-        <p:style>
-          <a:lnRef idx="2">
-            <a:schemeClr val="accent6"/>
-          </a:lnRef>
-          <a:fillRef idx="1">
-            <a:schemeClr val="lt1"/>
-          </a:fillRef>
-          <a:effectRef idx="0">
-            <a:schemeClr val="accent6"/>
-          </a:effectRef>
-          <a:fontRef idx="minor">
-            <a:schemeClr val="dk1"/>
-          </a:fontRef>
-        </p:style>
-        <p:txBody>
-          <a:bodyPr rtlCol="0" anchor="ctr"/>
-          <a:p>
-            <a:pPr algn="ctr"/>
-            <a:r>
-              <a:rPr lang="en-US">
-                <a:solidFill>
-                  <a:srgbClr val="0070C0"/>
-                </a:solidFill>
-              </a:rPr>
-              <a:t>mybatis</a:t>
-            </a:r>
-            <a:r>
-              <a:rPr lang="zh-CN" altLang="en-US">
-                <a:solidFill>
-                  <a:srgbClr val="0070C0"/>
-                </a:solidFill>
-              </a:rPr>
-              <a:t>配置文件</a:t>
-            </a:r>
-            <a:endParaRPr lang="zh-CN" altLang="en-US">
-              <a:solidFill>
-                <a:srgbClr val="0070C0"/>
-              </a:solidFill>
-            </a:endParaRPr>
-          </a:p>
-        </p:txBody>
-      </p:sp>
-      <p:pic>
-        <p:nvPicPr>
-          <p:cNvPr id="19" name="图片 18"/>
-          <p:cNvPicPr>
-            <a:picLocks noChangeAspect="1"/>
-          </p:cNvPicPr>
-          <p:nvPr/>
-        </p:nvPicPr>
-        <p:blipFill>
-          <a:blip r:embed="rId3"/>
-          <a:stretch>
-            <a:fillRect/>
-          </a:stretch>
-        </p:blipFill>
-        <p:spPr>
-          <a:xfrm>
-            <a:off x="775970" y="673735"/>
-            <a:ext cx="3498850" cy="4263390"/>
-          </a:xfrm>
-          <a:prstGeom prst="rect">
-            <a:avLst/>
-          </a:prstGeom>
-        </p:spPr>
-      </p:pic>
-      <p:sp>
-        <p:nvSpPr>
-          <p:cNvPr id="21" name="文本框 20"/>
-          <p:cNvSpPr txBox="1"/>
-          <p:nvPr/>
-        </p:nvSpPr>
-        <p:spPr>
-          <a:xfrm>
-            <a:off x="5263515" y="1863725"/>
-            <a:ext cx="3529965" cy="521970"/>
-          </a:xfrm>
-          <a:prstGeom prst="rect">
-            <a:avLst/>
-          </a:prstGeom>
-          <a:noFill/>
-        </p:spPr>
-        <p:txBody>
-          <a:bodyPr wrap="square" rtlCol="0">
-            <a:spAutoFit/>
-          </a:bodyPr>
-          <a:p>
-            <a:r>
-              <a:rPr lang="zh-CN" altLang="en-US" sz="2800">
-                <a:solidFill>
-                  <a:srgbClr val="0070C0"/>
-                </a:solidFill>
-              </a:rPr>
-              <a:t>映射文件</a:t>
-            </a:r>
-            <a:endParaRPr lang="zh-CN" altLang="en-US" sz="2800">
-              <a:solidFill>
-                <a:srgbClr val="0070C0"/>
-              </a:solidFill>
-            </a:endParaRPr>
-          </a:p>
-        </p:txBody>
-      </p:sp>
-    </p:spTree>
-  </p:cSld>
-  <p:clrMapOvr>
-    <a:masterClrMapping/>
-  </p:clrMapOvr>
-  <mc:AlternateContent xmlns:mc="http://schemas.openxmlformats.org/markup-compatibility/2006">
-    <mc:Choice xmlns:p14="http://schemas.microsoft.com/office/powerpoint/2010/main" Requires="p14">
-      <p:transition spd="slow" p14:dur="1500">
-        <p:random/>
-      </p:transition>
-    </mc:Choice>
-    <mc:Fallback>
-      <p:transition spd="slow">
-        <p:random/>
-      </p:transition>
-    </mc:Fallback>
-  </mc:AlternateContent>
-  <p:timing>
-    <p:tnLst>
-      <p:par>
-        <p:cTn id="1" dur="indefinite" restart="never" nodeType="tmRoot">
-          <p:childTnLst>
-            <p:seq concurrent="1" nextAc="seek">
-              <p:cTn id="2" dur="indefinite" nodeType="mainSeq">
-                <p:childTnLst>
-                  <p:par>
-                    <p:cTn id="3" fill="hold">
-                      <p:stCondLst>
-                        <p:cond delay="indefinite"/>
-                        <p:cond evt="onBegin" delay="0">
-                          <p:tn val="2"/>
-                        </p:cond>
-                      </p:stCondLst>
-                      <p:childTnLst>
-                        <p:par>
-                          <p:cTn id="4" fill="hold">
-                            <p:stCondLst>
-                              <p:cond delay="0"/>
-                            </p:stCondLst>
-                            <p:childTnLst>
-                              <p:par>
-                                <p:cTn id="5" presetID="42" presetClass="entr" presetSubtype="0" fill="hold" grpId="0" nodeType="withEffect">
-                                  <p:stCondLst>
-                                    <p:cond delay="0"/>
-                                  </p:stCondLst>
-                                  <p:childTnLst>
-                                    <p:set>
-                                      <p:cBhvr>
-                                        <p:cTn id="6" dur="1" fill="hold">
-                                          <p:stCondLst>
-                                            <p:cond delay="0"/>
-                                          </p:stCondLst>
-                                        </p:cTn>
-                                        <p:tgtEl>
-                                          <p:spTgt spid="8"/>
-                                        </p:tgtEl>
-                                        <p:attrNameLst>
-                                          <p:attrName>style.visibility</p:attrName>
-                                        </p:attrNameLst>
-                                      </p:cBhvr>
-                                      <p:to>
-                                        <p:strVal val="visible"/>
-                                      </p:to>
-                                    </p:set>
-                                    <p:animEffect transition="in" filter="fade">
-                                      <p:cBhvr>
-                                        <p:cTn id="7" dur="500"/>
-                                        <p:tgtEl>
-                                          <p:spTgt spid="8"/>
-                                        </p:tgtEl>
-                                      </p:cBhvr>
-                                    </p:animEffect>
-                                    <p:anim calcmode="lin" valueType="num">
-                                      <p:cBhvr>
-                                        <p:cTn id="8" dur="500" fill="hold"/>
-                                        <p:tgtEl>
-                                          <p:spTgt spid="8"/>
-                                        </p:tgtEl>
-                                        <p:attrNameLst>
-                                          <p:attrName>ppt_x</p:attrName>
-                                        </p:attrNameLst>
-                                      </p:cBhvr>
-                                      <p:tavLst>
-                                        <p:tav tm="0">
-                                          <p:val>
-                                            <p:strVal val="#ppt_x"/>
-                                          </p:val>
-                                        </p:tav>
-                                        <p:tav tm="100000">
-                                          <p:val>
-                                            <p:strVal val="#ppt_x"/>
-                                          </p:val>
-                                        </p:tav>
-                                      </p:tavLst>
-                                    </p:anim>
-                                    <p:anim calcmode="lin" valueType="num">
-                                      <p:cBhvr>
-                                        <p:cTn id="9" dur="500" fill="hold"/>
-                                        <p:tgtEl>
-                                          <p:spTgt spid="8"/>
-                                        </p:tgtEl>
-                                        <p:attrNameLst>
-                                          <p:attrName>ppt_y</p:attrName>
-                                        </p:attrNameLst>
-                                      </p:cBhvr>
-                                      <p:tavLst>
-                                        <p:tav tm="0">
-                                          <p:val>
-                                            <p:strVal val="#ppt_y+.1"/>
-                                          </p:val>
-                                        </p:tav>
-                                        <p:tav tm="100000">
-                                          <p:val>
-                                            <p:strVal val="#ppt_y"/>
-                                          </p:val>
-                                        </p:tav>
-                                      </p:tavLst>
-                                    </p:anim>
-                                  </p:childTnLst>
-                                </p:cTn>
-                              </p:par>
-                            </p:childTnLst>
-                          </p:cTn>
-                        </p:par>
-                      </p:childTnLst>
-                    </p:cTn>
-                  </p:par>
-                  <p:par>
-                    <p:cTn id="10" fill="hold">
-                      <p:stCondLst>
-                        <p:cond delay="indefinite"/>
-                      </p:stCondLst>
-                      <p:childTnLst>
-                        <p:par>
-                          <p:cTn id="11" fill="hold">
-                            <p:stCondLst>
-                              <p:cond delay="0"/>
-                            </p:stCondLst>
-                            <p:childTnLst>
-                              <p:par>
-                                <p:cTn id="12" presetID="4" presetClass="entr" presetSubtype="16" fill="hold" nodeType="clickEffect">
-                                  <p:stCondLst>
-                                    <p:cond delay="0"/>
-                                  </p:stCondLst>
-                                  <p:childTnLst>
-                                    <p:set>
-                                      <p:cBhvr>
-                                        <p:cTn id="13" dur="1" fill="hold">
-                                          <p:stCondLst>
-                                            <p:cond delay="0"/>
-                                          </p:stCondLst>
-                                        </p:cTn>
-                                        <p:tgtEl>
-                                          <p:spTgt spid="4"/>
-                                        </p:tgtEl>
-                                        <p:attrNameLst>
-                                          <p:attrName>style.visibility</p:attrName>
-                                        </p:attrNameLst>
-                                      </p:cBhvr>
-                                      <p:to>
-                                        <p:strVal val="visible"/>
-                                      </p:to>
-                                    </p:set>
-                                    <p:animEffect transition="in" filter="box(in)">
-                                      <p:cBhvr>
-                                        <p:cTn id="14" dur="2000"/>
-                                        <p:tgtEl>
-                                          <p:spTgt spid="4"/>
-                                        </p:tgtEl>
-                                      </p:cBhvr>
-                                    </p:animEffect>
-                                  </p:childTnLst>
-                                  <p:subTnLst>
-                                    <p:set>
-                                      <p:cBhvr override="childStyle">
-                                        <p:cTn dur="65" fill="hold" display="1" masterRel="nextClick" afterEffect="1"/>
-                                        <p:tgtEl>
-                                          <p:spTgt spid="4"/>
-                                        </p:tgtEl>
-                                        <p:attrNameLst>
-                                          <p:attrName>style.visibility</p:attrName>
-                                        </p:attrNameLst>
-                                      </p:cBhvr>
-                                      <p:to>
-                                        <p:strVal val="hidden"/>
-                                      </p:to>
-                                    </p:set>
-                                  </p:subTnLst>
-                                </p:cTn>
-                              </p:par>
-                              <p:par>
-                                <p:cTn id="15" presetID="4" presetClass="entr" presetSubtype="16" fill="hold" grpId="0" nodeType="withEffect">
-                                  <p:stCondLst>
-                                    <p:cond delay="0"/>
-                                  </p:stCondLst>
-                                  <p:childTnLst>
-                                    <p:set>
-                                      <p:cBhvr>
-                                        <p:cTn id="16" dur="1" fill="hold">
-                                          <p:stCondLst>
-                                            <p:cond delay="0"/>
-                                          </p:stCondLst>
-                                        </p:cTn>
-                                        <p:tgtEl>
-                                          <p:spTgt spid="5"/>
-                                        </p:tgtEl>
-                                        <p:attrNameLst>
-                                          <p:attrName>style.visibility</p:attrName>
-                                        </p:attrNameLst>
-                                      </p:cBhvr>
-                                      <p:to>
-                                        <p:strVal val="visible"/>
-                                      </p:to>
-                                    </p:set>
-                                    <p:animEffect transition="in" filter="box(in)">
-                                      <p:cBhvr>
-                                        <p:cTn id="17" dur="2000"/>
-                                        <p:tgtEl>
-                                          <p:spTgt spid="5"/>
-                                        </p:tgtEl>
-                                      </p:cBhvr>
-                                    </p:animEffect>
-                                  </p:childTnLst>
-                                  <p:subTnLst>
-                                    <p:set>
-                                      <p:cBhvr override="childStyle">
-                                        <p:cTn dur="65" fill="hold" display="1" masterRel="nextClick" afterEffect="1"/>
-                                        <p:tgtEl>
-                                          <p:spTgt spid="5"/>
-                                        </p:tgtEl>
-                                        <p:attrNameLst>
-                                          <p:attrName>style.visibility</p:attrName>
-                                        </p:attrNameLst>
-                                      </p:cBhvr>
-                                      <p:to>
-                                        <p:strVal val="hidden"/>
-                                      </p:to>
-                                    </p:set>
-                                  </p:subTnLst>
-                                </p:cTn>
-                              </p:par>
-                            </p:childTnLst>
-                          </p:cTn>
-                        </p:par>
-                      </p:childTnLst>
-                    </p:cTn>
-                  </p:par>
-                  <p:par>
-                    <p:cTn id="18" fill="hold">
-                      <p:stCondLst>
-                        <p:cond delay="indefinite"/>
-                      </p:stCondLst>
-                      <p:childTnLst>
-                        <p:par>
-                          <p:cTn id="19" fill="hold">
-                            <p:stCondLst>
-                              <p:cond delay="0"/>
-                            </p:stCondLst>
-                            <p:childTnLst>
-                              <p:par>
-                                <p:cTn id="20" presetID="22" presetClass="entr" presetSubtype="4" fill="hold" nodeType="clickEffect">
-                                  <p:stCondLst>
-                                    <p:cond delay="0"/>
-                                  </p:stCondLst>
-                                  <p:childTnLst>
-                                    <p:set>
-                                      <p:cBhvr>
-                                        <p:cTn id="21" dur="1" fill="hold">
-                                          <p:stCondLst>
-                                            <p:cond delay="0"/>
-                                          </p:stCondLst>
-                                        </p:cTn>
-                                        <p:tgtEl>
-                                          <p:spTgt spid="6"/>
-                                        </p:tgtEl>
-                                        <p:attrNameLst>
-                                          <p:attrName>style.visibility</p:attrName>
-                                        </p:attrNameLst>
-                                      </p:cBhvr>
-                                      <p:to>
-                                        <p:strVal val="visible"/>
-                                      </p:to>
-                                    </p:set>
-                                    <p:animEffect transition="in" filter="wipe(down)">
-                                      <p:cBhvr>
-                                        <p:cTn id="22" dur="500"/>
-                                        <p:tgtEl>
-                                          <p:spTgt spid="6"/>
-                                        </p:tgtEl>
-                                      </p:cBhvr>
-                                    </p:animEffect>
-                                  </p:childTnLst>
-                                  <p:subTnLst>
-                                    <p:set>
-                                      <p:cBhvr override="childStyle">
-                                        <p:cTn dur="65" fill="hold" display="1" masterRel="nextClick" afterEffect="1"/>
-                                        <p:tgtEl>
-                                          <p:spTgt spid="6"/>
-                                        </p:tgtEl>
-                                        <p:attrNameLst>
-                                          <p:attrName>style.visibility</p:attrName>
-                                        </p:attrNameLst>
-                                      </p:cBhvr>
-                                      <p:to>
-                                        <p:strVal val="hidden"/>
-                                      </p:to>
-                                    </p:set>
-                                  </p:subTnLst>
-                                </p:cTn>
-                              </p:par>
-                              <p:par>
-                                <p:cTn id="23" presetID="2" presetClass="entr" presetSubtype="4" fill="hold" nodeType="withEffect">
-                                  <p:stCondLst>
-                                    <p:cond delay="0"/>
-                                  </p:stCondLst>
-                                  <p:childTnLst>
-                                    <p:set>
-                                      <p:cBhvr>
-                                        <p:cTn id="24" dur="1" fill="hold">
-                                          <p:stCondLst>
-                                            <p:cond delay="0"/>
-                                          </p:stCondLst>
-                                        </p:cTn>
-                                        <p:tgtEl>
-                                          <p:spTgt spid="7"/>
-                                        </p:tgtEl>
-                                        <p:attrNameLst>
-                                          <p:attrName>style.visibility</p:attrName>
-                                        </p:attrNameLst>
-                                      </p:cBhvr>
-                                      <p:to>
-                                        <p:strVal val="visible"/>
-                                      </p:to>
-                                    </p:set>
-                                    <p:anim calcmode="lin" valueType="num">
-                                      <p:cBhvr additive="base">
-                                        <p:cTn id="25" dur="500" fill="hold"/>
-                                        <p:tgtEl>
-                                          <p:spTgt spid="7"/>
-                                        </p:tgtEl>
-                                        <p:attrNameLst>
-                                          <p:attrName>ppt_x</p:attrName>
-                                        </p:attrNameLst>
-                                      </p:cBhvr>
-                                      <p:tavLst>
-                                        <p:tav tm="0">
-                                          <p:val>
-                                            <p:strVal val="#ppt_x"/>
-                                          </p:val>
-                                        </p:tav>
-                                        <p:tav tm="100000">
-                                          <p:val>
-                                            <p:strVal val="#ppt_x"/>
-                                          </p:val>
-                                        </p:tav>
-                                      </p:tavLst>
-                                    </p:anim>
-                                    <p:anim calcmode="lin" valueType="num">
-                                      <p:cBhvr additive="base">
-                                        <p:cTn id="26" dur="500" fill="hold"/>
-                                        <p:tgtEl>
-                                          <p:spTgt spid="7"/>
-                                        </p:tgtEl>
-                                        <p:attrNameLst>
-                                          <p:attrName>ppt_y</p:attrName>
-                                        </p:attrNameLst>
-                                      </p:cBhvr>
-                                      <p:tavLst>
-                                        <p:tav tm="0">
-                                          <p:val>
-                                            <p:strVal val="1+#ppt_h/2"/>
-                                          </p:val>
-                                        </p:tav>
-                                        <p:tav tm="100000">
-                                          <p:val>
-                                            <p:strVal val="#ppt_y"/>
-                                          </p:val>
-                                        </p:tav>
-                                      </p:tavLst>
-                                    </p:anim>
-                                  </p:childTnLst>
-                                  <p:subTnLst>
-                                    <p:set>
-                                      <p:cBhvr override="childStyle">
-                                        <p:cTn dur="65" fill="hold" display="1" masterRel="nextClick" afterEffect="1"/>
-                                        <p:tgtEl>
-                                          <p:spTgt spid="7"/>
-                                        </p:tgtEl>
-                                        <p:attrNameLst>
-                                          <p:attrName>style.visibility</p:attrName>
-                                        </p:attrNameLst>
-                                      </p:cBhvr>
-                                      <p:to>
-                                        <p:strVal val="hidden"/>
-                                      </p:to>
-                                    </p:set>
-                                  </p:subTnLst>
-                                </p:cTn>
-                              </p:par>
-                              <p:par>
-                                <p:cTn id="27" presetID="2" presetClass="entr" presetSubtype="4" fill="hold" grpId="0" nodeType="withEffect">
-                                  <p:stCondLst>
-                                    <p:cond delay="0"/>
-                                  </p:stCondLst>
-                                  <p:childTnLst>
-                                    <p:set>
-                                      <p:cBhvr>
-                                        <p:cTn id="28" dur="1" fill="hold">
-                                          <p:stCondLst>
-                                            <p:cond delay="0"/>
-                                          </p:stCondLst>
-                                        </p:cTn>
-                                        <p:tgtEl>
-                                          <p:spTgt spid="9"/>
-                                        </p:tgtEl>
-                                        <p:attrNameLst>
-                                          <p:attrName>style.visibility</p:attrName>
-                                        </p:attrNameLst>
-                                      </p:cBhvr>
-                                      <p:to>
-                                        <p:strVal val="visible"/>
-                                      </p:to>
-                                    </p:set>
-                                    <p:anim calcmode="lin" valueType="num">
-                                      <p:cBhvr additive="base">
-                                        <p:cTn id="29" dur="500" fill="hold"/>
-                                        <p:tgtEl>
-                                          <p:spTgt spid="9"/>
-                                        </p:tgtEl>
-                                        <p:attrNameLst>
-                                          <p:attrName>ppt_x</p:attrName>
-                                        </p:attrNameLst>
-                                      </p:cBhvr>
-                                      <p:tavLst>
-                                        <p:tav tm="0">
-                                          <p:val>
-                                            <p:strVal val="#ppt_x"/>
-                                          </p:val>
-                                        </p:tav>
-                                        <p:tav tm="100000">
-                                          <p:val>
-                                            <p:strVal val="#ppt_x"/>
-                                          </p:val>
-                                        </p:tav>
-                                      </p:tavLst>
-                                    </p:anim>
-                                    <p:anim calcmode="lin" valueType="num">
-                                      <p:cBhvr additive="base">
-                                        <p:cTn id="30" dur="500" fill="hold"/>
-                                        <p:tgtEl>
-                                          <p:spTgt spid="9"/>
-                                        </p:tgtEl>
-                                        <p:attrNameLst>
-                                          <p:attrName>ppt_y</p:attrName>
-                                        </p:attrNameLst>
-                                      </p:cBhvr>
-                                      <p:tavLst>
-                                        <p:tav tm="0">
-                                          <p:val>
-                                            <p:strVal val="1+#ppt_h/2"/>
-                                          </p:val>
-                                        </p:tav>
-                                        <p:tav tm="100000">
-                                          <p:val>
-                                            <p:strVal val="#ppt_y"/>
-                                          </p:val>
-                                        </p:tav>
-                                      </p:tavLst>
-                                    </p:anim>
-                                  </p:childTnLst>
-                                  <p:subTnLst>
-                                    <p:set>
-                                      <p:cBhvr override="childStyle">
-                                        <p:cTn dur="65" fill="hold" display="1" masterRel="nextClick" afterEffect="1"/>
-                                        <p:tgtEl>
-                                          <p:spTgt spid="9"/>
-                                        </p:tgtEl>
-                                        <p:attrNameLst>
-                                          <p:attrName>style.visibility</p:attrName>
-                                        </p:attrNameLst>
-                                      </p:cBhvr>
-                                      <p:to>
-                                        <p:strVal val="hidden"/>
-                                      </p:to>
-                                    </p:set>
-                                  </p:subTnLst>
-                                </p:cTn>
-                              </p:par>
-                              <p:par>
-                                <p:cTn id="31" presetID="2" presetClass="entr" presetSubtype="4" fill="hold" nodeType="withEffect">
-                                  <p:stCondLst>
-                                    <p:cond delay="0"/>
-                                  </p:stCondLst>
-                                  <p:childTnLst>
-                                    <p:set>
-                                      <p:cBhvr>
-                                        <p:cTn id="32" dur="1" fill="hold">
-                                          <p:stCondLst>
-                                            <p:cond delay="0"/>
-                                          </p:stCondLst>
-                                        </p:cTn>
-                                        <p:tgtEl>
-                                          <p:spTgt spid="10"/>
-                                        </p:tgtEl>
-                                        <p:attrNameLst>
-                                          <p:attrName>style.visibility</p:attrName>
-                                        </p:attrNameLst>
-                                      </p:cBhvr>
-                                      <p:to>
-                                        <p:strVal val="visible"/>
-                                      </p:to>
-                                    </p:set>
-                                    <p:anim calcmode="lin" valueType="num">
-                                      <p:cBhvr additive="base">
-                                        <p:cTn id="33" dur="500" fill="hold"/>
-                                        <p:tgtEl>
-                                          <p:spTgt spid="10"/>
-                                        </p:tgtEl>
-                                        <p:attrNameLst>
-                                          <p:attrName>ppt_x</p:attrName>
-                                        </p:attrNameLst>
-                                      </p:cBhvr>
-                                      <p:tavLst>
-                                        <p:tav tm="0">
-                                          <p:val>
-                                            <p:strVal val="#ppt_x"/>
-                                          </p:val>
-                                        </p:tav>
-                                        <p:tav tm="100000">
-                                          <p:val>
-                                            <p:strVal val="#ppt_x"/>
-                                          </p:val>
-                                        </p:tav>
-                                      </p:tavLst>
-                                    </p:anim>
-                                    <p:anim calcmode="lin" valueType="num">
-                                      <p:cBhvr additive="base">
-                                        <p:cTn id="34" dur="500" fill="hold"/>
-                                        <p:tgtEl>
-                                          <p:spTgt spid="10"/>
-                                        </p:tgtEl>
-                                        <p:attrNameLst>
-                                          <p:attrName>ppt_y</p:attrName>
-                                        </p:attrNameLst>
-                                      </p:cBhvr>
-                                      <p:tavLst>
-                                        <p:tav tm="0">
-                                          <p:val>
-                                            <p:strVal val="1+#ppt_h/2"/>
-                                          </p:val>
-                                        </p:tav>
-                                        <p:tav tm="100000">
-                                          <p:val>
-                                            <p:strVal val="#ppt_y"/>
-                                          </p:val>
-                                        </p:tav>
-                                      </p:tavLst>
-                                    </p:anim>
-                                  </p:childTnLst>
-                                  <p:subTnLst>
-                                    <p:set>
-                                      <p:cBhvr override="childStyle">
-                                        <p:cTn dur="65" fill="hold" display="1" masterRel="nextClick" afterEffect="1"/>
-                                        <p:tgtEl>
-                                          <p:spTgt spid="10"/>
-                                        </p:tgtEl>
-                                        <p:attrNameLst>
-                                          <p:attrName>style.visibility</p:attrName>
-                                        </p:attrNameLst>
-                                      </p:cBhvr>
-                                      <p:to>
-                                        <p:strVal val="hidden"/>
-                                      </p:to>
-                                    </p:set>
-                                  </p:subTnLst>
-                                </p:cTn>
-                              </p:par>
-                              <p:par>
-                                <p:cTn id="35" presetID="2" presetClass="entr" presetSubtype="4" fill="hold" grpId="0" nodeType="withEffect">
-                                  <p:stCondLst>
-                                    <p:cond delay="0"/>
-                                  </p:stCondLst>
-                                  <p:childTnLst>
-                                    <p:set>
-                                      <p:cBhvr>
-                                        <p:cTn id="36" dur="1" fill="hold">
-                                          <p:stCondLst>
-                                            <p:cond delay="0"/>
-                                          </p:stCondLst>
-                                        </p:cTn>
-                                        <p:tgtEl>
-                                          <p:spTgt spid="11"/>
-                                        </p:tgtEl>
-                                        <p:attrNameLst>
-                                          <p:attrName>style.visibility</p:attrName>
-                                        </p:attrNameLst>
-                                      </p:cBhvr>
-                                      <p:to>
-                                        <p:strVal val="visible"/>
-                                      </p:to>
-                                    </p:set>
-                                    <p:anim calcmode="lin" valueType="num">
-                                      <p:cBhvr additive="base">
-                                        <p:cTn id="37" dur="500" fill="hold"/>
-                                        <p:tgtEl>
-                                          <p:spTgt spid="11"/>
-                                        </p:tgtEl>
-                                        <p:attrNameLst>
-                                          <p:attrName>ppt_x</p:attrName>
-                                        </p:attrNameLst>
-                                      </p:cBhvr>
-                                      <p:tavLst>
-                                        <p:tav tm="0">
-                                          <p:val>
-                                            <p:strVal val="#ppt_x"/>
-                                          </p:val>
-                                        </p:tav>
-                                        <p:tav tm="100000">
-                                          <p:val>
-                                            <p:strVal val="#ppt_x"/>
-                                          </p:val>
-                                        </p:tav>
-                                      </p:tavLst>
-                                    </p:anim>
-                                    <p:anim calcmode="lin" valueType="num">
-                                      <p:cBhvr additive="base">
-                                        <p:cTn id="38" dur="500" fill="hold"/>
-                                        <p:tgtEl>
-                                          <p:spTgt spid="11"/>
-                                        </p:tgtEl>
-                                        <p:attrNameLst>
-                                          <p:attrName>ppt_y</p:attrName>
-                                        </p:attrNameLst>
-                                      </p:cBhvr>
-                                      <p:tavLst>
-                                        <p:tav tm="0">
-                                          <p:val>
-                                            <p:strVal val="1+#ppt_h/2"/>
-                                          </p:val>
-                                        </p:tav>
-                                        <p:tav tm="100000">
-                                          <p:val>
-                                            <p:strVal val="#ppt_y"/>
-                                          </p:val>
-                                        </p:tav>
-                                      </p:tavLst>
-                                    </p:anim>
-                                  </p:childTnLst>
-                                  <p:subTnLst>
-                                    <p:set>
-                                      <p:cBhvr override="childStyle">
-                                        <p:cTn dur="65" fill="hold" display="1" masterRel="nextClick" afterEffect="1"/>
-                                        <p:tgtEl>
-                                          <p:spTgt spid="11"/>
-                                        </p:tgtEl>
-                                        <p:attrNameLst>
-                                          <p:attrName>style.visibility</p:attrName>
-                                        </p:attrNameLst>
-                                      </p:cBhvr>
-                                      <p:to>
-                                        <p:strVal val="hidden"/>
-                                      </p:to>
-                                    </p:set>
-                                  </p:subTnLst>
-                                </p:cTn>
-                              </p:par>
-                              <p:par>
-                                <p:cTn id="39" presetID="2" presetClass="entr" presetSubtype="4" fill="hold" nodeType="withEffect">
-                                  <p:stCondLst>
-                                    <p:cond delay="0"/>
-                                  </p:stCondLst>
-                                  <p:childTnLst>
-                                    <p:set>
-                                      <p:cBhvr>
-                                        <p:cTn id="40" dur="1" fill="hold">
-                                          <p:stCondLst>
-                                            <p:cond delay="0"/>
-                                          </p:stCondLst>
-                                        </p:cTn>
-                                        <p:tgtEl>
-                                          <p:spTgt spid="13"/>
-                                        </p:tgtEl>
-                                        <p:attrNameLst>
-                                          <p:attrName>style.visibility</p:attrName>
-                                        </p:attrNameLst>
-                                      </p:cBhvr>
-                                      <p:to>
-                                        <p:strVal val="visible"/>
-                                      </p:to>
-                                    </p:set>
-                                    <p:anim calcmode="lin" valueType="num">
-                                      <p:cBhvr additive="base">
-                                        <p:cTn id="41" dur="500" fill="hold"/>
-                                        <p:tgtEl>
-                                          <p:spTgt spid="13"/>
-                                        </p:tgtEl>
-                                        <p:attrNameLst>
-                                          <p:attrName>ppt_x</p:attrName>
-                                        </p:attrNameLst>
-                                      </p:cBhvr>
-                                      <p:tavLst>
-                                        <p:tav tm="0">
-                                          <p:val>
-                                            <p:strVal val="#ppt_x"/>
-                                          </p:val>
-                                        </p:tav>
-                                        <p:tav tm="100000">
-                                          <p:val>
-                                            <p:strVal val="#ppt_x"/>
-                                          </p:val>
-                                        </p:tav>
-                                      </p:tavLst>
-                                    </p:anim>
-                                    <p:anim calcmode="lin" valueType="num">
-                                      <p:cBhvr additive="base">
-                                        <p:cTn id="42" dur="500" fill="hold"/>
-                                        <p:tgtEl>
-                                          <p:spTgt spid="13"/>
-                                        </p:tgtEl>
-                                        <p:attrNameLst>
-                                          <p:attrName>ppt_y</p:attrName>
-                                        </p:attrNameLst>
-                                      </p:cBhvr>
-                                      <p:tavLst>
-                                        <p:tav tm="0">
-                                          <p:val>
-                                            <p:strVal val="1+#ppt_h/2"/>
-                                          </p:val>
-                                        </p:tav>
-                                        <p:tav tm="100000">
-                                          <p:val>
-                                            <p:strVal val="#ppt_y"/>
-                                          </p:val>
-                                        </p:tav>
-                                      </p:tavLst>
-                                    </p:anim>
-                                  </p:childTnLst>
-                                  <p:subTnLst>
-                                    <p:set>
-                                      <p:cBhvr override="childStyle">
-                                        <p:cTn dur="65" fill="hold" display="1" masterRel="nextClick" afterEffect="1"/>
-                                        <p:tgtEl>
-                                          <p:spTgt spid="13"/>
-                                        </p:tgtEl>
-                                        <p:attrNameLst>
-                                          <p:attrName>style.visibility</p:attrName>
-                                        </p:attrNameLst>
-                                      </p:cBhvr>
-                                      <p:to>
-                                        <p:strVal val="hidden"/>
-                                      </p:to>
-                                    </p:set>
-                                  </p:subTnLst>
-                                </p:cTn>
-                              </p:par>
-                              <p:par>
-                                <p:cTn id="43" presetID="2" presetClass="entr" presetSubtype="4" fill="hold" grpId="0" nodeType="withEffect">
-                                  <p:stCondLst>
-                                    <p:cond delay="0"/>
-                                  </p:stCondLst>
-                                  <p:childTnLst>
-                                    <p:set>
-                                      <p:cBhvr>
-                                        <p:cTn id="44" dur="1" fill="hold">
-                                          <p:stCondLst>
-                                            <p:cond delay="0"/>
-                                          </p:stCondLst>
-                                        </p:cTn>
-                                        <p:tgtEl>
-                                          <p:spTgt spid="14"/>
-                                        </p:tgtEl>
-                                        <p:attrNameLst>
-                                          <p:attrName>style.visibility</p:attrName>
-                                        </p:attrNameLst>
-                                      </p:cBhvr>
-                                      <p:to>
-                                        <p:strVal val="visible"/>
-                                      </p:to>
-                                    </p:set>
-                                    <p:anim calcmode="lin" valueType="num">
-                                      <p:cBhvr additive="base">
-                                        <p:cTn id="45" dur="500" fill="hold"/>
-                                        <p:tgtEl>
-                                          <p:spTgt spid="14"/>
-                                        </p:tgtEl>
-                                        <p:attrNameLst>
-                                          <p:attrName>ppt_x</p:attrName>
-                                        </p:attrNameLst>
-                                      </p:cBhvr>
-                                      <p:tavLst>
-                                        <p:tav tm="0">
-                                          <p:val>
-                                            <p:strVal val="#ppt_x"/>
-                                          </p:val>
-                                        </p:tav>
-                                        <p:tav tm="100000">
-                                          <p:val>
-                                            <p:strVal val="#ppt_x"/>
-                                          </p:val>
-                                        </p:tav>
-                                      </p:tavLst>
-                                    </p:anim>
-                                    <p:anim calcmode="lin" valueType="num">
-                                      <p:cBhvr additive="base">
-                                        <p:cTn id="46" dur="500" fill="hold"/>
-                                        <p:tgtEl>
-                                          <p:spTgt spid="14"/>
-                                        </p:tgtEl>
-                                        <p:attrNameLst>
-                                          <p:attrName>ppt_y</p:attrName>
-                                        </p:attrNameLst>
-                                      </p:cBhvr>
-                                      <p:tavLst>
-                                        <p:tav tm="0">
-                                          <p:val>
-                                            <p:strVal val="1+#ppt_h/2"/>
-                                          </p:val>
-                                        </p:tav>
-                                        <p:tav tm="100000">
-                                          <p:val>
-                                            <p:strVal val="#ppt_y"/>
-                                          </p:val>
-                                        </p:tav>
-                                      </p:tavLst>
-                                    </p:anim>
-                                  </p:childTnLst>
-                                  <p:subTnLst>
-                                    <p:set>
-                                      <p:cBhvr override="childStyle">
-                                        <p:cTn dur="65" fill="hold" display="1" masterRel="nextClick" afterEffect="1"/>
-                                        <p:tgtEl>
-                                          <p:spTgt spid="14"/>
-                                        </p:tgtEl>
-                                        <p:attrNameLst>
-                                          <p:attrName>style.visibility</p:attrName>
-                                        </p:attrNameLst>
-                                      </p:cBhvr>
-                                      <p:to>
-                                        <p:strVal val="hidden"/>
-                                      </p:to>
-                                    </p:set>
-                                  </p:subTnLst>
-                                </p:cTn>
-                              </p:par>
-                              <p:par>
-                                <p:cTn id="47" presetID="2" presetClass="entr" presetSubtype="4" fill="hold" nodeType="withEffect">
-                                  <p:stCondLst>
-                                    <p:cond delay="0"/>
-                                  </p:stCondLst>
-                                  <p:childTnLst>
-                                    <p:set>
-                                      <p:cBhvr>
-                                        <p:cTn id="48" dur="1" fill="hold">
-                                          <p:stCondLst>
-                                            <p:cond delay="0"/>
-                                          </p:stCondLst>
-                                        </p:cTn>
-                                        <p:tgtEl>
-                                          <p:spTgt spid="15"/>
-                                        </p:tgtEl>
-                                        <p:attrNameLst>
-                                          <p:attrName>style.visibility</p:attrName>
-                                        </p:attrNameLst>
-                                      </p:cBhvr>
-                                      <p:to>
-                                        <p:strVal val="visible"/>
-                                      </p:to>
-                                    </p:set>
-                                    <p:anim calcmode="lin" valueType="num">
-                                      <p:cBhvr additive="base">
-                                        <p:cTn id="49" dur="500" fill="hold"/>
-                                        <p:tgtEl>
-                                          <p:spTgt spid="15"/>
-                                        </p:tgtEl>
-                                        <p:attrNameLst>
-                                          <p:attrName>ppt_x</p:attrName>
-                                        </p:attrNameLst>
-                                      </p:cBhvr>
-                                      <p:tavLst>
-                                        <p:tav tm="0">
-                                          <p:val>
-                                            <p:strVal val="#ppt_x"/>
-                                          </p:val>
-                                        </p:tav>
-                                        <p:tav tm="100000">
-                                          <p:val>
-                                            <p:strVal val="#ppt_x"/>
-                                          </p:val>
-                                        </p:tav>
-                                      </p:tavLst>
-                                    </p:anim>
-                                    <p:anim calcmode="lin" valueType="num">
-                                      <p:cBhvr additive="base">
-                                        <p:cTn id="50" dur="500" fill="hold"/>
-                                        <p:tgtEl>
-                                          <p:spTgt spid="15"/>
-                                        </p:tgtEl>
-                                        <p:attrNameLst>
-                                          <p:attrName>ppt_y</p:attrName>
-                                        </p:attrNameLst>
-                                      </p:cBhvr>
-                                      <p:tavLst>
-                                        <p:tav tm="0">
-                                          <p:val>
-                                            <p:strVal val="1+#ppt_h/2"/>
-                                          </p:val>
-                                        </p:tav>
-                                        <p:tav tm="100000">
-                                          <p:val>
-                                            <p:strVal val="#ppt_y"/>
-                                          </p:val>
-                                        </p:tav>
-                                      </p:tavLst>
-                                    </p:anim>
-                                  </p:childTnLst>
-                                  <p:subTnLst>
-                                    <p:set>
-                                      <p:cBhvr override="childStyle">
-                                        <p:cTn dur="65" fill="hold" display="1" masterRel="nextClick" afterEffect="1"/>
-                                        <p:tgtEl>
-                                          <p:spTgt spid="15"/>
-                                        </p:tgtEl>
-                                        <p:attrNameLst>
-                                          <p:attrName>style.visibility</p:attrName>
-                                        </p:attrNameLst>
-                                      </p:cBhvr>
-                                      <p:to>
-                                        <p:strVal val="hidden"/>
-                                      </p:to>
-                                    </p:set>
-                                  </p:subTnLst>
-                                </p:cTn>
-                              </p:par>
-                              <p:par>
-                                <p:cTn id="51" presetID="2" presetClass="entr" presetSubtype="4" fill="hold" grpId="0" nodeType="withEffect">
-                                  <p:stCondLst>
-                                    <p:cond delay="0"/>
-                                  </p:stCondLst>
-                                  <p:childTnLst>
-                                    <p:set>
-                                      <p:cBhvr>
-                                        <p:cTn id="52" dur="1" fill="hold">
-                                          <p:stCondLst>
-                                            <p:cond delay="0"/>
-                                          </p:stCondLst>
-                                        </p:cTn>
-                                        <p:tgtEl>
-                                          <p:spTgt spid="18"/>
-                                        </p:tgtEl>
-                                        <p:attrNameLst>
-                                          <p:attrName>style.visibility</p:attrName>
-                                        </p:attrNameLst>
-                                      </p:cBhvr>
-                                      <p:to>
-                                        <p:strVal val="visible"/>
-                                      </p:to>
-                                    </p:set>
-                                    <p:anim calcmode="lin" valueType="num">
-                                      <p:cBhvr additive="base">
-                                        <p:cTn id="53" dur="500" fill="hold"/>
-                                        <p:tgtEl>
-                                          <p:spTgt spid="18"/>
-                                        </p:tgtEl>
-                                        <p:attrNameLst>
-                                          <p:attrName>ppt_x</p:attrName>
-                                        </p:attrNameLst>
-                                      </p:cBhvr>
-                                      <p:tavLst>
-                                        <p:tav tm="0">
-                                          <p:val>
-                                            <p:strVal val="#ppt_x"/>
-                                          </p:val>
-                                        </p:tav>
-                                        <p:tav tm="100000">
-                                          <p:val>
-                                            <p:strVal val="#ppt_x"/>
-                                          </p:val>
-                                        </p:tav>
-                                      </p:tavLst>
-                                    </p:anim>
-                                    <p:anim calcmode="lin" valueType="num">
-                                      <p:cBhvr additive="base">
-                                        <p:cTn id="54" dur="500" fill="hold"/>
-                                        <p:tgtEl>
-                                          <p:spTgt spid="18"/>
-                                        </p:tgtEl>
-                                        <p:attrNameLst>
-                                          <p:attrName>ppt_y</p:attrName>
-                                        </p:attrNameLst>
-                                      </p:cBhvr>
-                                      <p:tavLst>
-                                        <p:tav tm="0">
-                                          <p:val>
-                                            <p:strVal val="1+#ppt_h/2"/>
-                                          </p:val>
-                                        </p:tav>
-                                        <p:tav tm="100000">
-                                          <p:val>
-                                            <p:strVal val="#ppt_y"/>
-                                          </p:val>
-                                        </p:tav>
-                                      </p:tavLst>
-                                    </p:anim>
-                                  </p:childTnLst>
-                                  <p:subTnLst>
-                                    <p:set>
-                                      <p:cBhvr override="childStyle">
-                                        <p:cTn dur="65" fill="hold" display="1" masterRel="nextClick" afterEffect="1"/>
-                                        <p:tgtEl>
-                                          <p:spTgt spid="18"/>
-                                        </p:tgtEl>
-                                        <p:attrNameLst>
-                                          <p:attrName>style.visibility</p:attrName>
-                                        </p:attrNameLst>
-                                      </p:cBhvr>
-                                      <p:to>
-                                        <p:strVal val="hidden"/>
-                                      </p:to>
-                                    </p:set>
-                                  </p:subTnLst>
-                                </p:cTn>
-                              </p:par>
-                              <p:par>
-                                <p:cTn id="55" presetID="2" presetClass="entr" presetSubtype="4" fill="hold" nodeType="withEffect">
-                                  <p:stCondLst>
-                                    <p:cond delay="0"/>
-                                  </p:stCondLst>
-                                  <p:childTnLst>
-                                    <p:set>
-                                      <p:cBhvr>
-                                        <p:cTn id="56" dur="1" fill="hold">
-                                          <p:stCondLst>
-                                            <p:cond delay="0"/>
-                                          </p:stCondLst>
-                                        </p:cTn>
-                                        <p:tgtEl>
-                                          <p:spTgt spid="12"/>
-                                        </p:tgtEl>
-                                        <p:attrNameLst>
-                                          <p:attrName>style.visibility</p:attrName>
-                                        </p:attrNameLst>
-                                      </p:cBhvr>
-                                      <p:to>
-                                        <p:strVal val="visible"/>
-                                      </p:to>
-                                    </p:set>
-                                    <p:anim calcmode="lin" valueType="num">
-                                      <p:cBhvr additive="base">
-                                        <p:cTn id="57" dur="500" fill="hold"/>
-                                        <p:tgtEl>
-                                          <p:spTgt spid="12"/>
-                                        </p:tgtEl>
-                                        <p:attrNameLst>
-                                          <p:attrName>ppt_x</p:attrName>
-                                        </p:attrNameLst>
-                                      </p:cBhvr>
-                                      <p:tavLst>
-                                        <p:tav tm="0">
-                                          <p:val>
-                                            <p:strVal val="#ppt_x"/>
-                                          </p:val>
-                                        </p:tav>
-                                        <p:tav tm="100000">
-                                          <p:val>
-                                            <p:strVal val="#ppt_x"/>
-                                          </p:val>
-                                        </p:tav>
-                                      </p:tavLst>
-                                    </p:anim>
-                                    <p:anim calcmode="lin" valueType="num">
-                                      <p:cBhvr additive="base">
-                                        <p:cTn id="58" dur="500" fill="hold"/>
-                                        <p:tgtEl>
-                                          <p:spTgt spid="12"/>
-                                        </p:tgtEl>
-                                        <p:attrNameLst>
-                                          <p:attrName>ppt_y</p:attrName>
-                                        </p:attrNameLst>
-                                      </p:cBhvr>
-                                      <p:tavLst>
-                                        <p:tav tm="0">
-                                          <p:val>
-                                            <p:strVal val="1+#ppt_h/2"/>
-                                          </p:val>
-                                        </p:tav>
-                                        <p:tav tm="100000">
-                                          <p:val>
-                                            <p:strVal val="#ppt_y"/>
-                                          </p:val>
-                                        </p:tav>
-                                      </p:tavLst>
-                                    </p:anim>
-                                  </p:childTnLst>
-                                  <p:subTnLst>
-                                    <p:set>
-                                      <p:cBhvr override="childStyle">
-                                        <p:cTn dur="65" fill="hold" display="1" masterRel="nextClick" afterEffect="1"/>
-                                        <p:tgtEl>
-                                          <p:spTgt spid="12"/>
-                                        </p:tgtEl>
-                                        <p:attrNameLst>
-                                          <p:attrName>style.visibility</p:attrName>
-                                        </p:attrNameLst>
-                                      </p:cBhvr>
-                                      <p:to>
-                                        <p:strVal val="hidden"/>
-                                      </p:to>
-                                    </p:set>
-                                  </p:subTnLst>
-                                </p:cTn>
-                              </p:par>
-                            </p:childTnLst>
-                          </p:cTn>
-                        </p:par>
-                      </p:childTnLst>
-                    </p:cTn>
-                  </p:par>
-                  <p:par>
-                    <p:cTn id="59" fill="hold">
-                      <p:stCondLst>
-                        <p:cond delay="indefinite"/>
-                      </p:stCondLst>
-                      <p:childTnLst>
-                        <p:par>
-                          <p:cTn id="60" fill="hold">
-                            <p:stCondLst>
-                              <p:cond delay="0"/>
-                            </p:stCondLst>
-                            <p:childTnLst>
-                              <p:par>
-                                <p:cTn id="61" presetID="22" presetClass="entr" presetSubtype="4" fill="hold" nodeType="clickEffect">
-                                  <p:stCondLst>
-                                    <p:cond delay="0"/>
-                                  </p:stCondLst>
-                                  <p:childTnLst>
-                                    <p:set>
-                                      <p:cBhvr>
-                                        <p:cTn id="62" dur="1" fill="hold">
-                                          <p:stCondLst>
-                                            <p:cond delay="0"/>
-                                          </p:stCondLst>
-                                        </p:cTn>
-                                        <p:tgtEl>
-                                          <p:spTgt spid="19"/>
-                                        </p:tgtEl>
-                                        <p:attrNameLst>
-                                          <p:attrName>style.visibility</p:attrName>
-                                        </p:attrNameLst>
-                                      </p:cBhvr>
-                                      <p:to>
-                                        <p:strVal val="visible"/>
-                                      </p:to>
-                                    </p:set>
-                                    <p:animEffect transition="in" filter="wipe(down)">
-                                      <p:cBhvr>
-                                        <p:cTn id="63" dur="500"/>
-                                        <p:tgtEl>
-                                          <p:spTgt spid="19"/>
-                                        </p:tgtEl>
-                                      </p:cBhvr>
-                                    </p:animEffect>
-                                  </p:childTnLst>
-                                </p:cTn>
-                              </p:par>
-                              <p:par>
-                                <p:cTn id="64" presetID="4" presetClass="entr" presetSubtype="16" fill="hold" grpId="0" nodeType="withEffect">
-                                  <p:stCondLst>
-                                    <p:cond delay="0"/>
-                                  </p:stCondLst>
-                                  <p:childTnLst>
-                                    <p:set>
-                                      <p:cBhvr>
-                                        <p:cTn id="65" dur="1" fill="hold">
-                                          <p:stCondLst>
-                                            <p:cond delay="0"/>
-                                          </p:stCondLst>
-                                        </p:cTn>
-                                        <p:tgtEl>
-                                          <p:spTgt spid="21"/>
-                                        </p:tgtEl>
-                                        <p:attrNameLst>
-                                          <p:attrName>style.visibility</p:attrName>
-                                        </p:attrNameLst>
-                                      </p:cBhvr>
-                                      <p:to>
-                                        <p:strVal val="visible"/>
-                                      </p:to>
-                                    </p:set>
-                                    <p:animEffect transition="in" filter="box(in)">
-                                      <p:cBhvr>
-                                        <p:cTn id="66" dur="2000"/>
-                                        <p:tgtEl>
-                                          <p:spTgt spid="21"/>
-                                        </p:tgtEl>
-                                      </p:cBhvr>
-                                    </p:animEffect>
-                                  </p:childTnLst>
-                                </p:cTn>
-                              </p:par>
-                            </p:childTnLst>
-                          </p:cTn>
-                        </p:par>
-                      </p:childTnLst>
-                    </p:cTn>
-                  </p:par>
-                </p:childTnLst>
-              </p:cTn>
-              <p:prevCondLst>
-                <p:cond evt="onPrev" delay="0">
-                  <p:tgtEl>
-                    <p:sldTgt/>
-                  </p:tgtEl>
-                </p:cond>
-              </p:prevCondLst>
-              <p:nextCondLst>
-                <p:cond evt="onNext" delay="0">
-                  <p:tgtEl>
-                    <p:sldTgt/>
-                  </p:tgtEl>
-                </p:cond>
-              </p:nextCondLst>
-            </p:seq>
-          </p:childTnLst>
-        </p:cTn>
-      </p:par>
-    </p:tnLst>
-    <p:bldLst>
-      <p:bldP spid="8" grpId="0"/>
-      <p:bldP spid="5" grpId="0"/>
-      <p:bldP spid="5" grpId="1"/>
-      <p:bldP spid="9" grpId="0" animBg="1"/>
-      <p:bldP spid="9" grpId="1" animBg="1"/>
-      <p:bldP spid="11" grpId="0" animBg="1"/>
-      <p:bldP spid="11" grpId="1" animBg="1"/>
-      <p:bldP spid="14" grpId="0" animBg="1"/>
-      <p:bldP spid="14" grpId="1" animBg="1"/>
-      <p:bldP spid="18" grpId="0" animBg="1"/>
-      <p:bldP spid="18" grpId="1" animBg="1"/>
-      <p:bldP spid="21" grpId="0"/>
-      <p:bldP spid="21" grpId="1"/>
-    </p:bldLst>
-  </p:timing>
-</p:sld>
-</file>
-
-<file path=ppt/slides/slide11.xml><?xml version="1.0" encoding="utf-8"?>
 <p:sld xmlns:a="http://schemas.openxmlformats.org/drawingml/2006/main" xmlns:r="http://schemas.openxmlformats.org/officeDocument/2006/relationships" xmlns:p="http://schemas.openxmlformats.org/presentationml/2006/main">
   <p:cSld>
     <p:spTree>
@@ -11694,7 +9666,7 @@
 </p:sld>
 </file>
 
-<file path=ppt/slides/slide12.xml><?xml version="1.0" encoding="utf-8"?>
+<file path=ppt/slides/slide11.xml><?xml version="1.0" encoding="utf-8"?>
 <p:sld xmlns:a="http://schemas.openxmlformats.org/drawingml/2006/main" xmlns:r="http://schemas.openxmlformats.org/officeDocument/2006/relationships" xmlns:p="http://schemas.openxmlformats.org/presentationml/2006/main">
   <p:cSld>
     <p:spTree>
@@ -13358,7 +11330,7 @@
 </p:sld>
 </file>
 
-<file path=ppt/slides/slide13.xml><?xml version="1.0" encoding="utf-8"?>
+<file path=ppt/slides/slide12.xml><?xml version="1.0" encoding="utf-8"?>
 <p:sld xmlns:a="http://schemas.openxmlformats.org/drawingml/2006/main" xmlns:r="http://schemas.openxmlformats.org/officeDocument/2006/relationships" xmlns:p="http://schemas.openxmlformats.org/presentationml/2006/main">
   <p:cSld>
     <p:spTree>
@@ -14730,7 +12702,7 @@
 </p:sld>
 </file>
 
-<file path=ppt/slides/slide14.xml><?xml version="1.0" encoding="utf-8"?>
+<file path=ppt/slides/slide13.xml><?xml version="1.0" encoding="utf-8"?>
 <p:sld xmlns:a="http://schemas.openxmlformats.org/drawingml/2006/main" xmlns:r="http://schemas.openxmlformats.org/officeDocument/2006/relationships" xmlns:p="http://schemas.openxmlformats.org/presentationml/2006/main">
   <p:cSld>
     <p:spTree>
@@ -15126,7 +13098,7 @@
 </p:sld>
 </file>
 
-<file path=ppt/slides/slide15.xml><?xml version="1.0" encoding="utf-8"?>
+<file path=ppt/slides/slide14.xml><?xml version="1.0" encoding="utf-8"?>
 <p:sld xmlns:a="http://schemas.openxmlformats.org/drawingml/2006/main" xmlns:r="http://schemas.openxmlformats.org/officeDocument/2006/relationships" xmlns:p="http://schemas.openxmlformats.org/presentationml/2006/main">
   <p:cSld>
     <p:spTree>
@@ -15522,7 +13494,7 @@
 </p:sld>
 </file>
 
-<file path=ppt/slides/slide16.xml><?xml version="1.0" encoding="utf-8"?>
+<file path=ppt/slides/slide15.xml><?xml version="1.0" encoding="utf-8"?>
 <p:sld xmlns:a="http://schemas.openxmlformats.org/drawingml/2006/main" xmlns:r="http://schemas.openxmlformats.org/officeDocument/2006/relationships" xmlns:p="http://schemas.openxmlformats.org/presentationml/2006/main">
   <p:cSld>
     <p:spTree>
@@ -15918,7 +13890,7 @@
 </p:sld>
 </file>
 
-<file path=ppt/slides/slide17.xml><?xml version="1.0" encoding="utf-8"?>
+<file path=ppt/slides/slide16.xml><?xml version="1.0" encoding="utf-8"?>
 <p:sld xmlns:a="http://schemas.openxmlformats.org/drawingml/2006/main" xmlns:r="http://schemas.openxmlformats.org/officeDocument/2006/relationships" xmlns:p="http://schemas.openxmlformats.org/presentationml/2006/main">
   <p:cSld>
     <p:spTree>
@@ -16528,7 +14500,7 @@
 </p:sld>
 </file>
 
-<file path=ppt/slides/slide18.xml><?xml version="1.0" encoding="utf-8"?>
+<file path=ppt/slides/slide17.xml><?xml version="1.0" encoding="utf-8"?>
 <p:sld xmlns:a="http://schemas.openxmlformats.org/drawingml/2006/main" xmlns:r="http://schemas.openxmlformats.org/officeDocument/2006/relationships" xmlns:p="http://schemas.openxmlformats.org/presentationml/2006/main">
   <p:cSld>
     <p:spTree>
@@ -18473,7 +16445,7 @@
 </p:sld>
 </file>
 
-<file path=ppt/slides/slide19.xml><?xml version="1.0" encoding="utf-8"?>
+<file path=ppt/slides/slide18.xml><?xml version="1.0" encoding="utf-8"?>
 <p:sld xmlns:a="http://schemas.openxmlformats.org/drawingml/2006/main" xmlns:r="http://schemas.openxmlformats.org/officeDocument/2006/relationships" xmlns:p="http://schemas.openxmlformats.org/presentationml/2006/main">
   <p:cSld>
     <p:spTree>
@@ -19973,1968 +17945,7 @@
 </p:sld>
 </file>
 
-<file path=ppt/slides/slide2.xml><?xml version="1.0" encoding="utf-8"?>
-<p:sld xmlns:a="http://schemas.openxmlformats.org/drawingml/2006/main" xmlns:r="http://schemas.openxmlformats.org/officeDocument/2006/relationships" xmlns:p="http://schemas.openxmlformats.org/presentationml/2006/main">
-  <p:cSld>
-    <p:spTree>
-      <p:nvGrpSpPr>
-        <p:cNvPr id="1" name=""/>
-        <p:cNvGrpSpPr/>
-        <p:nvPr/>
-      </p:nvGrpSpPr>
-      <p:grpSpPr>
-        <a:xfrm>
-          <a:off x="0" y="0"/>
-          <a:ext cx="0" cy="0"/>
-          <a:chOff x="0" y="0"/>
-          <a:chExt cx="0" cy="0"/>
-        </a:xfrm>
-      </p:grpSpPr>
-      <p:sp>
-        <p:nvSpPr>
-          <p:cNvPr id="11" name="Freeform 9"/>
-          <p:cNvSpPr/>
-          <p:nvPr/>
-        </p:nvSpPr>
-        <p:spPr bwMode="auto">
-          <a:xfrm>
-            <a:off x="3467100" y="0"/>
-            <a:ext cx="5676900" cy="5149850"/>
-          </a:xfrm>
-          <a:custGeom>
-            <a:avLst/>
-            <a:gdLst>
-              <a:gd name="T0" fmla="*/ 1902 w 1902"/>
-              <a:gd name="T1" fmla="*/ 1727 h 1727"/>
-              <a:gd name="T2" fmla="*/ 1902 w 1902"/>
-              <a:gd name="T3" fmla="*/ 0 h 1727"/>
-              <a:gd name="T4" fmla="*/ 1005 w 1902"/>
-              <a:gd name="T5" fmla="*/ 0 h 1727"/>
-              <a:gd name="T6" fmla="*/ 1024 w 1902"/>
-              <a:gd name="T7" fmla="*/ 104 h 1727"/>
-              <a:gd name="T8" fmla="*/ 1020 w 1902"/>
-              <a:gd name="T9" fmla="*/ 183 h 1727"/>
-              <a:gd name="T10" fmla="*/ 787 w 1902"/>
-              <a:gd name="T11" fmla="*/ 479 h 1727"/>
-              <a:gd name="T12" fmla="*/ 568 w 1902"/>
-              <a:gd name="T13" fmla="*/ 726 h 1727"/>
-              <a:gd name="T14" fmla="*/ 639 w 1902"/>
-              <a:gd name="T15" fmla="*/ 1018 h 1727"/>
-              <a:gd name="T16" fmla="*/ 512 w 1902"/>
-              <a:gd name="T17" fmla="*/ 1301 h 1727"/>
-              <a:gd name="T18" fmla="*/ 192 w 1902"/>
-              <a:gd name="T19" fmla="*/ 1529 h 1727"/>
-              <a:gd name="T20" fmla="*/ 0 w 1902"/>
-              <a:gd name="T21" fmla="*/ 1727 h 1727"/>
-              <a:gd name="T22" fmla="*/ 1902 w 1902"/>
-              <a:gd name="T23" fmla="*/ 1727 h 1727"/>
-            </a:gdLst>
-            <a:ahLst/>
-            <a:cxnLst>
-              <a:cxn ang="0">
-                <a:pos x="T0" y="T1"/>
-              </a:cxn>
-              <a:cxn ang="0">
-                <a:pos x="T2" y="T3"/>
-              </a:cxn>
-              <a:cxn ang="0">
-                <a:pos x="T4" y="T5"/>
-              </a:cxn>
-              <a:cxn ang="0">
-                <a:pos x="T6" y="T7"/>
-              </a:cxn>
-              <a:cxn ang="0">
-                <a:pos x="T8" y="T9"/>
-              </a:cxn>
-              <a:cxn ang="0">
-                <a:pos x="T10" y="T11"/>
-              </a:cxn>
-              <a:cxn ang="0">
-                <a:pos x="T12" y="T13"/>
-              </a:cxn>
-              <a:cxn ang="0">
-                <a:pos x="T14" y="T15"/>
-              </a:cxn>
-              <a:cxn ang="0">
-                <a:pos x="T16" y="T17"/>
-              </a:cxn>
-              <a:cxn ang="0">
-                <a:pos x="T18" y="T19"/>
-              </a:cxn>
-              <a:cxn ang="0">
-                <a:pos x="T20" y="T21"/>
-              </a:cxn>
-              <a:cxn ang="0">
-                <a:pos x="T22" y="T23"/>
-              </a:cxn>
-            </a:cxnLst>
-            <a:rect l="0" t="0" r="r" b="b"/>
-            <a:pathLst>
-              <a:path w="1902" h="1727">
-                <a:moveTo>
-                  <a:pt x="1902" y="1727"/>
-                </a:moveTo>
-                <a:cubicBezTo>
-                  <a:pt x="1902" y="0"/>
-                  <a:pt x="1902" y="0"/>
-                  <a:pt x="1902" y="0"/>
-                </a:cubicBezTo>
-                <a:cubicBezTo>
-                  <a:pt x="1005" y="0"/>
-                  <a:pt x="1005" y="0"/>
-                  <a:pt x="1005" y="0"/>
-                </a:cubicBezTo>
-                <a:cubicBezTo>
-                  <a:pt x="1016" y="34"/>
-                  <a:pt x="1022" y="69"/>
-                  <a:pt x="1024" y="104"/>
-                </a:cubicBezTo>
-                <a:cubicBezTo>
-                  <a:pt x="1025" y="130"/>
-                  <a:pt x="1024" y="157"/>
-                  <a:pt x="1020" y="183"/>
-                </a:cubicBezTo>
-                <a:cubicBezTo>
-                  <a:pt x="997" y="323"/>
-                  <a:pt x="905" y="413"/>
-                  <a:pt x="787" y="479"/>
-                </a:cubicBezTo>
-                <a:cubicBezTo>
-                  <a:pt x="685" y="536"/>
-                  <a:pt x="585" y="601"/>
-                  <a:pt x="568" y="726"/>
-                </a:cubicBezTo>
-                <a:cubicBezTo>
-                  <a:pt x="553" y="837"/>
-                  <a:pt x="634" y="914"/>
-                  <a:pt x="639" y="1018"/>
-                </a:cubicBezTo>
-                <a:cubicBezTo>
-                  <a:pt x="643" y="1124"/>
-                  <a:pt x="585" y="1227"/>
-                  <a:pt x="512" y="1301"/>
-                </a:cubicBezTo>
-                <a:cubicBezTo>
-                  <a:pt x="419" y="1393"/>
-                  <a:pt x="300" y="1453"/>
-                  <a:pt x="192" y="1529"/>
-                </a:cubicBezTo>
-                <a:cubicBezTo>
-                  <a:pt x="117" y="1582"/>
-                  <a:pt x="44" y="1648"/>
-                  <a:pt x="0" y="1727"/>
-                </a:cubicBezTo>
-                <a:lnTo>
-                  <a:pt x="1902" y="1727"/>
-                </a:lnTo>
-                <a:close/>
-              </a:path>
-            </a:pathLst>
-          </a:custGeom>
-          <a:gradFill>
-            <a:gsLst>
-              <a:gs pos="0">
-                <a:srgbClr val="5877B6"/>
-              </a:gs>
-              <a:gs pos="100000">
-                <a:srgbClr val="465E96"/>
-              </a:gs>
-            </a:gsLst>
-            <a:lin ang="5400000" scaled="0"/>
-          </a:gradFill>
-          <a:ln>
-            <a:noFill/>
-          </a:ln>
-        </p:spPr>
-        <p:txBody>
-          <a:bodyPr vert="horz" wrap="square" lIns="91440" tIns="45720" rIns="91440" bIns="45720" numCol="1" anchor="t" anchorCtr="0" compatLnSpc="1"/>
-          <a:lstStyle/>
-          <a:p>
-            <a:endParaRPr lang="zh-CN" altLang="en-US">
-              <a:cs typeface="+mn-ea"/>
-              <a:sym typeface="+mn-lt"/>
-            </a:endParaRPr>
-          </a:p>
-        </p:txBody>
-      </p:sp>
-      <p:pic>
-        <p:nvPicPr>
-          <p:cNvPr id="4" name="图形 3"/>
-          <p:cNvPicPr>
-            <a:picLocks noChangeAspect="1"/>
-          </p:cNvPicPr>
-          <p:nvPr/>
-        </p:nvPicPr>
-        <p:blipFill>
-          <a:blip r:embed="rId1">
-            <a:extLst>
-              <a:ext uri="{96DAC541-7B7A-43D3-8B79-37D633B846F1}">
-                <asvg:svgBlip xmlns:asvg="http://schemas.microsoft.com/office/drawing/2016/SVG/main" r:embed="rId2"/>
-              </a:ext>
-            </a:extLst>
-          </a:blip>
-          <a:stretch>
-            <a:fillRect/>
-          </a:stretch>
-        </p:blipFill>
-        <p:spPr>
-          <a:xfrm>
-            <a:off x="4300537" y="938212"/>
-            <a:ext cx="3667125" cy="3267075"/>
-          </a:xfrm>
-          <a:prstGeom prst="rect">
-            <a:avLst/>
-          </a:prstGeom>
-        </p:spPr>
-      </p:pic>
-      <p:sp>
-        <p:nvSpPr>
-          <p:cNvPr id="13" name="TextBox 21"/>
-          <p:cNvSpPr txBox="1"/>
-          <p:nvPr/>
-        </p:nvSpPr>
-        <p:spPr>
-          <a:xfrm>
-            <a:off x="557983" y="361468"/>
-            <a:ext cx="2566216" cy="645160"/>
-          </a:xfrm>
-          <a:prstGeom prst="rect">
-            <a:avLst/>
-          </a:prstGeom>
-          <a:noFill/>
-        </p:spPr>
-        <p:txBody>
-          <a:bodyPr wrap="square" rtlCol="0">
-            <a:spAutoFit/>
-          </a:bodyPr>
-          <a:lstStyle/>
-          <a:p>
-            <a:r>
-              <a:rPr lang="zh-CN" sz="3600" b="1" dirty="0">
-                <a:gradFill>
-                  <a:gsLst>
-                    <a:gs pos="100000">
-                      <a:srgbClr val="5877B6"/>
-                    </a:gs>
-                    <a:gs pos="0">
-                      <a:srgbClr val="465E96"/>
-                    </a:gs>
-                  </a:gsLst>
-                  <a:lin ang="0" scaled="0"/>
-                </a:gradFill>
-                <a:effectLst>
-                  <a:outerShdw blurRad="254000" dist="101600" dir="5400000" algn="ctr" rotWithShape="0">
-                    <a:srgbClr val="000000">
-                      <a:alpha val="15000"/>
-                    </a:srgbClr>
-                  </a:outerShdw>
-                </a:effectLst>
-                <a:cs typeface="+mn-ea"/>
-                <a:sym typeface="+mn-lt"/>
-              </a:rPr>
-              <a:t>项目分配</a:t>
-            </a:r>
-            <a:endParaRPr lang="zh-CN" sz="3200" b="1" dirty="0">
-              <a:gradFill>
-                <a:gsLst>
-                  <a:gs pos="100000">
-                    <a:srgbClr val="5877B6"/>
-                  </a:gs>
-                  <a:gs pos="0">
-                    <a:srgbClr val="465E96"/>
-                  </a:gs>
-                </a:gsLst>
-                <a:lin ang="0" scaled="0"/>
-              </a:gradFill>
-              <a:effectLst>
-                <a:outerShdw blurRad="254000" dist="101600" dir="5400000" algn="ctr" rotWithShape="0">
-                  <a:srgbClr val="000000">
-                    <a:alpha val="15000"/>
-                  </a:srgbClr>
-                </a:outerShdw>
-              </a:effectLst>
-              <a:cs typeface="+mn-ea"/>
-              <a:sym typeface="+mn-lt"/>
-            </a:endParaRPr>
-          </a:p>
-        </p:txBody>
-      </p:sp>
-      <p:sp>
-        <p:nvSpPr>
-          <p:cNvPr id="12" name="椭圆 11"/>
-          <p:cNvSpPr/>
-          <p:nvPr/>
-        </p:nvSpPr>
-        <p:spPr>
-          <a:xfrm>
-            <a:off x="647700" y="1460500"/>
-            <a:ext cx="238760" cy="238760"/>
-          </a:xfrm>
-          <a:prstGeom prst="ellipse">
-            <a:avLst/>
-          </a:prstGeom>
-          <a:gradFill>
-            <a:gsLst>
-              <a:gs pos="0">
-                <a:srgbClr val="5877B6"/>
-              </a:gs>
-              <a:gs pos="100000">
-                <a:srgbClr val="465E96"/>
-              </a:gs>
-            </a:gsLst>
-            <a:lin ang="5400000" scaled="0"/>
-          </a:gradFill>
-          <a:ln>
-            <a:noFill/>
-          </a:ln>
-          <a:effectLst>
-            <a:outerShdw blurRad="254000" dist="101600" dir="5400000" algn="ctr" rotWithShape="0">
-              <a:srgbClr val="5877B6">
-                <a:alpha val="23000"/>
-              </a:srgbClr>
-            </a:outerShdw>
-          </a:effectLst>
-        </p:spPr>
-        <p:style>
-          <a:lnRef idx="2">
-            <a:schemeClr val="accent1">
-              <a:shade val="50000"/>
-            </a:schemeClr>
-          </a:lnRef>
-          <a:fillRef idx="1">
-            <a:schemeClr val="accent1"/>
-          </a:fillRef>
-          <a:effectRef idx="0">
-            <a:schemeClr val="accent1"/>
-          </a:effectRef>
-          <a:fontRef idx="minor">
-            <a:schemeClr val="lt1"/>
-          </a:fontRef>
-        </p:style>
-        <p:txBody>
-          <a:bodyPr rtlCol="0" anchor="ctr"/>
-          <a:lstStyle/>
-          <a:p>
-            <a:pPr algn="ctr"/>
-            <a:endParaRPr lang="zh-CN" altLang="en-US">
-              <a:cs typeface="+mn-ea"/>
-              <a:sym typeface="+mn-lt"/>
-            </a:endParaRPr>
-          </a:p>
-        </p:txBody>
-      </p:sp>
-      <p:sp>
-        <p:nvSpPr>
-          <p:cNvPr id="15" name="TextBox 51"/>
-          <p:cNvSpPr txBox="1"/>
-          <p:nvPr/>
-        </p:nvSpPr>
-        <p:spPr>
-          <a:xfrm>
-            <a:off x="988060" y="1422400"/>
-            <a:ext cx="6104890" cy="368300"/>
-          </a:xfrm>
-          <a:prstGeom prst="rect">
-            <a:avLst/>
-          </a:prstGeom>
-          <a:noFill/>
-        </p:spPr>
-        <p:txBody>
-          <a:bodyPr wrap="square" rtlCol="0">
-            <a:spAutoFit/>
-          </a:bodyPr>
-          <a:lstStyle/>
-          <a:p>
-            <a:r>
-              <a:rPr lang="zh-CN" b="1" dirty="0">
-                <a:gradFill>
-                  <a:gsLst>
-                    <a:gs pos="100000">
-                      <a:srgbClr val="465E96"/>
-                    </a:gs>
-                    <a:gs pos="0">
-                      <a:srgbClr val="5877B6">
-                        <a:lumMod val="80000"/>
-                        <a:lumOff val="20000"/>
-                      </a:srgbClr>
-                    </a:gs>
-                  </a:gsLst>
-                  <a:lin ang="5400000" scaled="0"/>
-                </a:gradFill>
-                <a:cs typeface="+mn-ea"/>
-                <a:sym typeface="+mn-lt"/>
-              </a:rPr>
-              <a:t>前端页面，后端程序设计</a:t>
-            </a:r>
-            <a:r>
-              <a:rPr lang="en-US" altLang="zh-CN" b="1" dirty="0">
-                <a:gradFill>
-                  <a:gsLst>
-                    <a:gs pos="100000">
-                      <a:srgbClr val="465E96"/>
-                    </a:gs>
-                    <a:gs pos="0">
-                      <a:srgbClr val="5877B6">
-                        <a:lumMod val="80000"/>
-                        <a:lumOff val="20000"/>
-                      </a:srgbClr>
-                    </a:gs>
-                  </a:gsLst>
-                  <a:lin ang="5400000" scaled="0"/>
-                </a:gradFill>
-                <a:cs typeface="+mn-ea"/>
-                <a:sym typeface="+mn-lt"/>
-              </a:rPr>
-              <a:t>——</a:t>
-            </a:r>
-            <a:r>
-              <a:rPr lang="zh-CN" altLang="en-US" b="1" dirty="0">
-                <a:gradFill>
-                  <a:gsLst>
-                    <a:gs pos="100000">
-                      <a:srgbClr val="465E96"/>
-                    </a:gs>
-                    <a:gs pos="0">
-                      <a:srgbClr val="5877B6">
-                        <a:lumMod val="80000"/>
-                        <a:lumOff val="20000"/>
-                      </a:srgbClr>
-                    </a:gs>
-                  </a:gsLst>
-                  <a:lin ang="5400000" scaled="0"/>
-                </a:gradFill>
-                <a:cs typeface="+mn-ea"/>
-                <a:sym typeface="+mn-lt"/>
-              </a:rPr>
-              <a:t>何宇杰，田思凯</a:t>
-            </a:r>
-            <a:endParaRPr lang="zh-CN" altLang="en-US" sz="1100" b="1" dirty="0">
-              <a:gradFill>
-                <a:gsLst>
-                  <a:gs pos="100000">
-                    <a:srgbClr val="465E96"/>
-                  </a:gs>
-                  <a:gs pos="0">
-                    <a:srgbClr val="5877B6">
-                      <a:lumMod val="80000"/>
-                      <a:lumOff val="20000"/>
-                    </a:srgbClr>
-                  </a:gs>
-                </a:gsLst>
-                <a:lin ang="5400000" scaled="0"/>
-              </a:gradFill>
-              <a:cs typeface="+mn-ea"/>
-              <a:sym typeface="+mn-lt"/>
-            </a:endParaRPr>
-          </a:p>
-        </p:txBody>
-      </p:sp>
-      <p:sp>
-        <p:nvSpPr>
-          <p:cNvPr id="16" name="TextBox 51"/>
-          <p:cNvSpPr txBox="1"/>
-          <p:nvPr/>
-        </p:nvSpPr>
-        <p:spPr>
-          <a:xfrm>
-            <a:off x="988059" y="2211093"/>
-            <a:ext cx="2197101" cy="368300"/>
-          </a:xfrm>
-          <a:prstGeom prst="rect">
-            <a:avLst/>
-          </a:prstGeom>
-          <a:noFill/>
-        </p:spPr>
-        <p:txBody>
-          <a:bodyPr wrap="square" rtlCol="0">
-            <a:spAutoFit/>
-          </a:bodyPr>
-          <a:lstStyle/>
-          <a:p>
-            <a:r>
-              <a:rPr lang="zh-CN" b="1" dirty="0">
-                <a:gradFill>
-                  <a:gsLst>
-                    <a:gs pos="100000">
-                      <a:srgbClr val="465E96"/>
-                    </a:gs>
-                    <a:gs pos="0">
-                      <a:srgbClr val="5877B6">
-                        <a:lumMod val="80000"/>
-                        <a:lumOff val="20000"/>
-                      </a:srgbClr>
-                    </a:gs>
-                  </a:gsLst>
-                  <a:lin ang="5400000" scaled="0"/>
-                </a:gradFill>
-                <a:cs typeface="+mn-ea"/>
-                <a:sym typeface="+mn-lt"/>
-              </a:rPr>
-              <a:t>数据库</a:t>
-            </a:r>
-            <a:r>
-              <a:rPr lang="en-US" altLang="zh-CN" b="1" dirty="0">
-                <a:gradFill>
-                  <a:gsLst>
-                    <a:gs pos="100000">
-                      <a:srgbClr val="465E96"/>
-                    </a:gs>
-                    <a:gs pos="0">
-                      <a:srgbClr val="5877B6">
-                        <a:lumMod val="80000"/>
-                        <a:lumOff val="20000"/>
-                      </a:srgbClr>
-                    </a:gs>
-                  </a:gsLst>
-                  <a:lin ang="5400000" scaled="0"/>
-                </a:gradFill>
-                <a:cs typeface="+mn-ea"/>
-                <a:sym typeface="+mn-lt"/>
-              </a:rPr>
-              <a:t>——</a:t>
-            </a:r>
-            <a:r>
-              <a:rPr lang="zh-CN" altLang="en-US" b="1" dirty="0">
-                <a:gradFill>
-                  <a:gsLst>
-                    <a:gs pos="100000">
-                      <a:srgbClr val="465E96"/>
-                    </a:gs>
-                    <a:gs pos="0">
-                      <a:srgbClr val="5877B6">
-                        <a:lumMod val="80000"/>
-                        <a:lumOff val="20000"/>
-                      </a:srgbClr>
-                    </a:gs>
-                  </a:gsLst>
-                  <a:lin ang="5400000" scaled="0"/>
-                </a:gradFill>
-                <a:cs typeface="+mn-ea"/>
-                <a:sym typeface="+mn-lt"/>
-              </a:rPr>
-              <a:t>郝诗扬</a:t>
-            </a:r>
-            <a:endParaRPr lang="zh-CN" altLang="en-US" sz="1100" b="1" dirty="0">
-              <a:gradFill>
-                <a:gsLst>
-                  <a:gs pos="100000">
-                    <a:srgbClr val="465E96"/>
-                  </a:gs>
-                  <a:gs pos="0">
-                    <a:srgbClr val="5877B6">
-                      <a:lumMod val="80000"/>
-                      <a:lumOff val="20000"/>
-                    </a:srgbClr>
-                  </a:gs>
-                </a:gsLst>
-                <a:lin ang="5400000" scaled="0"/>
-              </a:gradFill>
-              <a:cs typeface="+mn-ea"/>
-              <a:sym typeface="+mn-lt"/>
-            </a:endParaRPr>
-          </a:p>
-        </p:txBody>
-      </p:sp>
-      <p:sp>
-        <p:nvSpPr>
-          <p:cNvPr id="17" name="TextBox 51"/>
-          <p:cNvSpPr txBox="1"/>
-          <p:nvPr/>
-        </p:nvSpPr>
-        <p:spPr>
-          <a:xfrm>
-            <a:off x="988060" y="3014980"/>
-            <a:ext cx="4226560" cy="368300"/>
-          </a:xfrm>
-          <a:prstGeom prst="rect">
-            <a:avLst/>
-          </a:prstGeom>
-          <a:noFill/>
-        </p:spPr>
-        <p:txBody>
-          <a:bodyPr wrap="square" rtlCol="0">
-            <a:spAutoFit/>
-          </a:bodyPr>
-          <a:lstStyle/>
-          <a:p>
-            <a:r>
-              <a:rPr lang="zh-CN" b="1" dirty="0">
-                <a:gradFill>
-                  <a:gsLst>
-                    <a:gs pos="100000">
-                      <a:srgbClr val="465E96"/>
-                    </a:gs>
-                    <a:gs pos="0">
-                      <a:srgbClr val="5877B6">
-                        <a:lumMod val="80000"/>
-                        <a:lumOff val="20000"/>
-                      </a:srgbClr>
-                    </a:gs>
-                  </a:gsLst>
-                  <a:lin ang="5400000" scaled="0"/>
-                </a:gradFill>
-                <a:cs typeface="+mn-ea"/>
-                <a:sym typeface="+mn-lt"/>
-              </a:rPr>
-              <a:t>环境搭建</a:t>
-            </a:r>
-            <a:r>
-              <a:rPr lang="en-US" altLang="zh-CN" b="1" dirty="0">
-                <a:gradFill>
-                  <a:gsLst>
-                    <a:gs pos="100000">
-                      <a:srgbClr val="465E96"/>
-                    </a:gs>
-                    <a:gs pos="0">
-                      <a:srgbClr val="5877B6">
-                        <a:lumMod val="80000"/>
-                        <a:lumOff val="20000"/>
-                      </a:srgbClr>
-                    </a:gs>
-                  </a:gsLst>
-                  <a:lin ang="5400000" scaled="0"/>
-                </a:gradFill>
-                <a:cs typeface="+mn-ea"/>
-                <a:sym typeface="+mn-lt"/>
-              </a:rPr>
-              <a:t>——</a:t>
-            </a:r>
-            <a:r>
-              <a:rPr lang="zh-CN" altLang="en-US" b="1" dirty="0">
-                <a:gradFill>
-                  <a:gsLst>
-                    <a:gs pos="100000">
-                      <a:srgbClr val="465E96"/>
-                    </a:gs>
-                    <a:gs pos="0">
-                      <a:srgbClr val="5877B6">
-                        <a:lumMod val="80000"/>
-                        <a:lumOff val="20000"/>
-                      </a:srgbClr>
-                    </a:gs>
-                  </a:gsLst>
-                  <a:lin ang="5400000" scaled="0"/>
-                </a:gradFill>
-                <a:cs typeface="+mn-ea"/>
-                <a:sym typeface="+mn-lt"/>
-              </a:rPr>
-              <a:t>于一川</a:t>
-            </a:r>
-            <a:endParaRPr lang="zh-CN" altLang="en-US" sz="1100" b="1" dirty="0">
-              <a:gradFill>
-                <a:gsLst>
-                  <a:gs pos="100000">
-                    <a:srgbClr val="465E96"/>
-                  </a:gs>
-                  <a:gs pos="0">
-                    <a:srgbClr val="5877B6">
-                      <a:lumMod val="80000"/>
-                      <a:lumOff val="20000"/>
-                    </a:srgbClr>
-                  </a:gs>
-                </a:gsLst>
-                <a:lin ang="5400000" scaled="0"/>
-              </a:gradFill>
-              <a:cs typeface="+mn-ea"/>
-              <a:sym typeface="+mn-lt"/>
-            </a:endParaRPr>
-          </a:p>
-        </p:txBody>
-      </p:sp>
-      <p:sp>
-        <p:nvSpPr>
-          <p:cNvPr id="18" name="TextBox 51"/>
-          <p:cNvSpPr txBox="1"/>
-          <p:nvPr/>
-        </p:nvSpPr>
-        <p:spPr>
-          <a:xfrm>
-            <a:off x="988060" y="3841115"/>
-            <a:ext cx="2538730" cy="368300"/>
-          </a:xfrm>
-          <a:prstGeom prst="rect">
-            <a:avLst/>
-          </a:prstGeom>
-          <a:noFill/>
-        </p:spPr>
-        <p:txBody>
-          <a:bodyPr wrap="square" rtlCol="0">
-            <a:spAutoFit/>
-          </a:bodyPr>
-          <a:lstStyle/>
-          <a:p>
-            <a:r>
-              <a:rPr lang="en-US" altLang="zh-CN" b="1" dirty="0">
-                <a:gradFill>
-                  <a:gsLst>
-                    <a:gs pos="100000">
-                      <a:srgbClr val="465E96"/>
-                    </a:gs>
-                    <a:gs pos="0">
-                      <a:srgbClr val="5877B6">
-                        <a:lumMod val="80000"/>
-                        <a:lumOff val="20000"/>
-                      </a:srgbClr>
-                    </a:gs>
-                  </a:gsLst>
-                  <a:lin ang="5400000" scaled="0"/>
-                </a:gradFill>
-                <a:cs typeface="+mn-ea"/>
-                <a:sym typeface="+mn-lt"/>
-              </a:rPr>
-              <a:t>ppt</a:t>
-            </a:r>
-            <a:r>
-              <a:rPr lang="zh-CN" altLang="en-US" b="1" dirty="0">
-                <a:gradFill>
-                  <a:gsLst>
-                    <a:gs pos="100000">
-                      <a:srgbClr val="465E96"/>
-                    </a:gs>
-                    <a:gs pos="0">
-                      <a:srgbClr val="5877B6">
-                        <a:lumMod val="80000"/>
-                        <a:lumOff val="20000"/>
-                      </a:srgbClr>
-                    </a:gs>
-                  </a:gsLst>
-                  <a:lin ang="5400000" scaled="0"/>
-                </a:gradFill>
-                <a:cs typeface="+mn-ea"/>
-                <a:sym typeface="+mn-lt"/>
-              </a:rPr>
-              <a:t>设计</a:t>
-            </a:r>
-            <a:r>
-              <a:rPr lang="en-US" altLang="zh-CN" b="1" dirty="0">
-                <a:gradFill>
-                  <a:gsLst>
-                    <a:gs pos="100000">
-                      <a:srgbClr val="465E96"/>
-                    </a:gs>
-                    <a:gs pos="0">
-                      <a:srgbClr val="5877B6">
-                        <a:lumMod val="80000"/>
-                        <a:lumOff val="20000"/>
-                      </a:srgbClr>
-                    </a:gs>
-                  </a:gsLst>
-                  <a:lin ang="5400000" scaled="0"/>
-                </a:gradFill>
-                <a:cs typeface="+mn-ea"/>
-                <a:sym typeface="+mn-lt"/>
-              </a:rPr>
-              <a:t>——</a:t>
-            </a:r>
-            <a:r>
-              <a:rPr lang="zh-CN" altLang="en-US" b="1" dirty="0">
-                <a:gradFill>
-                  <a:gsLst>
-                    <a:gs pos="100000">
-                      <a:srgbClr val="465E96"/>
-                    </a:gs>
-                    <a:gs pos="0">
-                      <a:srgbClr val="5877B6">
-                        <a:lumMod val="80000"/>
-                        <a:lumOff val="20000"/>
-                      </a:srgbClr>
-                    </a:gs>
-                  </a:gsLst>
-                  <a:lin ang="5400000" scaled="0"/>
-                </a:gradFill>
-                <a:cs typeface="+mn-ea"/>
-                <a:sym typeface="+mn-lt"/>
-              </a:rPr>
-              <a:t>易如</a:t>
-            </a:r>
-            <a:endParaRPr lang="zh-CN" altLang="en-US" sz="1100" b="1" dirty="0">
-              <a:gradFill>
-                <a:gsLst>
-                  <a:gs pos="100000">
-                    <a:srgbClr val="465E96"/>
-                  </a:gs>
-                  <a:gs pos="0">
-                    <a:srgbClr val="5877B6">
-                      <a:lumMod val="80000"/>
-                      <a:lumOff val="20000"/>
-                    </a:srgbClr>
-                  </a:gs>
-                </a:gsLst>
-                <a:lin ang="5400000" scaled="0"/>
-              </a:gradFill>
-              <a:cs typeface="+mn-ea"/>
-              <a:sym typeface="+mn-lt"/>
-            </a:endParaRPr>
-          </a:p>
-        </p:txBody>
-      </p:sp>
-      <p:sp>
-        <p:nvSpPr>
-          <p:cNvPr id="19" name="椭圆 18"/>
-          <p:cNvSpPr/>
-          <p:nvPr/>
-        </p:nvSpPr>
-        <p:spPr>
-          <a:xfrm>
-            <a:off x="647700" y="2280919"/>
-            <a:ext cx="238760" cy="238760"/>
-          </a:xfrm>
-          <a:prstGeom prst="ellipse">
-            <a:avLst/>
-          </a:prstGeom>
-          <a:gradFill>
-            <a:gsLst>
-              <a:gs pos="0">
-                <a:srgbClr val="5877B6"/>
-              </a:gs>
-              <a:gs pos="100000">
-                <a:srgbClr val="465E96"/>
-              </a:gs>
-            </a:gsLst>
-            <a:lin ang="5400000" scaled="0"/>
-          </a:gradFill>
-          <a:ln>
-            <a:noFill/>
-          </a:ln>
-          <a:effectLst>
-            <a:outerShdw blurRad="254000" dist="101600" dir="5400000" algn="ctr" rotWithShape="0">
-              <a:srgbClr val="5877B6">
-                <a:alpha val="23000"/>
-              </a:srgbClr>
-            </a:outerShdw>
-          </a:effectLst>
-        </p:spPr>
-        <p:style>
-          <a:lnRef idx="2">
-            <a:schemeClr val="accent1">
-              <a:shade val="50000"/>
-            </a:schemeClr>
-          </a:lnRef>
-          <a:fillRef idx="1">
-            <a:schemeClr val="accent1"/>
-          </a:fillRef>
-          <a:effectRef idx="0">
-            <a:schemeClr val="accent1"/>
-          </a:effectRef>
-          <a:fontRef idx="minor">
-            <a:schemeClr val="lt1"/>
-          </a:fontRef>
-        </p:style>
-        <p:txBody>
-          <a:bodyPr rtlCol="0" anchor="ctr"/>
-          <a:lstStyle/>
-          <a:p>
-            <a:pPr algn="ctr"/>
-            <a:endParaRPr lang="zh-CN" altLang="en-US">
-              <a:cs typeface="+mn-ea"/>
-              <a:sym typeface="+mn-lt"/>
-            </a:endParaRPr>
-          </a:p>
-        </p:txBody>
-      </p:sp>
-      <p:sp>
-        <p:nvSpPr>
-          <p:cNvPr id="20" name="椭圆 19"/>
-          <p:cNvSpPr/>
-          <p:nvPr/>
-        </p:nvSpPr>
-        <p:spPr>
-          <a:xfrm>
-            <a:off x="647700" y="3101338"/>
-            <a:ext cx="238760" cy="238760"/>
-          </a:xfrm>
-          <a:prstGeom prst="ellipse">
-            <a:avLst/>
-          </a:prstGeom>
-          <a:gradFill>
-            <a:gsLst>
-              <a:gs pos="0">
-                <a:srgbClr val="5877B6"/>
-              </a:gs>
-              <a:gs pos="100000">
-                <a:srgbClr val="465E96"/>
-              </a:gs>
-            </a:gsLst>
-            <a:lin ang="5400000" scaled="0"/>
-          </a:gradFill>
-          <a:ln>
-            <a:noFill/>
-          </a:ln>
-          <a:effectLst>
-            <a:outerShdw blurRad="254000" dist="101600" dir="5400000" algn="ctr" rotWithShape="0">
-              <a:srgbClr val="5877B6">
-                <a:alpha val="23000"/>
-              </a:srgbClr>
-            </a:outerShdw>
-          </a:effectLst>
-        </p:spPr>
-        <p:style>
-          <a:lnRef idx="2">
-            <a:schemeClr val="accent1">
-              <a:shade val="50000"/>
-            </a:schemeClr>
-          </a:lnRef>
-          <a:fillRef idx="1">
-            <a:schemeClr val="accent1"/>
-          </a:fillRef>
-          <a:effectRef idx="0">
-            <a:schemeClr val="accent1"/>
-          </a:effectRef>
-          <a:fontRef idx="minor">
-            <a:schemeClr val="lt1"/>
-          </a:fontRef>
-        </p:style>
-        <p:txBody>
-          <a:bodyPr rtlCol="0" anchor="ctr"/>
-          <a:lstStyle/>
-          <a:p>
-            <a:pPr algn="ctr"/>
-            <a:endParaRPr lang="zh-CN" altLang="en-US">
-              <a:cs typeface="+mn-ea"/>
-              <a:sym typeface="+mn-lt"/>
-            </a:endParaRPr>
-          </a:p>
-        </p:txBody>
-      </p:sp>
-      <p:sp>
-        <p:nvSpPr>
-          <p:cNvPr id="21" name="椭圆 20"/>
-          <p:cNvSpPr/>
-          <p:nvPr/>
-        </p:nvSpPr>
-        <p:spPr>
-          <a:xfrm>
-            <a:off x="647700" y="3914457"/>
-            <a:ext cx="238760" cy="238760"/>
-          </a:xfrm>
-          <a:prstGeom prst="ellipse">
-            <a:avLst/>
-          </a:prstGeom>
-          <a:gradFill>
-            <a:gsLst>
-              <a:gs pos="0">
-                <a:srgbClr val="5877B6"/>
-              </a:gs>
-              <a:gs pos="100000">
-                <a:srgbClr val="465E96"/>
-              </a:gs>
-            </a:gsLst>
-            <a:lin ang="5400000" scaled="0"/>
-          </a:gradFill>
-          <a:ln>
-            <a:noFill/>
-          </a:ln>
-          <a:effectLst>
-            <a:outerShdw blurRad="254000" dist="101600" dir="5400000" algn="ctr" rotWithShape="0">
-              <a:srgbClr val="5877B6">
-                <a:alpha val="23000"/>
-              </a:srgbClr>
-            </a:outerShdw>
-          </a:effectLst>
-        </p:spPr>
-        <p:style>
-          <a:lnRef idx="2">
-            <a:schemeClr val="accent1">
-              <a:shade val="50000"/>
-            </a:schemeClr>
-          </a:lnRef>
-          <a:fillRef idx="1">
-            <a:schemeClr val="accent1"/>
-          </a:fillRef>
-          <a:effectRef idx="0">
-            <a:schemeClr val="accent1"/>
-          </a:effectRef>
-          <a:fontRef idx="minor">
-            <a:schemeClr val="lt1"/>
-          </a:fontRef>
-        </p:style>
-        <p:txBody>
-          <a:bodyPr rtlCol="0" anchor="ctr"/>
-          <a:lstStyle/>
-          <a:p>
-            <a:pPr algn="ctr"/>
-            <a:endParaRPr lang="zh-CN" altLang="en-US">
-              <a:cs typeface="+mn-ea"/>
-              <a:sym typeface="+mn-lt"/>
-            </a:endParaRPr>
-          </a:p>
-        </p:txBody>
-      </p:sp>
-    </p:spTree>
-  </p:cSld>
-  <p:clrMapOvr>
-    <a:masterClrMapping/>
-  </p:clrMapOvr>
-  <mc:AlternateContent xmlns:mc="http://schemas.openxmlformats.org/markup-compatibility/2006">
-    <mc:Choice xmlns:p14="http://schemas.microsoft.com/office/powerpoint/2010/main" Requires="p14">
-      <p:transition spd="slow" p14:dur="1500">
-        <p:random/>
-      </p:transition>
-    </mc:Choice>
-    <mc:Fallback>
-      <p:transition spd="slow">
-        <p:random/>
-      </p:transition>
-    </mc:Fallback>
-  </mc:AlternateContent>
-  <p:timing>
-    <p:tnLst>
-      <p:par>
-        <p:cTn id="1" dur="indefinite" restart="never" nodeType="tmRoot">
-          <p:childTnLst>
-            <p:seq concurrent="1" nextAc="seek">
-              <p:cTn id="2" dur="indefinite" nodeType="mainSeq">
-                <p:childTnLst>
-                  <p:par>
-                    <p:cTn id="3" fill="hold">
-                      <p:stCondLst>
-                        <p:cond delay="indefinite"/>
-                        <p:cond evt="onBegin" delay="0">
-                          <p:tn val="2"/>
-                        </p:cond>
-                      </p:stCondLst>
-                      <p:childTnLst>
-                        <p:par>
-                          <p:cTn id="4" fill="hold">
-                            <p:stCondLst>
-                              <p:cond delay="0"/>
-                            </p:stCondLst>
-                            <p:childTnLst>
-                              <p:par>
-                                <p:cTn id="5" presetID="42" presetClass="entr" presetSubtype="0" fill="hold" grpId="0" nodeType="withEffect">
-                                  <p:stCondLst>
-                                    <p:cond delay="0"/>
-                                  </p:stCondLst>
-                                  <p:childTnLst>
-                                    <p:set>
-                                      <p:cBhvr>
-                                        <p:cTn id="6" dur="1" fill="hold">
-                                          <p:stCondLst>
-                                            <p:cond delay="0"/>
-                                          </p:stCondLst>
-                                        </p:cTn>
-                                        <p:tgtEl>
-                                          <p:spTgt spid="13"/>
-                                        </p:tgtEl>
-                                        <p:attrNameLst>
-                                          <p:attrName>style.visibility</p:attrName>
-                                        </p:attrNameLst>
-                                      </p:cBhvr>
-                                      <p:to>
-                                        <p:strVal val="visible"/>
-                                      </p:to>
-                                    </p:set>
-                                    <p:animEffect transition="in" filter="fade">
-                                      <p:cBhvr>
-                                        <p:cTn id="7" dur="500"/>
-                                        <p:tgtEl>
-                                          <p:spTgt spid="13"/>
-                                        </p:tgtEl>
-                                      </p:cBhvr>
-                                    </p:animEffect>
-                                    <p:anim calcmode="lin" valueType="num">
-                                      <p:cBhvr>
-                                        <p:cTn id="8" dur="500" fill="hold"/>
-                                        <p:tgtEl>
-                                          <p:spTgt spid="13"/>
-                                        </p:tgtEl>
-                                        <p:attrNameLst>
-                                          <p:attrName>ppt_x</p:attrName>
-                                        </p:attrNameLst>
-                                      </p:cBhvr>
-                                      <p:tavLst>
-                                        <p:tav tm="0">
-                                          <p:val>
-                                            <p:strVal val="#ppt_x"/>
-                                          </p:val>
-                                        </p:tav>
-                                        <p:tav tm="100000">
-                                          <p:val>
-                                            <p:strVal val="#ppt_x"/>
-                                          </p:val>
-                                        </p:tav>
-                                      </p:tavLst>
-                                    </p:anim>
-                                    <p:anim calcmode="lin" valueType="num">
-                                      <p:cBhvr>
-                                        <p:cTn id="9" dur="500" fill="hold"/>
-                                        <p:tgtEl>
-                                          <p:spTgt spid="13"/>
-                                        </p:tgtEl>
-                                        <p:attrNameLst>
-                                          <p:attrName>ppt_y</p:attrName>
-                                        </p:attrNameLst>
-                                      </p:cBhvr>
-                                      <p:tavLst>
-                                        <p:tav tm="0">
-                                          <p:val>
-                                            <p:strVal val="#ppt_y+.1"/>
-                                          </p:val>
-                                        </p:tav>
-                                        <p:tav tm="100000">
-                                          <p:val>
-                                            <p:strVal val="#ppt_y"/>
-                                          </p:val>
-                                        </p:tav>
-                                      </p:tavLst>
-                                    </p:anim>
-                                  </p:childTnLst>
-                                </p:cTn>
-                              </p:par>
-                              <p:par>
-                                <p:cTn id="10" presetID="42" presetClass="entr" presetSubtype="0" fill="hold" grpId="0" nodeType="withEffect">
-                                  <p:stCondLst>
-                                    <p:cond delay="0"/>
-                                  </p:stCondLst>
-                                  <p:childTnLst>
-                                    <p:set>
-                                      <p:cBhvr>
-                                        <p:cTn id="11" dur="1" fill="hold">
-                                          <p:stCondLst>
-                                            <p:cond delay="0"/>
-                                          </p:stCondLst>
-                                        </p:cTn>
-                                        <p:tgtEl>
-                                          <p:spTgt spid="11"/>
-                                        </p:tgtEl>
-                                        <p:attrNameLst>
-                                          <p:attrName>style.visibility</p:attrName>
-                                        </p:attrNameLst>
-                                      </p:cBhvr>
-                                      <p:to>
-                                        <p:strVal val="visible"/>
-                                      </p:to>
-                                    </p:set>
-                                    <p:animEffect transition="in" filter="fade">
-                                      <p:cBhvr>
-                                        <p:cTn id="12" dur="500"/>
-                                        <p:tgtEl>
-                                          <p:spTgt spid="11"/>
-                                        </p:tgtEl>
-                                      </p:cBhvr>
-                                    </p:animEffect>
-                                    <p:anim calcmode="lin" valueType="num">
-                                      <p:cBhvr>
-                                        <p:cTn id="13" dur="500" fill="hold"/>
-                                        <p:tgtEl>
-                                          <p:spTgt spid="11"/>
-                                        </p:tgtEl>
-                                        <p:attrNameLst>
-                                          <p:attrName>ppt_x</p:attrName>
-                                        </p:attrNameLst>
-                                      </p:cBhvr>
-                                      <p:tavLst>
-                                        <p:tav tm="0">
-                                          <p:val>
-                                            <p:strVal val="#ppt_x"/>
-                                          </p:val>
-                                        </p:tav>
-                                        <p:tav tm="100000">
-                                          <p:val>
-                                            <p:strVal val="#ppt_x"/>
-                                          </p:val>
-                                        </p:tav>
-                                      </p:tavLst>
-                                    </p:anim>
-                                    <p:anim calcmode="lin" valueType="num">
-                                      <p:cBhvr>
-                                        <p:cTn id="14" dur="500" fill="hold"/>
-                                        <p:tgtEl>
-                                          <p:spTgt spid="11"/>
-                                        </p:tgtEl>
-                                        <p:attrNameLst>
-                                          <p:attrName>ppt_y</p:attrName>
-                                        </p:attrNameLst>
-                                      </p:cBhvr>
-                                      <p:tavLst>
-                                        <p:tav tm="0">
-                                          <p:val>
-                                            <p:strVal val="#ppt_y+.1"/>
-                                          </p:val>
-                                        </p:tav>
-                                        <p:tav tm="100000">
-                                          <p:val>
-                                            <p:strVal val="#ppt_y"/>
-                                          </p:val>
-                                        </p:tav>
-                                      </p:tavLst>
-                                    </p:anim>
-                                  </p:childTnLst>
-                                </p:cTn>
-                              </p:par>
-                              <p:par>
-                                <p:cTn id="15" presetID="42" presetClass="entr" presetSubtype="0" fill="hold" nodeType="withEffect">
-                                  <p:stCondLst>
-                                    <p:cond delay="0"/>
-                                  </p:stCondLst>
-                                  <p:childTnLst>
-                                    <p:set>
-                                      <p:cBhvr>
-                                        <p:cTn id="16" dur="1" fill="hold">
-                                          <p:stCondLst>
-                                            <p:cond delay="0"/>
-                                          </p:stCondLst>
-                                        </p:cTn>
-                                        <p:tgtEl>
-                                          <p:spTgt spid="4"/>
-                                        </p:tgtEl>
-                                        <p:attrNameLst>
-                                          <p:attrName>style.visibility</p:attrName>
-                                        </p:attrNameLst>
-                                      </p:cBhvr>
-                                      <p:to>
-                                        <p:strVal val="visible"/>
-                                      </p:to>
-                                    </p:set>
-                                    <p:animEffect transition="in" filter="fade">
-                                      <p:cBhvr>
-                                        <p:cTn id="17" dur="500"/>
-                                        <p:tgtEl>
-                                          <p:spTgt spid="4"/>
-                                        </p:tgtEl>
-                                      </p:cBhvr>
-                                    </p:animEffect>
-                                    <p:anim calcmode="lin" valueType="num">
-                                      <p:cBhvr>
-                                        <p:cTn id="18" dur="500" fill="hold"/>
-                                        <p:tgtEl>
-                                          <p:spTgt spid="4"/>
-                                        </p:tgtEl>
-                                        <p:attrNameLst>
-                                          <p:attrName>ppt_x</p:attrName>
-                                        </p:attrNameLst>
-                                      </p:cBhvr>
-                                      <p:tavLst>
-                                        <p:tav tm="0">
-                                          <p:val>
-                                            <p:strVal val="#ppt_x"/>
-                                          </p:val>
-                                        </p:tav>
-                                        <p:tav tm="100000">
-                                          <p:val>
-                                            <p:strVal val="#ppt_x"/>
-                                          </p:val>
-                                        </p:tav>
-                                      </p:tavLst>
-                                    </p:anim>
-                                    <p:anim calcmode="lin" valueType="num">
-                                      <p:cBhvr>
-                                        <p:cTn id="19" dur="500" fill="hold"/>
-                                        <p:tgtEl>
-                                          <p:spTgt spid="4"/>
-                                        </p:tgtEl>
-                                        <p:attrNameLst>
-                                          <p:attrName>ppt_y</p:attrName>
-                                        </p:attrNameLst>
-                                      </p:cBhvr>
-                                      <p:tavLst>
-                                        <p:tav tm="0">
-                                          <p:val>
-                                            <p:strVal val="#ppt_y+.1"/>
-                                          </p:val>
-                                        </p:tav>
-                                        <p:tav tm="100000">
-                                          <p:val>
-                                            <p:strVal val="#ppt_y"/>
-                                          </p:val>
-                                        </p:tav>
-                                      </p:tavLst>
-                                    </p:anim>
-                                  </p:childTnLst>
-                                </p:cTn>
-                              </p:par>
-                              <p:par>
-                                <p:cTn id="20" presetID="42" presetClass="entr" presetSubtype="0" fill="hold" grpId="0" nodeType="withEffect">
-                                  <p:stCondLst>
-                                    <p:cond delay="0"/>
-                                  </p:stCondLst>
-                                  <p:childTnLst>
-                                    <p:set>
-                                      <p:cBhvr>
-                                        <p:cTn id="21" dur="1" fill="hold">
-                                          <p:stCondLst>
-                                            <p:cond delay="0"/>
-                                          </p:stCondLst>
-                                        </p:cTn>
-                                        <p:tgtEl>
-                                          <p:spTgt spid="12"/>
-                                        </p:tgtEl>
-                                        <p:attrNameLst>
-                                          <p:attrName>style.visibility</p:attrName>
-                                        </p:attrNameLst>
-                                      </p:cBhvr>
-                                      <p:to>
-                                        <p:strVal val="visible"/>
-                                      </p:to>
-                                    </p:set>
-                                    <p:animEffect transition="in" filter="fade">
-                                      <p:cBhvr>
-                                        <p:cTn id="22" dur="500"/>
-                                        <p:tgtEl>
-                                          <p:spTgt spid="12"/>
-                                        </p:tgtEl>
-                                      </p:cBhvr>
-                                    </p:animEffect>
-                                    <p:anim calcmode="lin" valueType="num">
-                                      <p:cBhvr>
-                                        <p:cTn id="23" dur="500" fill="hold"/>
-                                        <p:tgtEl>
-                                          <p:spTgt spid="12"/>
-                                        </p:tgtEl>
-                                        <p:attrNameLst>
-                                          <p:attrName>ppt_x</p:attrName>
-                                        </p:attrNameLst>
-                                      </p:cBhvr>
-                                      <p:tavLst>
-                                        <p:tav tm="0">
-                                          <p:val>
-                                            <p:strVal val="#ppt_x"/>
-                                          </p:val>
-                                        </p:tav>
-                                        <p:tav tm="100000">
-                                          <p:val>
-                                            <p:strVal val="#ppt_x"/>
-                                          </p:val>
-                                        </p:tav>
-                                      </p:tavLst>
-                                    </p:anim>
-                                    <p:anim calcmode="lin" valueType="num">
-                                      <p:cBhvr>
-                                        <p:cTn id="24" dur="500" fill="hold"/>
-                                        <p:tgtEl>
-                                          <p:spTgt spid="12"/>
-                                        </p:tgtEl>
-                                        <p:attrNameLst>
-                                          <p:attrName>ppt_y</p:attrName>
-                                        </p:attrNameLst>
-                                      </p:cBhvr>
-                                      <p:tavLst>
-                                        <p:tav tm="0">
-                                          <p:val>
-                                            <p:strVal val="#ppt_y+.1"/>
-                                          </p:val>
-                                        </p:tav>
-                                        <p:tav tm="100000">
-                                          <p:val>
-                                            <p:strVal val="#ppt_y"/>
-                                          </p:val>
-                                        </p:tav>
-                                      </p:tavLst>
-                                    </p:anim>
-                                  </p:childTnLst>
-                                </p:cTn>
-                              </p:par>
-                              <p:par>
-                                <p:cTn id="25" presetID="42" presetClass="entr" presetSubtype="0" fill="hold" grpId="0" nodeType="withEffect">
-                                  <p:stCondLst>
-                                    <p:cond delay="0"/>
-                                  </p:stCondLst>
-                                  <p:childTnLst>
-                                    <p:set>
-                                      <p:cBhvr>
-                                        <p:cTn id="26" dur="1" fill="hold">
-                                          <p:stCondLst>
-                                            <p:cond delay="0"/>
-                                          </p:stCondLst>
-                                        </p:cTn>
-                                        <p:tgtEl>
-                                          <p:spTgt spid="15"/>
-                                        </p:tgtEl>
-                                        <p:attrNameLst>
-                                          <p:attrName>style.visibility</p:attrName>
-                                        </p:attrNameLst>
-                                      </p:cBhvr>
-                                      <p:to>
-                                        <p:strVal val="visible"/>
-                                      </p:to>
-                                    </p:set>
-                                    <p:animEffect transition="in" filter="fade">
-                                      <p:cBhvr>
-                                        <p:cTn id="27" dur="500"/>
-                                        <p:tgtEl>
-                                          <p:spTgt spid="15"/>
-                                        </p:tgtEl>
-                                      </p:cBhvr>
-                                    </p:animEffect>
-                                    <p:anim calcmode="lin" valueType="num">
-                                      <p:cBhvr>
-                                        <p:cTn id="28" dur="500" fill="hold"/>
-                                        <p:tgtEl>
-                                          <p:spTgt spid="15"/>
-                                        </p:tgtEl>
-                                        <p:attrNameLst>
-                                          <p:attrName>ppt_x</p:attrName>
-                                        </p:attrNameLst>
-                                      </p:cBhvr>
-                                      <p:tavLst>
-                                        <p:tav tm="0">
-                                          <p:val>
-                                            <p:strVal val="#ppt_x"/>
-                                          </p:val>
-                                        </p:tav>
-                                        <p:tav tm="100000">
-                                          <p:val>
-                                            <p:strVal val="#ppt_x"/>
-                                          </p:val>
-                                        </p:tav>
-                                      </p:tavLst>
-                                    </p:anim>
-                                    <p:anim calcmode="lin" valueType="num">
-                                      <p:cBhvr>
-                                        <p:cTn id="29" dur="500" fill="hold"/>
-                                        <p:tgtEl>
-                                          <p:spTgt spid="15"/>
-                                        </p:tgtEl>
-                                        <p:attrNameLst>
-                                          <p:attrName>ppt_y</p:attrName>
-                                        </p:attrNameLst>
-                                      </p:cBhvr>
-                                      <p:tavLst>
-                                        <p:tav tm="0">
-                                          <p:val>
-                                            <p:strVal val="#ppt_y+.1"/>
-                                          </p:val>
-                                        </p:tav>
-                                        <p:tav tm="100000">
-                                          <p:val>
-                                            <p:strVal val="#ppt_y"/>
-                                          </p:val>
-                                        </p:tav>
-                                      </p:tavLst>
-                                    </p:anim>
-                                  </p:childTnLst>
-                                </p:cTn>
-                              </p:par>
-                              <p:par>
-                                <p:cTn id="30" presetID="42" presetClass="entr" presetSubtype="0" fill="hold" grpId="0" nodeType="withEffect">
-                                  <p:stCondLst>
-                                    <p:cond delay="0"/>
-                                  </p:stCondLst>
-                                  <p:childTnLst>
-                                    <p:set>
-                                      <p:cBhvr>
-                                        <p:cTn id="31" dur="1" fill="hold">
-                                          <p:stCondLst>
-                                            <p:cond delay="0"/>
-                                          </p:stCondLst>
-                                        </p:cTn>
-                                        <p:tgtEl>
-                                          <p:spTgt spid="16"/>
-                                        </p:tgtEl>
-                                        <p:attrNameLst>
-                                          <p:attrName>style.visibility</p:attrName>
-                                        </p:attrNameLst>
-                                      </p:cBhvr>
-                                      <p:to>
-                                        <p:strVal val="visible"/>
-                                      </p:to>
-                                    </p:set>
-                                    <p:animEffect transition="in" filter="fade">
-                                      <p:cBhvr>
-                                        <p:cTn id="32" dur="500"/>
-                                        <p:tgtEl>
-                                          <p:spTgt spid="16"/>
-                                        </p:tgtEl>
-                                      </p:cBhvr>
-                                    </p:animEffect>
-                                    <p:anim calcmode="lin" valueType="num">
-                                      <p:cBhvr>
-                                        <p:cTn id="33" dur="500" fill="hold"/>
-                                        <p:tgtEl>
-                                          <p:spTgt spid="16"/>
-                                        </p:tgtEl>
-                                        <p:attrNameLst>
-                                          <p:attrName>ppt_x</p:attrName>
-                                        </p:attrNameLst>
-                                      </p:cBhvr>
-                                      <p:tavLst>
-                                        <p:tav tm="0">
-                                          <p:val>
-                                            <p:strVal val="#ppt_x"/>
-                                          </p:val>
-                                        </p:tav>
-                                        <p:tav tm="100000">
-                                          <p:val>
-                                            <p:strVal val="#ppt_x"/>
-                                          </p:val>
-                                        </p:tav>
-                                      </p:tavLst>
-                                    </p:anim>
-                                    <p:anim calcmode="lin" valueType="num">
-                                      <p:cBhvr>
-                                        <p:cTn id="34" dur="500" fill="hold"/>
-                                        <p:tgtEl>
-                                          <p:spTgt spid="16"/>
-                                        </p:tgtEl>
-                                        <p:attrNameLst>
-                                          <p:attrName>ppt_y</p:attrName>
-                                        </p:attrNameLst>
-                                      </p:cBhvr>
-                                      <p:tavLst>
-                                        <p:tav tm="0">
-                                          <p:val>
-                                            <p:strVal val="#ppt_y+.1"/>
-                                          </p:val>
-                                        </p:tav>
-                                        <p:tav tm="100000">
-                                          <p:val>
-                                            <p:strVal val="#ppt_y"/>
-                                          </p:val>
-                                        </p:tav>
-                                      </p:tavLst>
-                                    </p:anim>
-                                  </p:childTnLst>
-                                </p:cTn>
-                              </p:par>
-                              <p:par>
-                                <p:cTn id="35" presetID="42" presetClass="entr" presetSubtype="0" fill="hold" grpId="0" nodeType="withEffect">
-                                  <p:stCondLst>
-                                    <p:cond delay="0"/>
-                                  </p:stCondLst>
-                                  <p:childTnLst>
-                                    <p:set>
-                                      <p:cBhvr>
-                                        <p:cTn id="36" dur="1" fill="hold">
-                                          <p:stCondLst>
-                                            <p:cond delay="0"/>
-                                          </p:stCondLst>
-                                        </p:cTn>
-                                        <p:tgtEl>
-                                          <p:spTgt spid="17"/>
-                                        </p:tgtEl>
-                                        <p:attrNameLst>
-                                          <p:attrName>style.visibility</p:attrName>
-                                        </p:attrNameLst>
-                                      </p:cBhvr>
-                                      <p:to>
-                                        <p:strVal val="visible"/>
-                                      </p:to>
-                                    </p:set>
-                                    <p:animEffect transition="in" filter="fade">
-                                      <p:cBhvr>
-                                        <p:cTn id="37" dur="500"/>
-                                        <p:tgtEl>
-                                          <p:spTgt spid="17"/>
-                                        </p:tgtEl>
-                                      </p:cBhvr>
-                                    </p:animEffect>
-                                    <p:anim calcmode="lin" valueType="num">
-                                      <p:cBhvr>
-                                        <p:cTn id="38" dur="500" fill="hold"/>
-                                        <p:tgtEl>
-                                          <p:spTgt spid="17"/>
-                                        </p:tgtEl>
-                                        <p:attrNameLst>
-                                          <p:attrName>ppt_x</p:attrName>
-                                        </p:attrNameLst>
-                                      </p:cBhvr>
-                                      <p:tavLst>
-                                        <p:tav tm="0">
-                                          <p:val>
-                                            <p:strVal val="#ppt_x"/>
-                                          </p:val>
-                                        </p:tav>
-                                        <p:tav tm="100000">
-                                          <p:val>
-                                            <p:strVal val="#ppt_x"/>
-                                          </p:val>
-                                        </p:tav>
-                                      </p:tavLst>
-                                    </p:anim>
-                                    <p:anim calcmode="lin" valueType="num">
-                                      <p:cBhvr>
-                                        <p:cTn id="39" dur="500" fill="hold"/>
-                                        <p:tgtEl>
-                                          <p:spTgt spid="17"/>
-                                        </p:tgtEl>
-                                        <p:attrNameLst>
-                                          <p:attrName>ppt_y</p:attrName>
-                                        </p:attrNameLst>
-                                      </p:cBhvr>
-                                      <p:tavLst>
-                                        <p:tav tm="0">
-                                          <p:val>
-                                            <p:strVal val="#ppt_y+.1"/>
-                                          </p:val>
-                                        </p:tav>
-                                        <p:tav tm="100000">
-                                          <p:val>
-                                            <p:strVal val="#ppt_y"/>
-                                          </p:val>
-                                        </p:tav>
-                                      </p:tavLst>
-                                    </p:anim>
-                                  </p:childTnLst>
-                                </p:cTn>
-                              </p:par>
-                              <p:par>
-                                <p:cTn id="40" presetID="42" presetClass="entr" presetSubtype="0" fill="hold" grpId="0" nodeType="withEffect">
-                                  <p:stCondLst>
-                                    <p:cond delay="0"/>
-                                  </p:stCondLst>
-                                  <p:childTnLst>
-                                    <p:set>
-                                      <p:cBhvr>
-                                        <p:cTn id="41" dur="1" fill="hold">
-                                          <p:stCondLst>
-                                            <p:cond delay="0"/>
-                                          </p:stCondLst>
-                                        </p:cTn>
-                                        <p:tgtEl>
-                                          <p:spTgt spid="18"/>
-                                        </p:tgtEl>
-                                        <p:attrNameLst>
-                                          <p:attrName>style.visibility</p:attrName>
-                                        </p:attrNameLst>
-                                      </p:cBhvr>
-                                      <p:to>
-                                        <p:strVal val="visible"/>
-                                      </p:to>
-                                    </p:set>
-                                    <p:animEffect transition="in" filter="fade">
-                                      <p:cBhvr>
-                                        <p:cTn id="42" dur="500"/>
-                                        <p:tgtEl>
-                                          <p:spTgt spid="18"/>
-                                        </p:tgtEl>
-                                      </p:cBhvr>
-                                    </p:animEffect>
-                                    <p:anim calcmode="lin" valueType="num">
-                                      <p:cBhvr>
-                                        <p:cTn id="43" dur="500" fill="hold"/>
-                                        <p:tgtEl>
-                                          <p:spTgt spid="18"/>
-                                        </p:tgtEl>
-                                        <p:attrNameLst>
-                                          <p:attrName>ppt_x</p:attrName>
-                                        </p:attrNameLst>
-                                      </p:cBhvr>
-                                      <p:tavLst>
-                                        <p:tav tm="0">
-                                          <p:val>
-                                            <p:strVal val="#ppt_x"/>
-                                          </p:val>
-                                        </p:tav>
-                                        <p:tav tm="100000">
-                                          <p:val>
-                                            <p:strVal val="#ppt_x"/>
-                                          </p:val>
-                                        </p:tav>
-                                      </p:tavLst>
-                                    </p:anim>
-                                    <p:anim calcmode="lin" valueType="num">
-                                      <p:cBhvr>
-                                        <p:cTn id="44" dur="500" fill="hold"/>
-                                        <p:tgtEl>
-                                          <p:spTgt spid="18"/>
-                                        </p:tgtEl>
-                                        <p:attrNameLst>
-                                          <p:attrName>ppt_y</p:attrName>
-                                        </p:attrNameLst>
-                                      </p:cBhvr>
-                                      <p:tavLst>
-                                        <p:tav tm="0">
-                                          <p:val>
-                                            <p:strVal val="#ppt_y+.1"/>
-                                          </p:val>
-                                        </p:tav>
-                                        <p:tav tm="100000">
-                                          <p:val>
-                                            <p:strVal val="#ppt_y"/>
-                                          </p:val>
-                                        </p:tav>
-                                      </p:tavLst>
-                                    </p:anim>
-                                  </p:childTnLst>
-                                </p:cTn>
-                              </p:par>
-                              <p:par>
-                                <p:cTn id="45" presetID="42" presetClass="entr" presetSubtype="0" fill="hold" grpId="0" nodeType="withEffect">
-                                  <p:stCondLst>
-                                    <p:cond delay="0"/>
-                                  </p:stCondLst>
-                                  <p:childTnLst>
-                                    <p:set>
-                                      <p:cBhvr>
-                                        <p:cTn id="46" dur="1" fill="hold">
-                                          <p:stCondLst>
-                                            <p:cond delay="0"/>
-                                          </p:stCondLst>
-                                        </p:cTn>
-                                        <p:tgtEl>
-                                          <p:spTgt spid="19"/>
-                                        </p:tgtEl>
-                                        <p:attrNameLst>
-                                          <p:attrName>style.visibility</p:attrName>
-                                        </p:attrNameLst>
-                                      </p:cBhvr>
-                                      <p:to>
-                                        <p:strVal val="visible"/>
-                                      </p:to>
-                                    </p:set>
-                                    <p:animEffect transition="in" filter="fade">
-                                      <p:cBhvr>
-                                        <p:cTn id="47" dur="500"/>
-                                        <p:tgtEl>
-                                          <p:spTgt spid="19"/>
-                                        </p:tgtEl>
-                                      </p:cBhvr>
-                                    </p:animEffect>
-                                    <p:anim calcmode="lin" valueType="num">
-                                      <p:cBhvr>
-                                        <p:cTn id="48" dur="500" fill="hold"/>
-                                        <p:tgtEl>
-                                          <p:spTgt spid="19"/>
-                                        </p:tgtEl>
-                                        <p:attrNameLst>
-                                          <p:attrName>ppt_x</p:attrName>
-                                        </p:attrNameLst>
-                                      </p:cBhvr>
-                                      <p:tavLst>
-                                        <p:tav tm="0">
-                                          <p:val>
-                                            <p:strVal val="#ppt_x"/>
-                                          </p:val>
-                                        </p:tav>
-                                        <p:tav tm="100000">
-                                          <p:val>
-                                            <p:strVal val="#ppt_x"/>
-                                          </p:val>
-                                        </p:tav>
-                                      </p:tavLst>
-                                    </p:anim>
-                                    <p:anim calcmode="lin" valueType="num">
-                                      <p:cBhvr>
-                                        <p:cTn id="49" dur="500" fill="hold"/>
-                                        <p:tgtEl>
-                                          <p:spTgt spid="19"/>
-                                        </p:tgtEl>
-                                        <p:attrNameLst>
-                                          <p:attrName>ppt_y</p:attrName>
-                                        </p:attrNameLst>
-                                      </p:cBhvr>
-                                      <p:tavLst>
-                                        <p:tav tm="0">
-                                          <p:val>
-                                            <p:strVal val="#ppt_y+.1"/>
-                                          </p:val>
-                                        </p:tav>
-                                        <p:tav tm="100000">
-                                          <p:val>
-                                            <p:strVal val="#ppt_y"/>
-                                          </p:val>
-                                        </p:tav>
-                                      </p:tavLst>
-                                    </p:anim>
-                                  </p:childTnLst>
-                                </p:cTn>
-                              </p:par>
-                              <p:par>
-                                <p:cTn id="50" presetID="42" presetClass="entr" presetSubtype="0" fill="hold" grpId="0" nodeType="withEffect">
-                                  <p:stCondLst>
-                                    <p:cond delay="0"/>
-                                  </p:stCondLst>
-                                  <p:childTnLst>
-                                    <p:set>
-                                      <p:cBhvr>
-                                        <p:cTn id="51" dur="1" fill="hold">
-                                          <p:stCondLst>
-                                            <p:cond delay="0"/>
-                                          </p:stCondLst>
-                                        </p:cTn>
-                                        <p:tgtEl>
-                                          <p:spTgt spid="20"/>
-                                        </p:tgtEl>
-                                        <p:attrNameLst>
-                                          <p:attrName>style.visibility</p:attrName>
-                                        </p:attrNameLst>
-                                      </p:cBhvr>
-                                      <p:to>
-                                        <p:strVal val="visible"/>
-                                      </p:to>
-                                    </p:set>
-                                    <p:animEffect transition="in" filter="fade">
-                                      <p:cBhvr>
-                                        <p:cTn id="52" dur="500"/>
-                                        <p:tgtEl>
-                                          <p:spTgt spid="20"/>
-                                        </p:tgtEl>
-                                      </p:cBhvr>
-                                    </p:animEffect>
-                                    <p:anim calcmode="lin" valueType="num">
-                                      <p:cBhvr>
-                                        <p:cTn id="53" dur="500" fill="hold"/>
-                                        <p:tgtEl>
-                                          <p:spTgt spid="20"/>
-                                        </p:tgtEl>
-                                        <p:attrNameLst>
-                                          <p:attrName>ppt_x</p:attrName>
-                                        </p:attrNameLst>
-                                      </p:cBhvr>
-                                      <p:tavLst>
-                                        <p:tav tm="0">
-                                          <p:val>
-                                            <p:strVal val="#ppt_x"/>
-                                          </p:val>
-                                        </p:tav>
-                                        <p:tav tm="100000">
-                                          <p:val>
-                                            <p:strVal val="#ppt_x"/>
-                                          </p:val>
-                                        </p:tav>
-                                      </p:tavLst>
-                                    </p:anim>
-                                    <p:anim calcmode="lin" valueType="num">
-                                      <p:cBhvr>
-                                        <p:cTn id="54" dur="500" fill="hold"/>
-                                        <p:tgtEl>
-                                          <p:spTgt spid="20"/>
-                                        </p:tgtEl>
-                                        <p:attrNameLst>
-                                          <p:attrName>ppt_y</p:attrName>
-                                        </p:attrNameLst>
-                                      </p:cBhvr>
-                                      <p:tavLst>
-                                        <p:tav tm="0">
-                                          <p:val>
-                                            <p:strVal val="#ppt_y+.1"/>
-                                          </p:val>
-                                        </p:tav>
-                                        <p:tav tm="100000">
-                                          <p:val>
-                                            <p:strVal val="#ppt_y"/>
-                                          </p:val>
-                                        </p:tav>
-                                      </p:tavLst>
-                                    </p:anim>
-                                  </p:childTnLst>
-                                </p:cTn>
-                              </p:par>
-                              <p:par>
-                                <p:cTn id="55" presetID="42" presetClass="entr" presetSubtype="0" fill="hold" grpId="0" nodeType="withEffect">
-                                  <p:stCondLst>
-                                    <p:cond delay="0"/>
-                                  </p:stCondLst>
-                                  <p:childTnLst>
-                                    <p:set>
-                                      <p:cBhvr>
-                                        <p:cTn id="56" dur="1" fill="hold">
-                                          <p:stCondLst>
-                                            <p:cond delay="0"/>
-                                          </p:stCondLst>
-                                        </p:cTn>
-                                        <p:tgtEl>
-                                          <p:spTgt spid="21"/>
-                                        </p:tgtEl>
-                                        <p:attrNameLst>
-                                          <p:attrName>style.visibility</p:attrName>
-                                        </p:attrNameLst>
-                                      </p:cBhvr>
-                                      <p:to>
-                                        <p:strVal val="visible"/>
-                                      </p:to>
-                                    </p:set>
-                                    <p:animEffect transition="in" filter="fade">
-                                      <p:cBhvr>
-                                        <p:cTn id="57" dur="500"/>
-                                        <p:tgtEl>
-                                          <p:spTgt spid="21"/>
-                                        </p:tgtEl>
-                                      </p:cBhvr>
-                                    </p:animEffect>
-                                    <p:anim calcmode="lin" valueType="num">
-                                      <p:cBhvr>
-                                        <p:cTn id="58" dur="500" fill="hold"/>
-                                        <p:tgtEl>
-                                          <p:spTgt spid="21"/>
-                                        </p:tgtEl>
-                                        <p:attrNameLst>
-                                          <p:attrName>ppt_x</p:attrName>
-                                        </p:attrNameLst>
-                                      </p:cBhvr>
-                                      <p:tavLst>
-                                        <p:tav tm="0">
-                                          <p:val>
-                                            <p:strVal val="#ppt_x"/>
-                                          </p:val>
-                                        </p:tav>
-                                        <p:tav tm="100000">
-                                          <p:val>
-                                            <p:strVal val="#ppt_x"/>
-                                          </p:val>
-                                        </p:tav>
-                                      </p:tavLst>
-                                    </p:anim>
-                                    <p:anim calcmode="lin" valueType="num">
-                                      <p:cBhvr>
-                                        <p:cTn id="59" dur="500" fill="hold"/>
-                                        <p:tgtEl>
-                                          <p:spTgt spid="21"/>
-                                        </p:tgtEl>
-                                        <p:attrNameLst>
-                                          <p:attrName>ppt_y</p:attrName>
-                                        </p:attrNameLst>
-                                      </p:cBhvr>
-                                      <p:tavLst>
-                                        <p:tav tm="0">
-                                          <p:val>
-                                            <p:strVal val="#ppt_y+.1"/>
-                                          </p:val>
-                                        </p:tav>
-                                        <p:tav tm="100000">
-                                          <p:val>
-                                            <p:strVal val="#ppt_y"/>
-                                          </p:val>
-                                        </p:tav>
-                                      </p:tavLst>
-                                    </p:anim>
-                                  </p:childTnLst>
-                                </p:cTn>
-                              </p:par>
-                            </p:childTnLst>
-                          </p:cTn>
-                        </p:par>
-                      </p:childTnLst>
-                    </p:cTn>
-                  </p:par>
-                </p:childTnLst>
-              </p:cTn>
-              <p:prevCondLst>
-                <p:cond evt="onPrev" delay="0">
-                  <p:tgtEl>
-                    <p:sldTgt/>
-                  </p:tgtEl>
-                </p:cond>
-              </p:prevCondLst>
-              <p:nextCondLst>
-                <p:cond evt="onNext" delay="0">
-                  <p:tgtEl>
-                    <p:sldTgt/>
-                  </p:tgtEl>
-                </p:cond>
-              </p:nextCondLst>
-            </p:seq>
-          </p:childTnLst>
-        </p:cTn>
-      </p:par>
-    </p:tnLst>
-    <p:bldLst>
-      <p:bldP spid="11" grpId="0" bldLvl="0" animBg="1"/>
-      <p:bldP spid="13" grpId="0"/>
-      <p:bldP spid="12" grpId="0" bldLvl="0" animBg="1"/>
-      <p:bldP spid="15" grpId="0"/>
-      <p:bldP spid="16" grpId="0"/>
-      <p:bldP spid="17" grpId="0"/>
-      <p:bldP spid="18" grpId="0"/>
-      <p:bldP spid="19" grpId="0" bldLvl="0" animBg="1"/>
-      <p:bldP spid="20" grpId="0" bldLvl="0" animBg="1"/>
-      <p:bldP spid="21" grpId="0" bldLvl="0" animBg="1"/>
-    </p:bldLst>
-  </p:timing>
-</p:sld>
-</file>
-
-<file path=ppt/slides/slide20.xml><?xml version="1.0" encoding="utf-8"?>
+<file path=ppt/slides/slide19.xml><?xml version="1.0" encoding="utf-8"?>
 <p:sld xmlns:a="http://schemas.openxmlformats.org/drawingml/2006/main" xmlns:r="http://schemas.openxmlformats.org/officeDocument/2006/relationships" xmlns:p="http://schemas.openxmlformats.org/presentationml/2006/main">
   <p:cSld>
     <p:spTree>
@@ -22449,7 +18460,379 @@
 </p:sld>
 </file>
 
-<file path=ppt/slides/slide21.xml><?xml version="1.0" encoding="utf-8"?>
+<file path=ppt/slides/slide2.xml><?xml version="1.0" encoding="utf-8"?>
+<p:sld xmlns:a="http://schemas.openxmlformats.org/drawingml/2006/main" xmlns:r="http://schemas.openxmlformats.org/officeDocument/2006/relationships" xmlns:p="http://schemas.openxmlformats.org/presentationml/2006/main">
+  <p:cSld>
+    <p:spTree>
+      <p:nvGrpSpPr>
+        <p:cNvPr id="1" name=""/>
+        <p:cNvGrpSpPr/>
+        <p:nvPr/>
+      </p:nvGrpSpPr>
+      <p:grpSpPr>
+        <a:xfrm>
+          <a:off x="0" y="0"/>
+          <a:ext cx="0" cy="0"/>
+          <a:chOff x="0" y="0"/>
+          <a:chExt cx="0" cy="0"/>
+        </a:xfrm>
+      </p:grpSpPr>
+      <p:sp>
+        <p:nvSpPr>
+          <p:cNvPr id="8" name="TextBox 21"/>
+          <p:cNvSpPr txBox="1"/>
+          <p:nvPr/>
+        </p:nvSpPr>
+        <p:spPr>
+          <a:xfrm>
+            <a:off x="157480" y="163830"/>
+            <a:ext cx="1441450" cy="460375"/>
+          </a:xfrm>
+          <a:prstGeom prst="rect">
+            <a:avLst/>
+          </a:prstGeom>
+          <a:noFill/>
+        </p:spPr>
+        <p:txBody>
+          <a:bodyPr wrap="square" rtlCol="0">
+            <a:spAutoFit/>
+          </a:bodyPr>
+          <a:lstStyle/>
+          <a:p>
+            <a:r>
+              <a:rPr lang="zh-CN" sz="2400" dirty="0">
+                <a:gradFill>
+                  <a:gsLst>
+                    <a:gs pos="0">
+                      <a:srgbClr val="5877B6"/>
+                    </a:gs>
+                    <a:gs pos="100000">
+                      <a:srgbClr val="465E96"/>
+                    </a:gs>
+                  </a:gsLst>
+                  <a:lin ang="5400000" scaled="0"/>
+                </a:gradFill>
+                <a:effectLst>
+                  <a:outerShdw blurRad="254000" dist="101600" dir="5400000" algn="ctr" rotWithShape="0">
+                    <a:srgbClr val="000000">
+                      <a:alpha val="15000"/>
+                    </a:srgbClr>
+                  </a:outerShdw>
+                </a:effectLst>
+                <a:cs typeface="+mn-ea"/>
+                <a:sym typeface="+mn-lt"/>
+              </a:rPr>
+              <a:t>项目介绍</a:t>
+            </a:r>
+            <a:endParaRPr lang="zh-CN" sz="2000" dirty="0">
+              <a:gradFill>
+                <a:gsLst>
+                  <a:gs pos="0">
+                    <a:srgbClr val="5877B6"/>
+                  </a:gs>
+                  <a:gs pos="100000">
+                    <a:srgbClr val="465E96"/>
+                  </a:gs>
+                </a:gsLst>
+                <a:lin ang="5400000" scaled="0"/>
+              </a:gradFill>
+              <a:effectLst>
+                <a:outerShdw blurRad="254000" dist="101600" dir="5400000" algn="ctr" rotWithShape="0">
+                  <a:srgbClr val="000000">
+                    <a:alpha val="15000"/>
+                  </a:srgbClr>
+                </a:outerShdw>
+              </a:effectLst>
+              <a:cs typeface="+mn-ea"/>
+              <a:sym typeface="+mn-lt"/>
+            </a:endParaRPr>
+          </a:p>
+        </p:txBody>
+      </p:sp>
+      <p:cxnSp>
+        <p:nvCxnSpPr>
+          <p:cNvPr id="3" name="直接连接符 2"/>
+          <p:cNvCxnSpPr>
+            <a:stCxn id="8" idx="3"/>
+          </p:cNvCxnSpPr>
+          <p:nvPr/>
+        </p:nvCxnSpPr>
+        <p:spPr>
+          <a:xfrm flipV="1">
+            <a:off x="1598930" y="347980"/>
+            <a:ext cx="6632575" cy="46355"/>
+          </a:xfrm>
+          <a:prstGeom prst="line">
+            <a:avLst/>
+          </a:prstGeom>
+          <a:ln>
+            <a:solidFill>
+              <a:srgbClr val="0070C0"/>
+            </a:solidFill>
+          </a:ln>
+        </p:spPr>
+        <p:style>
+          <a:lnRef idx="2">
+            <a:schemeClr val="dk1"/>
+          </a:lnRef>
+          <a:fillRef idx="0">
+            <a:schemeClr val="dk1"/>
+          </a:fillRef>
+          <a:effectRef idx="1">
+            <a:schemeClr val="dk1"/>
+          </a:effectRef>
+          <a:fontRef idx="minor">
+            <a:schemeClr val="tx1"/>
+          </a:fontRef>
+        </p:style>
+      </p:cxnSp>
+      <p:sp>
+        <p:nvSpPr>
+          <p:cNvPr id="4" name="文本框 3"/>
+          <p:cNvSpPr txBox="1"/>
+          <p:nvPr/>
+        </p:nvSpPr>
+        <p:spPr>
+          <a:xfrm>
+            <a:off x="1165860" y="1348740"/>
+            <a:ext cx="6225540" cy="922020"/>
+          </a:xfrm>
+          <a:prstGeom prst="rect">
+            <a:avLst/>
+          </a:prstGeom>
+          <a:noFill/>
+        </p:spPr>
+        <p:txBody>
+          <a:bodyPr wrap="square" rtlCol="0">
+            <a:spAutoFit/>
+          </a:bodyPr>
+          <a:p>
+            <a:r>
+              <a:rPr lang="zh-CN" altLang="en-US">
+                <a:solidFill>
+                  <a:srgbClr val="0070C0"/>
+                </a:solidFill>
+              </a:rPr>
+              <a:t>项目描述：通过本系统提高对公司员工管理的效率，实现快速准确地查以及修改员工的相关信息，方便领导对员工进行工作部署。</a:t>
+            </a:r>
+            <a:endParaRPr lang="zh-CN" altLang="en-US">
+              <a:solidFill>
+                <a:srgbClr val="0070C0"/>
+              </a:solidFill>
+            </a:endParaRPr>
+          </a:p>
+        </p:txBody>
+      </p:sp>
+      <p:sp>
+        <p:nvSpPr>
+          <p:cNvPr id="5" name="文本框 4"/>
+          <p:cNvSpPr txBox="1"/>
+          <p:nvPr/>
+        </p:nvSpPr>
+        <p:spPr>
+          <a:xfrm>
+            <a:off x="1242060" y="3009900"/>
+            <a:ext cx="6240780" cy="1198880"/>
+          </a:xfrm>
+          <a:prstGeom prst="rect">
+            <a:avLst/>
+          </a:prstGeom>
+          <a:noFill/>
+        </p:spPr>
+        <p:txBody>
+          <a:bodyPr wrap="square" rtlCol="0">
+            <a:spAutoFit/>
+          </a:bodyPr>
+          <a:p>
+            <a:r>
+              <a:rPr lang="zh-CN" altLang="en-US">
+                <a:solidFill>
+                  <a:srgbClr val="0070C0"/>
+                </a:solidFill>
+              </a:rPr>
+              <a:t>责任描述：主要负责开发的模块有用户信息管理、部门管理和操作权限组</a:t>
+            </a:r>
+            <a:r>
+              <a:rPr lang="zh-CN" altLang="en-US">
+                <a:solidFill>
+                  <a:srgbClr val="0070C0"/>
+                </a:solidFill>
+                <a:sym typeface="+mn-ea"/>
+              </a:rPr>
+              <a:t>、以及企业资源管理</a:t>
+            </a:r>
+            <a:r>
+              <a:rPr lang="zh-CN" altLang="en-US">
+                <a:solidFill>
+                  <a:srgbClr val="0070C0"/>
+                </a:solidFill>
+              </a:rPr>
+              <a:t>；基于SpringMVC注解开发、Mybatic的Mapper动态代理开发，Spring的IOC和AOP技术的框架环境下编程。</a:t>
+            </a:r>
+            <a:endParaRPr lang="zh-CN" altLang="en-US">
+              <a:solidFill>
+                <a:srgbClr val="0070C0"/>
+              </a:solidFill>
+            </a:endParaRPr>
+          </a:p>
+        </p:txBody>
+      </p:sp>
+    </p:spTree>
+  </p:cSld>
+  <p:clrMapOvr>
+    <a:masterClrMapping/>
+  </p:clrMapOvr>
+  <mc:AlternateContent xmlns:mc="http://schemas.openxmlformats.org/markup-compatibility/2006">
+    <mc:Choice xmlns:p14="http://schemas.microsoft.com/office/powerpoint/2010/main" Requires="p14">
+      <p:transition spd="slow" p14:dur="1500">
+        <p:random/>
+      </p:transition>
+    </mc:Choice>
+    <mc:Fallback>
+      <p:transition spd="slow">
+        <p:random/>
+      </p:transition>
+    </mc:Fallback>
+  </mc:AlternateContent>
+  <p:timing>
+    <p:tnLst>
+      <p:par>
+        <p:cTn id="1" dur="indefinite" restart="never" nodeType="tmRoot">
+          <p:childTnLst>
+            <p:seq concurrent="1" nextAc="seek">
+              <p:cTn id="2" dur="indefinite" nodeType="mainSeq">
+                <p:childTnLst>
+                  <p:par>
+                    <p:cTn id="3" fill="hold">
+                      <p:stCondLst>
+                        <p:cond delay="indefinite"/>
+                        <p:cond evt="onBegin" delay="0">
+                          <p:tn val="2"/>
+                        </p:cond>
+                      </p:stCondLst>
+                      <p:childTnLst>
+                        <p:par>
+                          <p:cTn id="4" fill="hold">
+                            <p:stCondLst>
+                              <p:cond delay="0"/>
+                            </p:stCondLst>
+                            <p:childTnLst>
+                              <p:par>
+                                <p:cTn id="5" presetID="42" presetClass="entr" presetSubtype="0" fill="hold" grpId="0" nodeType="withEffect">
+                                  <p:stCondLst>
+                                    <p:cond delay="0"/>
+                                  </p:stCondLst>
+                                  <p:childTnLst>
+                                    <p:set>
+                                      <p:cBhvr>
+                                        <p:cTn id="6" dur="1" fill="hold">
+                                          <p:stCondLst>
+                                            <p:cond delay="0"/>
+                                          </p:stCondLst>
+                                        </p:cTn>
+                                        <p:tgtEl>
+                                          <p:spTgt spid="8"/>
+                                        </p:tgtEl>
+                                        <p:attrNameLst>
+                                          <p:attrName>style.visibility</p:attrName>
+                                        </p:attrNameLst>
+                                      </p:cBhvr>
+                                      <p:to>
+                                        <p:strVal val="visible"/>
+                                      </p:to>
+                                    </p:set>
+                                    <p:animEffect transition="in" filter="fade">
+                                      <p:cBhvr>
+                                        <p:cTn id="7" dur="500"/>
+                                        <p:tgtEl>
+                                          <p:spTgt spid="8"/>
+                                        </p:tgtEl>
+                                      </p:cBhvr>
+                                    </p:animEffect>
+                                    <p:anim calcmode="lin" valueType="num">
+                                      <p:cBhvr>
+                                        <p:cTn id="8" dur="500" fill="hold"/>
+                                        <p:tgtEl>
+                                          <p:spTgt spid="8"/>
+                                        </p:tgtEl>
+                                        <p:attrNameLst>
+                                          <p:attrName>ppt_x</p:attrName>
+                                        </p:attrNameLst>
+                                      </p:cBhvr>
+                                      <p:tavLst>
+                                        <p:tav tm="0">
+                                          <p:val>
+                                            <p:strVal val="#ppt_x"/>
+                                          </p:val>
+                                        </p:tav>
+                                        <p:tav tm="100000">
+                                          <p:val>
+                                            <p:strVal val="#ppt_x"/>
+                                          </p:val>
+                                        </p:tav>
+                                      </p:tavLst>
+                                    </p:anim>
+                                    <p:anim calcmode="lin" valueType="num">
+                                      <p:cBhvr>
+                                        <p:cTn id="9" dur="500" fill="hold"/>
+                                        <p:tgtEl>
+                                          <p:spTgt spid="8"/>
+                                        </p:tgtEl>
+                                        <p:attrNameLst>
+                                          <p:attrName>ppt_y</p:attrName>
+                                        </p:attrNameLst>
+                                      </p:cBhvr>
+                                      <p:tavLst>
+                                        <p:tav tm="0">
+                                          <p:val>
+                                            <p:strVal val="#ppt_y+.1"/>
+                                          </p:val>
+                                        </p:tav>
+                                        <p:tav tm="100000">
+                                          <p:val>
+                                            <p:strVal val="#ppt_y"/>
+                                          </p:val>
+                                        </p:tav>
+                                      </p:tavLst>
+                                    </p:anim>
+                                  </p:childTnLst>
+                                </p:cTn>
+                              </p:par>
+                            </p:childTnLst>
+                          </p:cTn>
+                        </p:par>
+                      </p:childTnLst>
+                    </p:cTn>
+                  </p:par>
+                </p:childTnLst>
+              </p:cTn>
+              <p:prevCondLst>
+                <p:cond evt="onPrev" delay="0">
+                  <p:tgtEl>
+                    <p:sldTgt/>
+                  </p:tgtEl>
+                </p:cond>
+              </p:prevCondLst>
+              <p:nextCondLst>
+                <p:cond evt="onNext" delay="0">
+                  <p:tgtEl>
+                    <p:sldTgt/>
+                  </p:tgtEl>
+                </p:cond>
+              </p:nextCondLst>
+            </p:seq>
+          </p:childTnLst>
+        </p:cTn>
+      </p:par>
+    </p:tnLst>
+    <p:bldLst>
+      <p:bldP spid="8" grpId="0"/>
+    </p:bldLst>
+  </p:timing>
+</p:sld>
+</file>
+
+<file path=ppt/slides/slide20.xml><?xml version="1.0" encoding="utf-8"?>
 <p:sld xmlns:a="http://schemas.openxmlformats.org/drawingml/2006/main" xmlns:r="http://schemas.openxmlformats.org/officeDocument/2006/relationships" xmlns:p="http://schemas.openxmlformats.org/presentationml/2006/main">
   <p:cSld>
     <p:spTree>
@@ -22982,7 +19365,7 @@
 </p:sld>
 </file>
 
-<file path=ppt/slides/slide22.xml><?xml version="1.0" encoding="utf-8"?>
+<file path=ppt/slides/slide21.xml><?xml version="1.0" encoding="utf-8"?>
 <p:sld xmlns:a="http://schemas.openxmlformats.org/drawingml/2006/main" xmlns:r="http://schemas.openxmlformats.org/officeDocument/2006/relationships" xmlns:p="http://schemas.openxmlformats.org/presentationml/2006/main">
   <p:cSld>
     <p:spTree>
@@ -23646,7 +20029,7 @@
 </p:sld>
 </file>
 
-<file path=ppt/slides/slide23.xml><?xml version="1.0" encoding="utf-8"?>
+<file path=ppt/slides/slide22.xml><?xml version="1.0" encoding="utf-8"?>
 <p:sld xmlns:a="http://schemas.openxmlformats.org/drawingml/2006/main" xmlns:r="http://schemas.openxmlformats.org/officeDocument/2006/relationships" xmlns:p="http://schemas.openxmlformats.org/presentationml/2006/main">
   <p:cSld>
     <p:spTree>
@@ -24423,7 +20806,7 @@
 </p:sld>
 </file>
 
-<file path=ppt/slides/slide24.xml><?xml version="1.0" encoding="utf-8"?>
+<file path=ppt/slides/slide23.xml><?xml version="1.0" encoding="utf-8"?>
 <p:sld xmlns:a="http://schemas.openxmlformats.org/drawingml/2006/main" xmlns:r="http://schemas.openxmlformats.org/officeDocument/2006/relationships" xmlns:p="http://schemas.openxmlformats.org/presentationml/2006/main">
   <p:cSld>
     <p:spTree>
@@ -25227,7 +21610,7 @@
 </p:sld>
 </file>
 
-<file path=ppt/slides/slide25.xml><?xml version="1.0" encoding="utf-8"?>
+<file path=ppt/slides/slide24.xml><?xml version="1.0" encoding="utf-8"?>
 <p:sld xmlns:a="http://schemas.openxmlformats.org/drawingml/2006/main" xmlns:r="http://schemas.openxmlformats.org/officeDocument/2006/relationships" xmlns:p="http://schemas.openxmlformats.org/presentationml/2006/main">
   <p:cSld>
     <p:bg>
@@ -26175,378 +22558,6 @@
 </file>
 
 <file path=ppt/slides/slide3.xml><?xml version="1.0" encoding="utf-8"?>
-<p:sld xmlns:a="http://schemas.openxmlformats.org/drawingml/2006/main" xmlns:r="http://schemas.openxmlformats.org/officeDocument/2006/relationships" xmlns:p="http://schemas.openxmlformats.org/presentationml/2006/main">
-  <p:cSld>
-    <p:spTree>
-      <p:nvGrpSpPr>
-        <p:cNvPr id="1" name=""/>
-        <p:cNvGrpSpPr/>
-        <p:nvPr/>
-      </p:nvGrpSpPr>
-      <p:grpSpPr>
-        <a:xfrm>
-          <a:off x="0" y="0"/>
-          <a:ext cx="0" cy="0"/>
-          <a:chOff x="0" y="0"/>
-          <a:chExt cx="0" cy="0"/>
-        </a:xfrm>
-      </p:grpSpPr>
-      <p:sp>
-        <p:nvSpPr>
-          <p:cNvPr id="8" name="TextBox 21"/>
-          <p:cNvSpPr txBox="1"/>
-          <p:nvPr/>
-        </p:nvSpPr>
-        <p:spPr>
-          <a:xfrm>
-            <a:off x="157480" y="163830"/>
-            <a:ext cx="1441450" cy="460375"/>
-          </a:xfrm>
-          <a:prstGeom prst="rect">
-            <a:avLst/>
-          </a:prstGeom>
-          <a:noFill/>
-        </p:spPr>
-        <p:txBody>
-          <a:bodyPr wrap="square" rtlCol="0">
-            <a:spAutoFit/>
-          </a:bodyPr>
-          <a:lstStyle/>
-          <a:p>
-            <a:r>
-              <a:rPr lang="zh-CN" sz="2400" dirty="0">
-                <a:gradFill>
-                  <a:gsLst>
-                    <a:gs pos="0">
-                      <a:srgbClr val="5877B6"/>
-                    </a:gs>
-                    <a:gs pos="100000">
-                      <a:srgbClr val="465E96"/>
-                    </a:gs>
-                  </a:gsLst>
-                  <a:lin ang="5400000" scaled="0"/>
-                </a:gradFill>
-                <a:effectLst>
-                  <a:outerShdw blurRad="254000" dist="101600" dir="5400000" algn="ctr" rotWithShape="0">
-                    <a:srgbClr val="000000">
-                      <a:alpha val="15000"/>
-                    </a:srgbClr>
-                  </a:outerShdw>
-                </a:effectLst>
-                <a:cs typeface="+mn-ea"/>
-                <a:sym typeface="+mn-lt"/>
-              </a:rPr>
-              <a:t>项目介绍</a:t>
-            </a:r>
-            <a:endParaRPr lang="zh-CN" sz="2000" dirty="0">
-              <a:gradFill>
-                <a:gsLst>
-                  <a:gs pos="0">
-                    <a:srgbClr val="5877B6"/>
-                  </a:gs>
-                  <a:gs pos="100000">
-                    <a:srgbClr val="465E96"/>
-                  </a:gs>
-                </a:gsLst>
-                <a:lin ang="5400000" scaled="0"/>
-              </a:gradFill>
-              <a:effectLst>
-                <a:outerShdw blurRad="254000" dist="101600" dir="5400000" algn="ctr" rotWithShape="0">
-                  <a:srgbClr val="000000">
-                    <a:alpha val="15000"/>
-                  </a:srgbClr>
-                </a:outerShdw>
-              </a:effectLst>
-              <a:cs typeface="+mn-ea"/>
-              <a:sym typeface="+mn-lt"/>
-            </a:endParaRPr>
-          </a:p>
-        </p:txBody>
-      </p:sp>
-      <p:cxnSp>
-        <p:nvCxnSpPr>
-          <p:cNvPr id="3" name="直接连接符 2"/>
-          <p:cNvCxnSpPr>
-            <a:stCxn id="8" idx="3"/>
-          </p:cNvCxnSpPr>
-          <p:nvPr/>
-        </p:nvCxnSpPr>
-        <p:spPr>
-          <a:xfrm flipV="1">
-            <a:off x="1598930" y="347980"/>
-            <a:ext cx="6632575" cy="46355"/>
-          </a:xfrm>
-          <a:prstGeom prst="line">
-            <a:avLst/>
-          </a:prstGeom>
-          <a:ln>
-            <a:solidFill>
-              <a:srgbClr val="0070C0"/>
-            </a:solidFill>
-          </a:ln>
-        </p:spPr>
-        <p:style>
-          <a:lnRef idx="2">
-            <a:schemeClr val="dk1"/>
-          </a:lnRef>
-          <a:fillRef idx="0">
-            <a:schemeClr val="dk1"/>
-          </a:fillRef>
-          <a:effectRef idx="1">
-            <a:schemeClr val="dk1"/>
-          </a:effectRef>
-          <a:fontRef idx="minor">
-            <a:schemeClr val="tx1"/>
-          </a:fontRef>
-        </p:style>
-      </p:cxnSp>
-      <p:sp>
-        <p:nvSpPr>
-          <p:cNvPr id="4" name="文本框 3"/>
-          <p:cNvSpPr txBox="1"/>
-          <p:nvPr/>
-        </p:nvSpPr>
-        <p:spPr>
-          <a:xfrm>
-            <a:off x="1165860" y="1348740"/>
-            <a:ext cx="6225540" cy="922020"/>
-          </a:xfrm>
-          <a:prstGeom prst="rect">
-            <a:avLst/>
-          </a:prstGeom>
-          <a:noFill/>
-        </p:spPr>
-        <p:txBody>
-          <a:bodyPr wrap="square" rtlCol="0">
-            <a:spAutoFit/>
-          </a:bodyPr>
-          <a:p>
-            <a:r>
-              <a:rPr lang="zh-CN" altLang="en-US">
-                <a:solidFill>
-                  <a:srgbClr val="0070C0"/>
-                </a:solidFill>
-              </a:rPr>
-              <a:t>项目描述：通过本系统提高对公司员工管理的效率，实现快速准确地查以及修改员工的相关信息，方便领导对员工进行工作部署。</a:t>
-            </a:r>
-            <a:endParaRPr lang="zh-CN" altLang="en-US">
-              <a:solidFill>
-                <a:srgbClr val="0070C0"/>
-              </a:solidFill>
-            </a:endParaRPr>
-          </a:p>
-        </p:txBody>
-      </p:sp>
-      <p:sp>
-        <p:nvSpPr>
-          <p:cNvPr id="5" name="文本框 4"/>
-          <p:cNvSpPr txBox="1"/>
-          <p:nvPr/>
-        </p:nvSpPr>
-        <p:spPr>
-          <a:xfrm>
-            <a:off x="1242060" y="3009900"/>
-            <a:ext cx="6240780" cy="1198880"/>
-          </a:xfrm>
-          <a:prstGeom prst="rect">
-            <a:avLst/>
-          </a:prstGeom>
-          <a:noFill/>
-        </p:spPr>
-        <p:txBody>
-          <a:bodyPr wrap="square" rtlCol="0">
-            <a:spAutoFit/>
-          </a:bodyPr>
-          <a:p>
-            <a:r>
-              <a:rPr lang="zh-CN" altLang="en-US">
-                <a:solidFill>
-                  <a:srgbClr val="0070C0"/>
-                </a:solidFill>
-              </a:rPr>
-              <a:t>责任描述：主要负责开发的模块有用户信息管理、部门管理和操作权限组</a:t>
-            </a:r>
-            <a:r>
-              <a:rPr lang="zh-CN" altLang="en-US">
-                <a:solidFill>
-                  <a:srgbClr val="0070C0"/>
-                </a:solidFill>
-                <a:sym typeface="+mn-ea"/>
-              </a:rPr>
-              <a:t>、以及企业资源管理</a:t>
-            </a:r>
-            <a:r>
-              <a:rPr lang="zh-CN" altLang="en-US">
-                <a:solidFill>
-                  <a:srgbClr val="0070C0"/>
-                </a:solidFill>
-              </a:rPr>
-              <a:t>；基于SpringMVC注解开发、Mybatic的Mapper动态代理开发，Spring的IOC和AOP技术的框架环境下编程。</a:t>
-            </a:r>
-            <a:endParaRPr lang="zh-CN" altLang="en-US">
-              <a:solidFill>
-                <a:srgbClr val="0070C0"/>
-              </a:solidFill>
-            </a:endParaRPr>
-          </a:p>
-        </p:txBody>
-      </p:sp>
-    </p:spTree>
-  </p:cSld>
-  <p:clrMapOvr>
-    <a:masterClrMapping/>
-  </p:clrMapOvr>
-  <mc:AlternateContent xmlns:mc="http://schemas.openxmlformats.org/markup-compatibility/2006">
-    <mc:Choice xmlns:p14="http://schemas.microsoft.com/office/powerpoint/2010/main" Requires="p14">
-      <p:transition spd="slow" p14:dur="1500">
-        <p:random/>
-      </p:transition>
-    </mc:Choice>
-    <mc:Fallback>
-      <p:transition spd="slow">
-        <p:random/>
-      </p:transition>
-    </mc:Fallback>
-  </mc:AlternateContent>
-  <p:timing>
-    <p:tnLst>
-      <p:par>
-        <p:cTn id="1" dur="indefinite" restart="never" nodeType="tmRoot">
-          <p:childTnLst>
-            <p:seq concurrent="1" nextAc="seek">
-              <p:cTn id="2" dur="indefinite" nodeType="mainSeq">
-                <p:childTnLst>
-                  <p:par>
-                    <p:cTn id="3" fill="hold">
-                      <p:stCondLst>
-                        <p:cond delay="indefinite"/>
-                        <p:cond evt="onBegin" delay="0">
-                          <p:tn val="2"/>
-                        </p:cond>
-                      </p:stCondLst>
-                      <p:childTnLst>
-                        <p:par>
-                          <p:cTn id="4" fill="hold">
-                            <p:stCondLst>
-                              <p:cond delay="0"/>
-                            </p:stCondLst>
-                            <p:childTnLst>
-                              <p:par>
-                                <p:cTn id="5" presetID="42" presetClass="entr" presetSubtype="0" fill="hold" grpId="0" nodeType="withEffect">
-                                  <p:stCondLst>
-                                    <p:cond delay="0"/>
-                                  </p:stCondLst>
-                                  <p:childTnLst>
-                                    <p:set>
-                                      <p:cBhvr>
-                                        <p:cTn id="6" dur="1" fill="hold">
-                                          <p:stCondLst>
-                                            <p:cond delay="0"/>
-                                          </p:stCondLst>
-                                        </p:cTn>
-                                        <p:tgtEl>
-                                          <p:spTgt spid="8"/>
-                                        </p:tgtEl>
-                                        <p:attrNameLst>
-                                          <p:attrName>style.visibility</p:attrName>
-                                        </p:attrNameLst>
-                                      </p:cBhvr>
-                                      <p:to>
-                                        <p:strVal val="visible"/>
-                                      </p:to>
-                                    </p:set>
-                                    <p:animEffect transition="in" filter="fade">
-                                      <p:cBhvr>
-                                        <p:cTn id="7" dur="500"/>
-                                        <p:tgtEl>
-                                          <p:spTgt spid="8"/>
-                                        </p:tgtEl>
-                                      </p:cBhvr>
-                                    </p:animEffect>
-                                    <p:anim calcmode="lin" valueType="num">
-                                      <p:cBhvr>
-                                        <p:cTn id="8" dur="500" fill="hold"/>
-                                        <p:tgtEl>
-                                          <p:spTgt spid="8"/>
-                                        </p:tgtEl>
-                                        <p:attrNameLst>
-                                          <p:attrName>ppt_x</p:attrName>
-                                        </p:attrNameLst>
-                                      </p:cBhvr>
-                                      <p:tavLst>
-                                        <p:tav tm="0">
-                                          <p:val>
-                                            <p:strVal val="#ppt_x"/>
-                                          </p:val>
-                                        </p:tav>
-                                        <p:tav tm="100000">
-                                          <p:val>
-                                            <p:strVal val="#ppt_x"/>
-                                          </p:val>
-                                        </p:tav>
-                                      </p:tavLst>
-                                    </p:anim>
-                                    <p:anim calcmode="lin" valueType="num">
-                                      <p:cBhvr>
-                                        <p:cTn id="9" dur="500" fill="hold"/>
-                                        <p:tgtEl>
-                                          <p:spTgt spid="8"/>
-                                        </p:tgtEl>
-                                        <p:attrNameLst>
-                                          <p:attrName>ppt_y</p:attrName>
-                                        </p:attrNameLst>
-                                      </p:cBhvr>
-                                      <p:tavLst>
-                                        <p:tav tm="0">
-                                          <p:val>
-                                            <p:strVal val="#ppt_y+.1"/>
-                                          </p:val>
-                                        </p:tav>
-                                        <p:tav tm="100000">
-                                          <p:val>
-                                            <p:strVal val="#ppt_y"/>
-                                          </p:val>
-                                        </p:tav>
-                                      </p:tavLst>
-                                    </p:anim>
-                                  </p:childTnLst>
-                                </p:cTn>
-                              </p:par>
-                            </p:childTnLst>
-                          </p:cTn>
-                        </p:par>
-                      </p:childTnLst>
-                    </p:cTn>
-                  </p:par>
-                </p:childTnLst>
-              </p:cTn>
-              <p:prevCondLst>
-                <p:cond evt="onPrev" delay="0">
-                  <p:tgtEl>
-                    <p:sldTgt/>
-                  </p:tgtEl>
-                </p:cond>
-              </p:prevCondLst>
-              <p:nextCondLst>
-                <p:cond evt="onNext" delay="0">
-                  <p:tgtEl>
-                    <p:sldTgt/>
-                  </p:tgtEl>
-                </p:cond>
-              </p:nextCondLst>
-            </p:seq>
-          </p:childTnLst>
-        </p:cTn>
-      </p:par>
-    </p:tnLst>
-    <p:bldLst>
-      <p:bldP spid="8" grpId="0"/>
-    </p:bldLst>
-  </p:timing>
-</p:sld>
-</file>
-
-<file path=ppt/slides/slide4.xml><?xml version="1.0" encoding="utf-8"?>
 <p:sld xmlns:a="http://schemas.openxmlformats.org/drawingml/2006/main" xmlns:r="http://schemas.openxmlformats.org/officeDocument/2006/relationships" xmlns:p="http://schemas.openxmlformats.org/presentationml/2006/main">
   <p:cSld>
     <p:spTree>
@@ -28274,7 +24285,7 @@
 </p:sld>
 </file>
 
-<file path=ppt/slides/slide5.xml><?xml version="1.0" encoding="utf-8"?>
+<file path=ppt/slides/slide4.xml><?xml version="1.0" encoding="utf-8"?>
 <p:sld xmlns:a="http://schemas.openxmlformats.org/drawingml/2006/main" xmlns:r="http://schemas.openxmlformats.org/officeDocument/2006/relationships" xmlns:p="http://schemas.openxmlformats.org/presentationml/2006/main">
   <p:cSld>
     <p:spTree>
@@ -28928,7 +24939,7 @@
 </p:sld>
 </file>
 
-<file path=ppt/slides/slide6.xml><?xml version="1.0" encoding="utf-8"?>
+<file path=ppt/slides/slide5.xml><?xml version="1.0" encoding="utf-8"?>
 <p:sld xmlns:a="http://schemas.openxmlformats.org/drawingml/2006/main" xmlns:r="http://schemas.openxmlformats.org/officeDocument/2006/relationships" xmlns:p="http://schemas.openxmlformats.org/presentationml/2006/main">
   <p:cSld>
     <p:spTree>
@@ -29233,7 +25244,7 @@
 </p:sld>
 </file>
 
-<file path=ppt/slides/slide7.xml><?xml version="1.0" encoding="utf-8"?>
+<file path=ppt/slides/slide6.xml><?xml version="1.0" encoding="utf-8"?>
 <p:sld xmlns:a="http://schemas.openxmlformats.org/drawingml/2006/main" xmlns:r="http://schemas.openxmlformats.org/officeDocument/2006/relationships" xmlns:p="http://schemas.openxmlformats.org/presentationml/2006/main">
   <p:cSld>
     <p:spTree>
@@ -30932,7 +26943,7 @@
 </p:sld>
 </file>
 
-<file path=ppt/slides/slide8.xml><?xml version="1.0" encoding="utf-8"?>
+<file path=ppt/slides/slide7.xml><?xml version="1.0" encoding="utf-8"?>
 <p:sld xmlns:a="http://schemas.openxmlformats.org/drawingml/2006/main" xmlns:r="http://schemas.openxmlformats.org/officeDocument/2006/relationships" xmlns:p="http://schemas.openxmlformats.org/presentationml/2006/main">
   <p:cSld>
     <p:spTree>
@@ -31548,7 +27559,7 @@
 </p:sld>
 </file>
 
-<file path=ppt/slides/slide9.xml><?xml version="1.0" encoding="utf-8"?>
+<file path=ppt/slides/slide8.xml><?xml version="1.0" encoding="utf-8"?>
 <p:sld xmlns:a="http://schemas.openxmlformats.org/drawingml/2006/main" xmlns:r="http://schemas.openxmlformats.org/officeDocument/2006/relationships" xmlns:p="http://schemas.openxmlformats.org/presentationml/2006/main">
   <p:cSld>
     <p:spTree>
@@ -31876,6 +27887,1923 @@
     </p:tnLst>
     <p:bldLst>
       <p:bldP spid="8" grpId="0"/>
+    </p:bldLst>
+  </p:timing>
+</p:sld>
+</file>
+
+<file path=ppt/slides/slide9.xml><?xml version="1.0" encoding="utf-8"?>
+<p:sld xmlns:a="http://schemas.openxmlformats.org/drawingml/2006/main" xmlns:r="http://schemas.openxmlformats.org/officeDocument/2006/relationships" xmlns:p="http://schemas.openxmlformats.org/presentationml/2006/main">
+  <p:cSld>
+    <p:spTree>
+      <p:nvGrpSpPr>
+        <p:cNvPr id="1" name=""/>
+        <p:cNvGrpSpPr/>
+        <p:nvPr/>
+      </p:nvGrpSpPr>
+      <p:grpSpPr>
+        <a:xfrm>
+          <a:off x="0" y="0"/>
+          <a:ext cx="0" cy="0"/>
+          <a:chOff x="0" y="0"/>
+          <a:chExt cx="0" cy="0"/>
+        </a:xfrm>
+      </p:grpSpPr>
+      <p:sp>
+        <p:nvSpPr>
+          <p:cNvPr id="8" name="TextBox 21"/>
+          <p:cNvSpPr txBox="1"/>
+          <p:nvPr/>
+        </p:nvSpPr>
+        <p:spPr>
+          <a:xfrm>
+            <a:off x="157480" y="163830"/>
+            <a:ext cx="2035175" cy="460375"/>
+          </a:xfrm>
+          <a:prstGeom prst="rect">
+            <a:avLst/>
+          </a:prstGeom>
+          <a:noFill/>
+        </p:spPr>
+        <p:txBody>
+          <a:bodyPr wrap="square" rtlCol="0">
+            <a:spAutoFit/>
+          </a:bodyPr>
+          <a:lstStyle/>
+          <a:p>
+            <a:r>
+              <a:rPr lang="zh-CN" sz="2400" dirty="0">
+                <a:gradFill>
+                  <a:gsLst>
+                    <a:gs pos="0">
+                      <a:srgbClr val="5877B6"/>
+                    </a:gs>
+                    <a:gs pos="100000">
+                      <a:srgbClr val="465E96"/>
+                    </a:gs>
+                  </a:gsLst>
+                  <a:lin ang="5400000" scaled="0"/>
+                </a:gradFill>
+                <a:effectLst>
+                  <a:outerShdw blurRad="254000" dist="101600" dir="5400000" algn="ctr" rotWithShape="0">
+                    <a:srgbClr val="000000">
+                      <a:alpha val="15000"/>
+                    </a:srgbClr>
+                  </a:outerShdw>
+                </a:effectLst>
+                <a:cs typeface="+mn-ea"/>
+                <a:sym typeface="+mn-lt"/>
+              </a:rPr>
+              <a:t>项目环境搭建</a:t>
+            </a:r>
+            <a:endParaRPr lang="zh-CN" sz="2000" dirty="0">
+              <a:gradFill>
+                <a:gsLst>
+                  <a:gs pos="0">
+                    <a:srgbClr val="5877B6"/>
+                  </a:gs>
+                  <a:gs pos="100000">
+                    <a:srgbClr val="465E96"/>
+                  </a:gs>
+                </a:gsLst>
+                <a:lin ang="5400000" scaled="0"/>
+              </a:gradFill>
+              <a:effectLst>
+                <a:outerShdw blurRad="254000" dist="101600" dir="5400000" algn="ctr" rotWithShape="0">
+                  <a:srgbClr val="000000">
+                    <a:alpha val="15000"/>
+                  </a:srgbClr>
+                </a:outerShdw>
+              </a:effectLst>
+              <a:cs typeface="+mn-ea"/>
+              <a:sym typeface="+mn-lt"/>
+            </a:endParaRPr>
+          </a:p>
+        </p:txBody>
+      </p:sp>
+      <p:cxnSp>
+        <p:nvCxnSpPr>
+          <p:cNvPr id="3" name="直接连接符 2"/>
+          <p:cNvCxnSpPr>
+            <a:stCxn id="8" idx="3"/>
+          </p:cNvCxnSpPr>
+          <p:nvPr/>
+        </p:nvCxnSpPr>
+        <p:spPr>
+          <a:xfrm flipV="1">
+            <a:off x="2192655" y="347980"/>
+            <a:ext cx="6632575" cy="46355"/>
+          </a:xfrm>
+          <a:prstGeom prst="line">
+            <a:avLst/>
+          </a:prstGeom>
+          <a:ln>
+            <a:solidFill>
+              <a:srgbClr val="0070C0"/>
+            </a:solidFill>
+          </a:ln>
+        </p:spPr>
+        <p:style>
+          <a:lnRef idx="2">
+            <a:schemeClr val="dk1"/>
+          </a:lnRef>
+          <a:fillRef idx="0">
+            <a:schemeClr val="dk1"/>
+          </a:fillRef>
+          <a:effectRef idx="1">
+            <a:schemeClr val="dk1"/>
+          </a:effectRef>
+          <a:fontRef idx="minor">
+            <a:schemeClr val="tx1"/>
+          </a:fontRef>
+        </p:style>
+      </p:cxnSp>
+      <p:pic>
+        <p:nvPicPr>
+          <p:cNvPr id="4" name="图片 3"/>
+          <p:cNvPicPr>
+            <a:picLocks noChangeAspect="1"/>
+          </p:cNvPicPr>
+          <p:nvPr/>
+        </p:nvPicPr>
+        <p:blipFill>
+          <a:blip r:embed="rId1"/>
+          <a:stretch>
+            <a:fillRect/>
+          </a:stretch>
+        </p:blipFill>
+        <p:spPr>
+          <a:xfrm>
+            <a:off x="661035" y="624205"/>
+            <a:ext cx="4116070" cy="4160520"/>
+          </a:xfrm>
+          <a:prstGeom prst="rect">
+            <a:avLst/>
+          </a:prstGeom>
+        </p:spPr>
+      </p:pic>
+      <p:sp>
+        <p:nvSpPr>
+          <p:cNvPr id="5" name="文本框 4"/>
+          <p:cNvSpPr txBox="1"/>
+          <p:nvPr/>
+        </p:nvSpPr>
+        <p:spPr>
+          <a:xfrm>
+            <a:off x="5263515" y="1863725"/>
+            <a:ext cx="3529965" cy="953135"/>
+          </a:xfrm>
+          <a:prstGeom prst="rect">
+            <a:avLst/>
+          </a:prstGeom>
+          <a:noFill/>
+        </p:spPr>
+        <p:txBody>
+          <a:bodyPr wrap="square" rtlCol="0">
+            <a:spAutoFit/>
+          </a:bodyPr>
+          <a:p>
+            <a:r>
+              <a:rPr lang="zh-CN" altLang="en-US" sz="2800">
+                <a:solidFill>
+                  <a:srgbClr val="0070C0"/>
+                </a:solidFill>
+              </a:rPr>
+              <a:t>基本结构搭建，后台代码建包</a:t>
+            </a:r>
+            <a:endParaRPr lang="zh-CN" altLang="en-US" sz="2800">
+              <a:solidFill>
+                <a:srgbClr val="0070C0"/>
+              </a:solidFill>
+            </a:endParaRPr>
+          </a:p>
+        </p:txBody>
+      </p:sp>
+      <p:pic>
+        <p:nvPicPr>
+          <p:cNvPr id="6" name="图片 5"/>
+          <p:cNvPicPr>
+            <a:picLocks noChangeAspect="1"/>
+          </p:cNvPicPr>
+          <p:nvPr/>
+        </p:nvPicPr>
+        <p:blipFill>
+          <a:blip r:embed="rId2"/>
+          <a:stretch>
+            <a:fillRect/>
+          </a:stretch>
+        </p:blipFill>
+        <p:spPr>
+          <a:xfrm>
+            <a:off x="661035" y="624205"/>
+            <a:ext cx="4143375" cy="4362450"/>
+          </a:xfrm>
+          <a:prstGeom prst="rect">
+            <a:avLst/>
+          </a:prstGeom>
+        </p:spPr>
+      </p:pic>
+      <p:cxnSp>
+        <p:nvCxnSpPr>
+          <p:cNvPr id="7" name="直接箭头连接符 6"/>
+          <p:cNvCxnSpPr/>
+          <p:nvPr/>
+        </p:nvCxnSpPr>
+        <p:spPr>
+          <a:xfrm flipV="1">
+            <a:off x="3613150" y="1087755"/>
+            <a:ext cx="1757045" cy="15240"/>
+          </a:xfrm>
+          <a:prstGeom prst="straightConnector1">
+            <a:avLst/>
+          </a:prstGeom>
+          <a:ln>
+            <a:solidFill>
+              <a:srgbClr val="0070C0"/>
+            </a:solidFill>
+            <a:tailEnd type="arrow"/>
+          </a:ln>
+        </p:spPr>
+        <p:style>
+          <a:lnRef idx="1">
+            <a:schemeClr val="accent1"/>
+          </a:lnRef>
+          <a:fillRef idx="0">
+            <a:schemeClr val="accent1"/>
+          </a:fillRef>
+          <a:effectRef idx="0">
+            <a:schemeClr val="accent1"/>
+          </a:effectRef>
+          <a:fontRef idx="minor">
+            <a:schemeClr val="tx1"/>
+          </a:fontRef>
+        </p:style>
+      </p:cxnSp>
+      <p:sp>
+        <p:nvSpPr>
+          <p:cNvPr id="9" name="矩形 8"/>
+          <p:cNvSpPr/>
+          <p:nvPr/>
+        </p:nvSpPr>
+        <p:spPr>
+          <a:xfrm>
+            <a:off x="5438775" y="897890"/>
+            <a:ext cx="2092325" cy="395605"/>
+          </a:xfrm>
+          <a:prstGeom prst="rect">
+            <a:avLst/>
+          </a:prstGeom>
+        </p:spPr>
+        <p:style>
+          <a:lnRef idx="2">
+            <a:schemeClr val="accent6"/>
+          </a:lnRef>
+          <a:fillRef idx="1">
+            <a:schemeClr val="lt1"/>
+          </a:fillRef>
+          <a:effectRef idx="0">
+            <a:schemeClr val="accent6"/>
+          </a:effectRef>
+          <a:fontRef idx="minor">
+            <a:schemeClr val="dk1"/>
+          </a:fontRef>
+        </p:style>
+        <p:txBody>
+          <a:bodyPr rtlCol="0" anchor="ctr"/>
+          <a:p>
+            <a:pPr algn="ctr"/>
+            <a:r>
+              <a:rPr lang="zh-CN" altLang="en-US">
+                <a:solidFill>
+                  <a:srgbClr val="0070C0"/>
+                </a:solidFill>
+              </a:rPr>
+              <a:t>数据库配置文件</a:t>
+            </a:r>
+            <a:endParaRPr lang="zh-CN" altLang="en-US">
+              <a:solidFill>
+                <a:srgbClr val="0070C0"/>
+              </a:solidFill>
+            </a:endParaRPr>
+          </a:p>
+        </p:txBody>
+      </p:sp>
+      <p:cxnSp>
+        <p:nvCxnSpPr>
+          <p:cNvPr id="10" name="直接箭头连接符 9"/>
+          <p:cNvCxnSpPr/>
+          <p:nvPr/>
+        </p:nvCxnSpPr>
+        <p:spPr>
+          <a:xfrm>
+            <a:off x="3277870" y="3072765"/>
+            <a:ext cx="1316355" cy="38100"/>
+          </a:xfrm>
+          <a:prstGeom prst="straightConnector1">
+            <a:avLst/>
+          </a:prstGeom>
+          <a:ln>
+            <a:solidFill>
+              <a:srgbClr val="0070C0"/>
+            </a:solidFill>
+            <a:tailEnd type="arrow"/>
+          </a:ln>
+        </p:spPr>
+        <p:style>
+          <a:lnRef idx="1">
+            <a:schemeClr val="accent1"/>
+          </a:lnRef>
+          <a:fillRef idx="0">
+            <a:schemeClr val="accent1"/>
+          </a:fillRef>
+          <a:effectRef idx="0">
+            <a:schemeClr val="accent1"/>
+          </a:effectRef>
+          <a:fontRef idx="minor">
+            <a:schemeClr val="tx1"/>
+          </a:fontRef>
+        </p:style>
+      </p:cxnSp>
+      <p:sp>
+        <p:nvSpPr>
+          <p:cNvPr id="11" name="矩形 10"/>
+          <p:cNvSpPr/>
+          <p:nvPr/>
+        </p:nvSpPr>
+        <p:spPr>
+          <a:xfrm>
+            <a:off x="4715510" y="2894330"/>
+            <a:ext cx="2145665" cy="395605"/>
+          </a:xfrm>
+          <a:prstGeom prst="rect">
+            <a:avLst/>
+          </a:prstGeom>
+        </p:spPr>
+        <p:style>
+          <a:lnRef idx="2">
+            <a:schemeClr val="accent6"/>
+          </a:lnRef>
+          <a:fillRef idx="1">
+            <a:schemeClr val="lt1"/>
+          </a:fillRef>
+          <a:effectRef idx="0">
+            <a:schemeClr val="accent6"/>
+          </a:effectRef>
+          <a:fontRef idx="minor">
+            <a:schemeClr val="dk1"/>
+          </a:fontRef>
+        </p:style>
+        <p:txBody>
+          <a:bodyPr rtlCol="0" anchor="ctr"/>
+          <a:p>
+            <a:pPr algn="ctr"/>
+            <a:r>
+              <a:rPr lang="en-US" altLang="zh-CN">
+                <a:solidFill>
+                  <a:srgbClr val="0070C0"/>
+                </a:solidFill>
+              </a:rPr>
+              <a:t>spring</a:t>
+            </a:r>
+            <a:r>
+              <a:rPr lang="zh-CN" altLang="en-US">
+                <a:solidFill>
+                  <a:srgbClr val="0070C0"/>
+                </a:solidFill>
+              </a:rPr>
+              <a:t>配置文件</a:t>
+            </a:r>
+            <a:endParaRPr lang="zh-CN" altLang="en-US">
+              <a:solidFill>
+                <a:srgbClr val="0070C0"/>
+              </a:solidFill>
+            </a:endParaRPr>
+          </a:p>
+        </p:txBody>
+      </p:sp>
+      <p:cxnSp>
+        <p:nvCxnSpPr>
+          <p:cNvPr id="12" name="直接箭头连接符 11"/>
+          <p:cNvCxnSpPr/>
+          <p:nvPr/>
+        </p:nvCxnSpPr>
+        <p:spPr>
+          <a:xfrm flipV="1">
+            <a:off x="3613150" y="3270885"/>
+            <a:ext cx="935355" cy="137160"/>
+          </a:xfrm>
+          <a:prstGeom prst="straightConnector1">
+            <a:avLst/>
+          </a:prstGeom>
+          <a:ln>
+            <a:solidFill>
+              <a:srgbClr val="0070C0"/>
+            </a:solidFill>
+            <a:tailEnd type="arrow"/>
+          </a:ln>
+        </p:spPr>
+        <p:style>
+          <a:lnRef idx="1">
+            <a:schemeClr val="accent1"/>
+          </a:lnRef>
+          <a:fillRef idx="0">
+            <a:schemeClr val="accent1"/>
+          </a:fillRef>
+          <a:effectRef idx="0">
+            <a:schemeClr val="accent1"/>
+          </a:effectRef>
+          <a:fontRef idx="minor">
+            <a:schemeClr val="tx1"/>
+          </a:fontRef>
+        </p:style>
+      </p:cxnSp>
+      <p:cxnSp>
+        <p:nvCxnSpPr>
+          <p:cNvPr id="13" name="直接箭头连接符 12"/>
+          <p:cNvCxnSpPr/>
+          <p:nvPr/>
+        </p:nvCxnSpPr>
+        <p:spPr>
+          <a:xfrm flipV="1">
+            <a:off x="3103245" y="4389120"/>
+            <a:ext cx="1171575" cy="22860"/>
+          </a:xfrm>
+          <a:prstGeom prst="straightConnector1">
+            <a:avLst/>
+          </a:prstGeom>
+          <a:ln>
+            <a:solidFill>
+              <a:srgbClr val="0070C0"/>
+            </a:solidFill>
+            <a:tailEnd type="arrow"/>
+          </a:ln>
+        </p:spPr>
+        <p:style>
+          <a:lnRef idx="1">
+            <a:schemeClr val="accent1"/>
+          </a:lnRef>
+          <a:fillRef idx="0">
+            <a:schemeClr val="accent1"/>
+          </a:fillRef>
+          <a:effectRef idx="0">
+            <a:schemeClr val="accent1"/>
+          </a:effectRef>
+          <a:fontRef idx="minor">
+            <a:schemeClr val="tx1"/>
+          </a:fontRef>
+        </p:style>
+      </p:cxnSp>
+      <p:sp>
+        <p:nvSpPr>
+          <p:cNvPr id="14" name="矩形 13"/>
+          <p:cNvSpPr/>
+          <p:nvPr/>
+        </p:nvSpPr>
+        <p:spPr>
+          <a:xfrm>
+            <a:off x="4328160" y="4191000"/>
+            <a:ext cx="1848485" cy="311785"/>
+          </a:xfrm>
+          <a:prstGeom prst="rect">
+            <a:avLst/>
+          </a:prstGeom>
+        </p:spPr>
+        <p:style>
+          <a:lnRef idx="2">
+            <a:schemeClr val="accent6"/>
+          </a:lnRef>
+          <a:fillRef idx="1">
+            <a:schemeClr val="lt1"/>
+          </a:fillRef>
+          <a:effectRef idx="0">
+            <a:schemeClr val="accent6"/>
+          </a:effectRef>
+          <a:fontRef idx="minor">
+            <a:schemeClr val="dk1"/>
+          </a:fontRef>
+        </p:style>
+        <p:txBody>
+          <a:bodyPr rtlCol="0" anchor="ctr"/>
+          <a:p>
+            <a:pPr algn="ctr"/>
+            <a:r>
+              <a:rPr lang="en-US" altLang="zh-CN">
+                <a:solidFill>
+                  <a:srgbClr val="0070C0"/>
+                </a:solidFill>
+              </a:rPr>
+              <a:t>log4j</a:t>
+            </a:r>
+            <a:r>
+              <a:rPr lang="zh-CN" altLang="en-US">
+                <a:solidFill>
+                  <a:srgbClr val="0070C0"/>
+                </a:solidFill>
+              </a:rPr>
+              <a:t>配置文件</a:t>
+            </a:r>
+            <a:endParaRPr lang="zh-CN" altLang="en-US">
+              <a:solidFill>
+                <a:srgbClr val="0070C0"/>
+              </a:solidFill>
+            </a:endParaRPr>
+          </a:p>
+        </p:txBody>
+      </p:sp>
+      <p:cxnSp>
+        <p:nvCxnSpPr>
+          <p:cNvPr id="15" name="直接箭头连接符 14"/>
+          <p:cNvCxnSpPr/>
+          <p:nvPr/>
+        </p:nvCxnSpPr>
+        <p:spPr>
+          <a:xfrm>
+            <a:off x="3293110" y="4723765"/>
+            <a:ext cx="1301115" cy="53340"/>
+          </a:xfrm>
+          <a:prstGeom prst="straightConnector1">
+            <a:avLst/>
+          </a:prstGeom>
+          <a:ln>
+            <a:solidFill>
+              <a:srgbClr val="5877B6"/>
+            </a:solidFill>
+            <a:tailEnd type="arrow"/>
+          </a:ln>
+        </p:spPr>
+        <p:style>
+          <a:lnRef idx="1">
+            <a:schemeClr val="accent1"/>
+          </a:lnRef>
+          <a:fillRef idx="0">
+            <a:schemeClr val="accent1"/>
+          </a:fillRef>
+          <a:effectRef idx="0">
+            <a:schemeClr val="accent1"/>
+          </a:effectRef>
+          <a:fontRef idx="minor">
+            <a:schemeClr val="tx1"/>
+          </a:fontRef>
+        </p:style>
+      </p:cxnSp>
+      <p:sp>
+        <p:nvSpPr>
+          <p:cNvPr id="18" name="矩形 17"/>
+          <p:cNvSpPr/>
+          <p:nvPr/>
+        </p:nvSpPr>
+        <p:spPr>
+          <a:xfrm>
+            <a:off x="4660265" y="4723765"/>
+            <a:ext cx="2061210" cy="311785"/>
+          </a:xfrm>
+          <a:prstGeom prst="rect">
+            <a:avLst/>
+          </a:prstGeom>
+        </p:spPr>
+        <p:style>
+          <a:lnRef idx="2">
+            <a:schemeClr val="accent6"/>
+          </a:lnRef>
+          <a:fillRef idx="1">
+            <a:schemeClr val="lt1"/>
+          </a:fillRef>
+          <a:effectRef idx="0">
+            <a:schemeClr val="accent6"/>
+          </a:effectRef>
+          <a:fontRef idx="minor">
+            <a:schemeClr val="dk1"/>
+          </a:fontRef>
+        </p:style>
+        <p:txBody>
+          <a:bodyPr rtlCol="0" anchor="ctr"/>
+          <a:p>
+            <a:pPr algn="ctr"/>
+            <a:r>
+              <a:rPr lang="en-US">
+                <a:solidFill>
+                  <a:srgbClr val="0070C0"/>
+                </a:solidFill>
+              </a:rPr>
+              <a:t>mybatis</a:t>
+            </a:r>
+            <a:r>
+              <a:rPr lang="zh-CN" altLang="en-US">
+                <a:solidFill>
+                  <a:srgbClr val="0070C0"/>
+                </a:solidFill>
+              </a:rPr>
+              <a:t>配置文件</a:t>
+            </a:r>
+            <a:endParaRPr lang="zh-CN" altLang="en-US">
+              <a:solidFill>
+                <a:srgbClr val="0070C0"/>
+              </a:solidFill>
+            </a:endParaRPr>
+          </a:p>
+        </p:txBody>
+      </p:sp>
+      <p:pic>
+        <p:nvPicPr>
+          <p:cNvPr id="19" name="图片 18"/>
+          <p:cNvPicPr>
+            <a:picLocks noChangeAspect="1"/>
+          </p:cNvPicPr>
+          <p:nvPr/>
+        </p:nvPicPr>
+        <p:blipFill>
+          <a:blip r:embed="rId3"/>
+          <a:stretch>
+            <a:fillRect/>
+          </a:stretch>
+        </p:blipFill>
+        <p:spPr>
+          <a:xfrm>
+            <a:off x="775970" y="673735"/>
+            <a:ext cx="3498850" cy="4263390"/>
+          </a:xfrm>
+          <a:prstGeom prst="rect">
+            <a:avLst/>
+          </a:prstGeom>
+        </p:spPr>
+      </p:pic>
+      <p:sp>
+        <p:nvSpPr>
+          <p:cNvPr id="21" name="文本框 20"/>
+          <p:cNvSpPr txBox="1"/>
+          <p:nvPr/>
+        </p:nvSpPr>
+        <p:spPr>
+          <a:xfrm>
+            <a:off x="5263515" y="1863725"/>
+            <a:ext cx="3529965" cy="521970"/>
+          </a:xfrm>
+          <a:prstGeom prst="rect">
+            <a:avLst/>
+          </a:prstGeom>
+          <a:noFill/>
+        </p:spPr>
+        <p:txBody>
+          <a:bodyPr wrap="square" rtlCol="0">
+            <a:spAutoFit/>
+          </a:bodyPr>
+          <a:p>
+            <a:r>
+              <a:rPr lang="zh-CN" altLang="en-US" sz="2800">
+                <a:solidFill>
+                  <a:srgbClr val="0070C0"/>
+                </a:solidFill>
+              </a:rPr>
+              <a:t>映射文件</a:t>
+            </a:r>
+            <a:endParaRPr lang="zh-CN" altLang="en-US" sz="2800">
+              <a:solidFill>
+                <a:srgbClr val="0070C0"/>
+              </a:solidFill>
+            </a:endParaRPr>
+          </a:p>
+        </p:txBody>
+      </p:sp>
+    </p:spTree>
+  </p:cSld>
+  <p:clrMapOvr>
+    <a:masterClrMapping/>
+  </p:clrMapOvr>
+  <mc:AlternateContent xmlns:mc="http://schemas.openxmlformats.org/markup-compatibility/2006">
+    <mc:Choice xmlns:p14="http://schemas.microsoft.com/office/powerpoint/2010/main" Requires="p14">
+      <p:transition spd="slow" p14:dur="1500">
+        <p:random/>
+      </p:transition>
+    </mc:Choice>
+    <mc:Fallback>
+      <p:transition spd="slow">
+        <p:random/>
+      </p:transition>
+    </mc:Fallback>
+  </mc:AlternateContent>
+  <p:timing>
+    <p:tnLst>
+      <p:par>
+        <p:cTn id="1" dur="indefinite" restart="never" nodeType="tmRoot">
+          <p:childTnLst>
+            <p:seq concurrent="1" nextAc="seek">
+              <p:cTn id="2" dur="indefinite" nodeType="mainSeq">
+                <p:childTnLst>
+                  <p:par>
+                    <p:cTn id="3" fill="hold">
+                      <p:stCondLst>
+                        <p:cond delay="indefinite"/>
+                        <p:cond evt="onBegin" delay="0">
+                          <p:tn val="2"/>
+                        </p:cond>
+                      </p:stCondLst>
+                      <p:childTnLst>
+                        <p:par>
+                          <p:cTn id="4" fill="hold">
+                            <p:stCondLst>
+                              <p:cond delay="0"/>
+                            </p:stCondLst>
+                            <p:childTnLst>
+                              <p:par>
+                                <p:cTn id="5" presetID="42" presetClass="entr" presetSubtype="0" fill="hold" grpId="0" nodeType="withEffect">
+                                  <p:stCondLst>
+                                    <p:cond delay="0"/>
+                                  </p:stCondLst>
+                                  <p:childTnLst>
+                                    <p:set>
+                                      <p:cBhvr>
+                                        <p:cTn id="6" dur="1" fill="hold">
+                                          <p:stCondLst>
+                                            <p:cond delay="0"/>
+                                          </p:stCondLst>
+                                        </p:cTn>
+                                        <p:tgtEl>
+                                          <p:spTgt spid="8"/>
+                                        </p:tgtEl>
+                                        <p:attrNameLst>
+                                          <p:attrName>style.visibility</p:attrName>
+                                        </p:attrNameLst>
+                                      </p:cBhvr>
+                                      <p:to>
+                                        <p:strVal val="visible"/>
+                                      </p:to>
+                                    </p:set>
+                                    <p:animEffect transition="in" filter="fade">
+                                      <p:cBhvr>
+                                        <p:cTn id="7" dur="500"/>
+                                        <p:tgtEl>
+                                          <p:spTgt spid="8"/>
+                                        </p:tgtEl>
+                                      </p:cBhvr>
+                                    </p:animEffect>
+                                    <p:anim calcmode="lin" valueType="num">
+                                      <p:cBhvr>
+                                        <p:cTn id="8" dur="500" fill="hold"/>
+                                        <p:tgtEl>
+                                          <p:spTgt spid="8"/>
+                                        </p:tgtEl>
+                                        <p:attrNameLst>
+                                          <p:attrName>ppt_x</p:attrName>
+                                        </p:attrNameLst>
+                                      </p:cBhvr>
+                                      <p:tavLst>
+                                        <p:tav tm="0">
+                                          <p:val>
+                                            <p:strVal val="#ppt_x"/>
+                                          </p:val>
+                                        </p:tav>
+                                        <p:tav tm="100000">
+                                          <p:val>
+                                            <p:strVal val="#ppt_x"/>
+                                          </p:val>
+                                        </p:tav>
+                                      </p:tavLst>
+                                    </p:anim>
+                                    <p:anim calcmode="lin" valueType="num">
+                                      <p:cBhvr>
+                                        <p:cTn id="9" dur="500" fill="hold"/>
+                                        <p:tgtEl>
+                                          <p:spTgt spid="8"/>
+                                        </p:tgtEl>
+                                        <p:attrNameLst>
+                                          <p:attrName>ppt_y</p:attrName>
+                                        </p:attrNameLst>
+                                      </p:cBhvr>
+                                      <p:tavLst>
+                                        <p:tav tm="0">
+                                          <p:val>
+                                            <p:strVal val="#ppt_y+.1"/>
+                                          </p:val>
+                                        </p:tav>
+                                        <p:tav tm="100000">
+                                          <p:val>
+                                            <p:strVal val="#ppt_y"/>
+                                          </p:val>
+                                        </p:tav>
+                                      </p:tavLst>
+                                    </p:anim>
+                                  </p:childTnLst>
+                                </p:cTn>
+                              </p:par>
+                            </p:childTnLst>
+                          </p:cTn>
+                        </p:par>
+                      </p:childTnLst>
+                    </p:cTn>
+                  </p:par>
+                  <p:par>
+                    <p:cTn id="10" fill="hold">
+                      <p:stCondLst>
+                        <p:cond delay="indefinite"/>
+                      </p:stCondLst>
+                      <p:childTnLst>
+                        <p:par>
+                          <p:cTn id="11" fill="hold">
+                            <p:stCondLst>
+                              <p:cond delay="0"/>
+                            </p:stCondLst>
+                            <p:childTnLst>
+                              <p:par>
+                                <p:cTn id="12" presetID="4" presetClass="entr" presetSubtype="16" fill="hold" nodeType="clickEffect">
+                                  <p:stCondLst>
+                                    <p:cond delay="0"/>
+                                  </p:stCondLst>
+                                  <p:childTnLst>
+                                    <p:set>
+                                      <p:cBhvr>
+                                        <p:cTn id="13" dur="1" fill="hold">
+                                          <p:stCondLst>
+                                            <p:cond delay="0"/>
+                                          </p:stCondLst>
+                                        </p:cTn>
+                                        <p:tgtEl>
+                                          <p:spTgt spid="4"/>
+                                        </p:tgtEl>
+                                        <p:attrNameLst>
+                                          <p:attrName>style.visibility</p:attrName>
+                                        </p:attrNameLst>
+                                      </p:cBhvr>
+                                      <p:to>
+                                        <p:strVal val="visible"/>
+                                      </p:to>
+                                    </p:set>
+                                    <p:animEffect transition="in" filter="box(in)">
+                                      <p:cBhvr>
+                                        <p:cTn id="14" dur="2000"/>
+                                        <p:tgtEl>
+                                          <p:spTgt spid="4"/>
+                                        </p:tgtEl>
+                                      </p:cBhvr>
+                                    </p:animEffect>
+                                  </p:childTnLst>
+                                  <p:subTnLst>
+                                    <p:set>
+                                      <p:cBhvr override="childStyle">
+                                        <p:cTn dur="65" fill="hold" display="1" masterRel="nextClick" afterEffect="1"/>
+                                        <p:tgtEl>
+                                          <p:spTgt spid="4"/>
+                                        </p:tgtEl>
+                                        <p:attrNameLst>
+                                          <p:attrName>style.visibility</p:attrName>
+                                        </p:attrNameLst>
+                                      </p:cBhvr>
+                                      <p:to>
+                                        <p:strVal val="hidden"/>
+                                      </p:to>
+                                    </p:set>
+                                  </p:subTnLst>
+                                </p:cTn>
+                              </p:par>
+                              <p:par>
+                                <p:cTn id="15" presetID="4" presetClass="entr" presetSubtype="16" fill="hold" grpId="0" nodeType="withEffect">
+                                  <p:stCondLst>
+                                    <p:cond delay="0"/>
+                                  </p:stCondLst>
+                                  <p:childTnLst>
+                                    <p:set>
+                                      <p:cBhvr>
+                                        <p:cTn id="16" dur="1" fill="hold">
+                                          <p:stCondLst>
+                                            <p:cond delay="0"/>
+                                          </p:stCondLst>
+                                        </p:cTn>
+                                        <p:tgtEl>
+                                          <p:spTgt spid="5"/>
+                                        </p:tgtEl>
+                                        <p:attrNameLst>
+                                          <p:attrName>style.visibility</p:attrName>
+                                        </p:attrNameLst>
+                                      </p:cBhvr>
+                                      <p:to>
+                                        <p:strVal val="visible"/>
+                                      </p:to>
+                                    </p:set>
+                                    <p:animEffect transition="in" filter="box(in)">
+                                      <p:cBhvr>
+                                        <p:cTn id="17" dur="2000"/>
+                                        <p:tgtEl>
+                                          <p:spTgt spid="5"/>
+                                        </p:tgtEl>
+                                      </p:cBhvr>
+                                    </p:animEffect>
+                                  </p:childTnLst>
+                                  <p:subTnLst>
+                                    <p:set>
+                                      <p:cBhvr override="childStyle">
+                                        <p:cTn dur="65" fill="hold" display="1" masterRel="nextClick" afterEffect="1"/>
+                                        <p:tgtEl>
+                                          <p:spTgt spid="5"/>
+                                        </p:tgtEl>
+                                        <p:attrNameLst>
+                                          <p:attrName>style.visibility</p:attrName>
+                                        </p:attrNameLst>
+                                      </p:cBhvr>
+                                      <p:to>
+                                        <p:strVal val="hidden"/>
+                                      </p:to>
+                                    </p:set>
+                                  </p:subTnLst>
+                                </p:cTn>
+                              </p:par>
+                            </p:childTnLst>
+                          </p:cTn>
+                        </p:par>
+                      </p:childTnLst>
+                    </p:cTn>
+                  </p:par>
+                  <p:par>
+                    <p:cTn id="18" fill="hold">
+                      <p:stCondLst>
+                        <p:cond delay="indefinite"/>
+                      </p:stCondLst>
+                      <p:childTnLst>
+                        <p:par>
+                          <p:cTn id="19" fill="hold">
+                            <p:stCondLst>
+                              <p:cond delay="0"/>
+                            </p:stCondLst>
+                            <p:childTnLst>
+                              <p:par>
+                                <p:cTn id="20" presetID="22" presetClass="entr" presetSubtype="4" fill="hold" nodeType="clickEffect">
+                                  <p:stCondLst>
+                                    <p:cond delay="0"/>
+                                  </p:stCondLst>
+                                  <p:childTnLst>
+                                    <p:set>
+                                      <p:cBhvr>
+                                        <p:cTn id="21" dur="1" fill="hold">
+                                          <p:stCondLst>
+                                            <p:cond delay="0"/>
+                                          </p:stCondLst>
+                                        </p:cTn>
+                                        <p:tgtEl>
+                                          <p:spTgt spid="6"/>
+                                        </p:tgtEl>
+                                        <p:attrNameLst>
+                                          <p:attrName>style.visibility</p:attrName>
+                                        </p:attrNameLst>
+                                      </p:cBhvr>
+                                      <p:to>
+                                        <p:strVal val="visible"/>
+                                      </p:to>
+                                    </p:set>
+                                    <p:animEffect transition="in" filter="wipe(down)">
+                                      <p:cBhvr>
+                                        <p:cTn id="22" dur="500"/>
+                                        <p:tgtEl>
+                                          <p:spTgt spid="6"/>
+                                        </p:tgtEl>
+                                      </p:cBhvr>
+                                    </p:animEffect>
+                                  </p:childTnLst>
+                                  <p:subTnLst>
+                                    <p:set>
+                                      <p:cBhvr override="childStyle">
+                                        <p:cTn dur="65" fill="hold" display="1" masterRel="nextClick" afterEffect="1"/>
+                                        <p:tgtEl>
+                                          <p:spTgt spid="6"/>
+                                        </p:tgtEl>
+                                        <p:attrNameLst>
+                                          <p:attrName>style.visibility</p:attrName>
+                                        </p:attrNameLst>
+                                      </p:cBhvr>
+                                      <p:to>
+                                        <p:strVal val="hidden"/>
+                                      </p:to>
+                                    </p:set>
+                                  </p:subTnLst>
+                                </p:cTn>
+                              </p:par>
+                              <p:par>
+                                <p:cTn id="23" presetID="2" presetClass="entr" presetSubtype="4" fill="hold" nodeType="withEffect">
+                                  <p:stCondLst>
+                                    <p:cond delay="0"/>
+                                  </p:stCondLst>
+                                  <p:childTnLst>
+                                    <p:set>
+                                      <p:cBhvr>
+                                        <p:cTn id="24" dur="1" fill="hold">
+                                          <p:stCondLst>
+                                            <p:cond delay="0"/>
+                                          </p:stCondLst>
+                                        </p:cTn>
+                                        <p:tgtEl>
+                                          <p:spTgt spid="7"/>
+                                        </p:tgtEl>
+                                        <p:attrNameLst>
+                                          <p:attrName>style.visibility</p:attrName>
+                                        </p:attrNameLst>
+                                      </p:cBhvr>
+                                      <p:to>
+                                        <p:strVal val="visible"/>
+                                      </p:to>
+                                    </p:set>
+                                    <p:anim calcmode="lin" valueType="num">
+                                      <p:cBhvr additive="base">
+                                        <p:cTn id="25" dur="500" fill="hold"/>
+                                        <p:tgtEl>
+                                          <p:spTgt spid="7"/>
+                                        </p:tgtEl>
+                                        <p:attrNameLst>
+                                          <p:attrName>ppt_x</p:attrName>
+                                        </p:attrNameLst>
+                                      </p:cBhvr>
+                                      <p:tavLst>
+                                        <p:tav tm="0">
+                                          <p:val>
+                                            <p:strVal val="#ppt_x"/>
+                                          </p:val>
+                                        </p:tav>
+                                        <p:tav tm="100000">
+                                          <p:val>
+                                            <p:strVal val="#ppt_x"/>
+                                          </p:val>
+                                        </p:tav>
+                                      </p:tavLst>
+                                    </p:anim>
+                                    <p:anim calcmode="lin" valueType="num">
+                                      <p:cBhvr additive="base">
+                                        <p:cTn id="26" dur="500" fill="hold"/>
+                                        <p:tgtEl>
+                                          <p:spTgt spid="7"/>
+                                        </p:tgtEl>
+                                        <p:attrNameLst>
+                                          <p:attrName>ppt_y</p:attrName>
+                                        </p:attrNameLst>
+                                      </p:cBhvr>
+                                      <p:tavLst>
+                                        <p:tav tm="0">
+                                          <p:val>
+                                            <p:strVal val="1+#ppt_h/2"/>
+                                          </p:val>
+                                        </p:tav>
+                                        <p:tav tm="100000">
+                                          <p:val>
+                                            <p:strVal val="#ppt_y"/>
+                                          </p:val>
+                                        </p:tav>
+                                      </p:tavLst>
+                                    </p:anim>
+                                  </p:childTnLst>
+                                  <p:subTnLst>
+                                    <p:set>
+                                      <p:cBhvr override="childStyle">
+                                        <p:cTn dur="65" fill="hold" display="1" masterRel="nextClick" afterEffect="1"/>
+                                        <p:tgtEl>
+                                          <p:spTgt spid="7"/>
+                                        </p:tgtEl>
+                                        <p:attrNameLst>
+                                          <p:attrName>style.visibility</p:attrName>
+                                        </p:attrNameLst>
+                                      </p:cBhvr>
+                                      <p:to>
+                                        <p:strVal val="hidden"/>
+                                      </p:to>
+                                    </p:set>
+                                  </p:subTnLst>
+                                </p:cTn>
+                              </p:par>
+                              <p:par>
+                                <p:cTn id="27" presetID="2" presetClass="entr" presetSubtype="4" fill="hold" grpId="0" nodeType="withEffect">
+                                  <p:stCondLst>
+                                    <p:cond delay="0"/>
+                                  </p:stCondLst>
+                                  <p:childTnLst>
+                                    <p:set>
+                                      <p:cBhvr>
+                                        <p:cTn id="28" dur="1" fill="hold">
+                                          <p:stCondLst>
+                                            <p:cond delay="0"/>
+                                          </p:stCondLst>
+                                        </p:cTn>
+                                        <p:tgtEl>
+                                          <p:spTgt spid="9"/>
+                                        </p:tgtEl>
+                                        <p:attrNameLst>
+                                          <p:attrName>style.visibility</p:attrName>
+                                        </p:attrNameLst>
+                                      </p:cBhvr>
+                                      <p:to>
+                                        <p:strVal val="visible"/>
+                                      </p:to>
+                                    </p:set>
+                                    <p:anim calcmode="lin" valueType="num">
+                                      <p:cBhvr additive="base">
+                                        <p:cTn id="29" dur="500" fill="hold"/>
+                                        <p:tgtEl>
+                                          <p:spTgt spid="9"/>
+                                        </p:tgtEl>
+                                        <p:attrNameLst>
+                                          <p:attrName>ppt_x</p:attrName>
+                                        </p:attrNameLst>
+                                      </p:cBhvr>
+                                      <p:tavLst>
+                                        <p:tav tm="0">
+                                          <p:val>
+                                            <p:strVal val="#ppt_x"/>
+                                          </p:val>
+                                        </p:tav>
+                                        <p:tav tm="100000">
+                                          <p:val>
+                                            <p:strVal val="#ppt_x"/>
+                                          </p:val>
+                                        </p:tav>
+                                      </p:tavLst>
+                                    </p:anim>
+                                    <p:anim calcmode="lin" valueType="num">
+                                      <p:cBhvr additive="base">
+                                        <p:cTn id="30" dur="500" fill="hold"/>
+                                        <p:tgtEl>
+                                          <p:spTgt spid="9"/>
+                                        </p:tgtEl>
+                                        <p:attrNameLst>
+                                          <p:attrName>ppt_y</p:attrName>
+                                        </p:attrNameLst>
+                                      </p:cBhvr>
+                                      <p:tavLst>
+                                        <p:tav tm="0">
+                                          <p:val>
+                                            <p:strVal val="1+#ppt_h/2"/>
+                                          </p:val>
+                                        </p:tav>
+                                        <p:tav tm="100000">
+                                          <p:val>
+                                            <p:strVal val="#ppt_y"/>
+                                          </p:val>
+                                        </p:tav>
+                                      </p:tavLst>
+                                    </p:anim>
+                                  </p:childTnLst>
+                                  <p:subTnLst>
+                                    <p:set>
+                                      <p:cBhvr override="childStyle">
+                                        <p:cTn dur="65" fill="hold" display="1" masterRel="nextClick" afterEffect="1"/>
+                                        <p:tgtEl>
+                                          <p:spTgt spid="9"/>
+                                        </p:tgtEl>
+                                        <p:attrNameLst>
+                                          <p:attrName>style.visibility</p:attrName>
+                                        </p:attrNameLst>
+                                      </p:cBhvr>
+                                      <p:to>
+                                        <p:strVal val="hidden"/>
+                                      </p:to>
+                                    </p:set>
+                                  </p:subTnLst>
+                                </p:cTn>
+                              </p:par>
+                              <p:par>
+                                <p:cTn id="31" presetID="2" presetClass="entr" presetSubtype="4" fill="hold" nodeType="withEffect">
+                                  <p:stCondLst>
+                                    <p:cond delay="0"/>
+                                  </p:stCondLst>
+                                  <p:childTnLst>
+                                    <p:set>
+                                      <p:cBhvr>
+                                        <p:cTn id="32" dur="1" fill="hold">
+                                          <p:stCondLst>
+                                            <p:cond delay="0"/>
+                                          </p:stCondLst>
+                                        </p:cTn>
+                                        <p:tgtEl>
+                                          <p:spTgt spid="10"/>
+                                        </p:tgtEl>
+                                        <p:attrNameLst>
+                                          <p:attrName>style.visibility</p:attrName>
+                                        </p:attrNameLst>
+                                      </p:cBhvr>
+                                      <p:to>
+                                        <p:strVal val="visible"/>
+                                      </p:to>
+                                    </p:set>
+                                    <p:anim calcmode="lin" valueType="num">
+                                      <p:cBhvr additive="base">
+                                        <p:cTn id="33" dur="500" fill="hold"/>
+                                        <p:tgtEl>
+                                          <p:spTgt spid="10"/>
+                                        </p:tgtEl>
+                                        <p:attrNameLst>
+                                          <p:attrName>ppt_x</p:attrName>
+                                        </p:attrNameLst>
+                                      </p:cBhvr>
+                                      <p:tavLst>
+                                        <p:tav tm="0">
+                                          <p:val>
+                                            <p:strVal val="#ppt_x"/>
+                                          </p:val>
+                                        </p:tav>
+                                        <p:tav tm="100000">
+                                          <p:val>
+                                            <p:strVal val="#ppt_x"/>
+                                          </p:val>
+                                        </p:tav>
+                                      </p:tavLst>
+                                    </p:anim>
+                                    <p:anim calcmode="lin" valueType="num">
+                                      <p:cBhvr additive="base">
+                                        <p:cTn id="34" dur="500" fill="hold"/>
+                                        <p:tgtEl>
+                                          <p:spTgt spid="10"/>
+                                        </p:tgtEl>
+                                        <p:attrNameLst>
+                                          <p:attrName>ppt_y</p:attrName>
+                                        </p:attrNameLst>
+                                      </p:cBhvr>
+                                      <p:tavLst>
+                                        <p:tav tm="0">
+                                          <p:val>
+                                            <p:strVal val="1+#ppt_h/2"/>
+                                          </p:val>
+                                        </p:tav>
+                                        <p:tav tm="100000">
+                                          <p:val>
+                                            <p:strVal val="#ppt_y"/>
+                                          </p:val>
+                                        </p:tav>
+                                      </p:tavLst>
+                                    </p:anim>
+                                  </p:childTnLst>
+                                  <p:subTnLst>
+                                    <p:set>
+                                      <p:cBhvr override="childStyle">
+                                        <p:cTn dur="65" fill="hold" display="1" masterRel="nextClick" afterEffect="1"/>
+                                        <p:tgtEl>
+                                          <p:spTgt spid="10"/>
+                                        </p:tgtEl>
+                                        <p:attrNameLst>
+                                          <p:attrName>style.visibility</p:attrName>
+                                        </p:attrNameLst>
+                                      </p:cBhvr>
+                                      <p:to>
+                                        <p:strVal val="hidden"/>
+                                      </p:to>
+                                    </p:set>
+                                  </p:subTnLst>
+                                </p:cTn>
+                              </p:par>
+                              <p:par>
+                                <p:cTn id="35" presetID="2" presetClass="entr" presetSubtype="4" fill="hold" grpId="0" nodeType="withEffect">
+                                  <p:stCondLst>
+                                    <p:cond delay="0"/>
+                                  </p:stCondLst>
+                                  <p:childTnLst>
+                                    <p:set>
+                                      <p:cBhvr>
+                                        <p:cTn id="36" dur="1" fill="hold">
+                                          <p:stCondLst>
+                                            <p:cond delay="0"/>
+                                          </p:stCondLst>
+                                        </p:cTn>
+                                        <p:tgtEl>
+                                          <p:spTgt spid="11"/>
+                                        </p:tgtEl>
+                                        <p:attrNameLst>
+                                          <p:attrName>style.visibility</p:attrName>
+                                        </p:attrNameLst>
+                                      </p:cBhvr>
+                                      <p:to>
+                                        <p:strVal val="visible"/>
+                                      </p:to>
+                                    </p:set>
+                                    <p:anim calcmode="lin" valueType="num">
+                                      <p:cBhvr additive="base">
+                                        <p:cTn id="37" dur="500" fill="hold"/>
+                                        <p:tgtEl>
+                                          <p:spTgt spid="11"/>
+                                        </p:tgtEl>
+                                        <p:attrNameLst>
+                                          <p:attrName>ppt_x</p:attrName>
+                                        </p:attrNameLst>
+                                      </p:cBhvr>
+                                      <p:tavLst>
+                                        <p:tav tm="0">
+                                          <p:val>
+                                            <p:strVal val="#ppt_x"/>
+                                          </p:val>
+                                        </p:tav>
+                                        <p:tav tm="100000">
+                                          <p:val>
+                                            <p:strVal val="#ppt_x"/>
+                                          </p:val>
+                                        </p:tav>
+                                      </p:tavLst>
+                                    </p:anim>
+                                    <p:anim calcmode="lin" valueType="num">
+                                      <p:cBhvr additive="base">
+                                        <p:cTn id="38" dur="500" fill="hold"/>
+                                        <p:tgtEl>
+                                          <p:spTgt spid="11"/>
+                                        </p:tgtEl>
+                                        <p:attrNameLst>
+                                          <p:attrName>ppt_y</p:attrName>
+                                        </p:attrNameLst>
+                                      </p:cBhvr>
+                                      <p:tavLst>
+                                        <p:tav tm="0">
+                                          <p:val>
+                                            <p:strVal val="1+#ppt_h/2"/>
+                                          </p:val>
+                                        </p:tav>
+                                        <p:tav tm="100000">
+                                          <p:val>
+                                            <p:strVal val="#ppt_y"/>
+                                          </p:val>
+                                        </p:tav>
+                                      </p:tavLst>
+                                    </p:anim>
+                                  </p:childTnLst>
+                                  <p:subTnLst>
+                                    <p:set>
+                                      <p:cBhvr override="childStyle">
+                                        <p:cTn dur="65" fill="hold" display="1" masterRel="nextClick" afterEffect="1"/>
+                                        <p:tgtEl>
+                                          <p:spTgt spid="11"/>
+                                        </p:tgtEl>
+                                        <p:attrNameLst>
+                                          <p:attrName>style.visibility</p:attrName>
+                                        </p:attrNameLst>
+                                      </p:cBhvr>
+                                      <p:to>
+                                        <p:strVal val="hidden"/>
+                                      </p:to>
+                                    </p:set>
+                                  </p:subTnLst>
+                                </p:cTn>
+                              </p:par>
+                              <p:par>
+                                <p:cTn id="39" presetID="2" presetClass="entr" presetSubtype="4" fill="hold" nodeType="withEffect">
+                                  <p:stCondLst>
+                                    <p:cond delay="0"/>
+                                  </p:stCondLst>
+                                  <p:childTnLst>
+                                    <p:set>
+                                      <p:cBhvr>
+                                        <p:cTn id="40" dur="1" fill="hold">
+                                          <p:stCondLst>
+                                            <p:cond delay="0"/>
+                                          </p:stCondLst>
+                                        </p:cTn>
+                                        <p:tgtEl>
+                                          <p:spTgt spid="13"/>
+                                        </p:tgtEl>
+                                        <p:attrNameLst>
+                                          <p:attrName>style.visibility</p:attrName>
+                                        </p:attrNameLst>
+                                      </p:cBhvr>
+                                      <p:to>
+                                        <p:strVal val="visible"/>
+                                      </p:to>
+                                    </p:set>
+                                    <p:anim calcmode="lin" valueType="num">
+                                      <p:cBhvr additive="base">
+                                        <p:cTn id="41" dur="500" fill="hold"/>
+                                        <p:tgtEl>
+                                          <p:spTgt spid="13"/>
+                                        </p:tgtEl>
+                                        <p:attrNameLst>
+                                          <p:attrName>ppt_x</p:attrName>
+                                        </p:attrNameLst>
+                                      </p:cBhvr>
+                                      <p:tavLst>
+                                        <p:tav tm="0">
+                                          <p:val>
+                                            <p:strVal val="#ppt_x"/>
+                                          </p:val>
+                                        </p:tav>
+                                        <p:tav tm="100000">
+                                          <p:val>
+                                            <p:strVal val="#ppt_x"/>
+                                          </p:val>
+                                        </p:tav>
+                                      </p:tavLst>
+                                    </p:anim>
+                                    <p:anim calcmode="lin" valueType="num">
+                                      <p:cBhvr additive="base">
+                                        <p:cTn id="42" dur="500" fill="hold"/>
+                                        <p:tgtEl>
+                                          <p:spTgt spid="13"/>
+                                        </p:tgtEl>
+                                        <p:attrNameLst>
+                                          <p:attrName>ppt_y</p:attrName>
+                                        </p:attrNameLst>
+                                      </p:cBhvr>
+                                      <p:tavLst>
+                                        <p:tav tm="0">
+                                          <p:val>
+                                            <p:strVal val="1+#ppt_h/2"/>
+                                          </p:val>
+                                        </p:tav>
+                                        <p:tav tm="100000">
+                                          <p:val>
+                                            <p:strVal val="#ppt_y"/>
+                                          </p:val>
+                                        </p:tav>
+                                      </p:tavLst>
+                                    </p:anim>
+                                  </p:childTnLst>
+                                  <p:subTnLst>
+                                    <p:set>
+                                      <p:cBhvr override="childStyle">
+                                        <p:cTn dur="65" fill="hold" display="1" masterRel="nextClick" afterEffect="1"/>
+                                        <p:tgtEl>
+                                          <p:spTgt spid="13"/>
+                                        </p:tgtEl>
+                                        <p:attrNameLst>
+                                          <p:attrName>style.visibility</p:attrName>
+                                        </p:attrNameLst>
+                                      </p:cBhvr>
+                                      <p:to>
+                                        <p:strVal val="hidden"/>
+                                      </p:to>
+                                    </p:set>
+                                  </p:subTnLst>
+                                </p:cTn>
+                              </p:par>
+                              <p:par>
+                                <p:cTn id="43" presetID="2" presetClass="entr" presetSubtype="4" fill="hold" grpId="0" nodeType="withEffect">
+                                  <p:stCondLst>
+                                    <p:cond delay="0"/>
+                                  </p:stCondLst>
+                                  <p:childTnLst>
+                                    <p:set>
+                                      <p:cBhvr>
+                                        <p:cTn id="44" dur="1" fill="hold">
+                                          <p:stCondLst>
+                                            <p:cond delay="0"/>
+                                          </p:stCondLst>
+                                        </p:cTn>
+                                        <p:tgtEl>
+                                          <p:spTgt spid="14"/>
+                                        </p:tgtEl>
+                                        <p:attrNameLst>
+                                          <p:attrName>style.visibility</p:attrName>
+                                        </p:attrNameLst>
+                                      </p:cBhvr>
+                                      <p:to>
+                                        <p:strVal val="visible"/>
+                                      </p:to>
+                                    </p:set>
+                                    <p:anim calcmode="lin" valueType="num">
+                                      <p:cBhvr additive="base">
+                                        <p:cTn id="45" dur="500" fill="hold"/>
+                                        <p:tgtEl>
+                                          <p:spTgt spid="14"/>
+                                        </p:tgtEl>
+                                        <p:attrNameLst>
+                                          <p:attrName>ppt_x</p:attrName>
+                                        </p:attrNameLst>
+                                      </p:cBhvr>
+                                      <p:tavLst>
+                                        <p:tav tm="0">
+                                          <p:val>
+                                            <p:strVal val="#ppt_x"/>
+                                          </p:val>
+                                        </p:tav>
+                                        <p:tav tm="100000">
+                                          <p:val>
+                                            <p:strVal val="#ppt_x"/>
+                                          </p:val>
+                                        </p:tav>
+                                      </p:tavLst>
+                                    </p:anim>
+                                    <p:anim calcmode="lin" valueType="num">
+                                      <p:cBhvr additive="base">
+                                        <p:cTn id="46" dur="500" fill="hold"/>
+                                        <p:tgtEl>
+                                          <p:spTgt spid="14"/>
+                                        </p:tgtEl>
+                                        <p:attrNameLst>
+                                          <p:attrName>ppt_y</p:attrName>
+                                        </p:attrNameLst>
+                                      </p:cBhvr>
+                                      <p:tavLst>
+                                        <p:tav tm="0">
+                                          <p:val>
+                                            <p:strVal val="1+#ppt_h/2"/>
+                                          </p:val>
+                                        </p:tav>
+                                        <p:tav tm="100000">
+                                          <p:val>
+                                            <p:strVal val="#ppt_y"/>
+                                          </p:val>
+                                        </p:tav>
+                                      </p:tavLst>
+                                    </p:anim>
+                                  </p:childTnLst>
+                                  <p:subTnLst>
+                                    <p:set>
+                                      <p:cBhvr override="childStyle">
+                                        <p:cTn dur="65" fill="hold" display="1" masterRel="nextClick" afterEffect="1"/>
+                                        <p:tgtEl>
+                                          <p:spTgt spid="14"/>
+                                        </p:tgtEl>
+                                        <p:attrNameLst>
+                                          <p:attrName>style.visibility</p:attrName>
+                                        </p:attrNameLst>
+                                      </p:cBhvr>
+                                      <p:to>
+                                        <p:strVal val="hidden"/>
+                                      </p:to>
+                                    </p:set>
+                                  </p:subTnLst>
+                                </p:cTn>
+                              </p:par>
+                              <p:par>
+                                <p:cTn id="47" presetID="2" presetClass="entr" presetSubtype="4" fill="hold" nodeType="withEffect">
+                                  <p:stCondLst>
+                                    <p:cond delay="0"/>
+                                  </p:stCondLst>
+                                  <p:childTnLst>
+                                    <p:set>
+                                      <p:cBhvr>
+                                        <p:cTn id="48" dur="1" fill="hold">
+                                          <p:stCondLst>
+                                            <p:cond delay="0"/>
+                                          </p:stCondLst>
+                                        </p:cTn>
+                                        <p:tgtEl>
+                                          <p:spTgt spid="15"/>
+                                        </p:tgtEl>
+                                        <p:attrNameLst>
+                                          <p:attrName>style.visibility</p:attrName>
+                                        </p:attrNameLst>
+                                      </p:cBhvr>
+                                      <p:to>
+                                        <p:strVal val="visible"/>
+                                      </p:to>
+                                    </p:set>
+                                    <p:anim calcmode="lin" valueType="num">
+                                      <p:cBhvr additive="base">
+                                        <p:cTn id="49" dur="500" fill="hold"/>
+                                        <p:tgtEl>
+                                          <p:spTgt spid="15"/>
+                                        </p:tgtEl>
+                                        <p:attrNameLst>
+                                          <p:attrName>ppt_x</p:attrName>
+                                        </p:attrNameLst>
+                                      </p:cBhvr>
+                                      <p:tavLst>
+                                        <p:tav tm="0">
+                                          <p:val>
+                                            <p:strVal val="#ppt_x"/>
+                                          </p:val>
+                                        </p:tav>
+                                        <p:tav tm="100000">
+                                          <p:val>
+                                            <p:strVal val="#ppt_x"/>
+                                          </p:val>
+                                        </p:tav>
+                                      </p:tavLst>
+                                    </p:anim>
+                                    <p:anim calcmode="lin" valueType="num">
+                                      <p:cBhvr additive="base">
+                                        <p:cTn id="50" dur="500" fill="hold"/>
+                                        <p:tgtEl>
+                                          <p:spTgt spid="15"/>
+                                        </p:tgtEl>
+                                        <p:attrNameLst>
+                                          <p:attrName>ppt_y</p:attrName>
+                                        </p:attrNameLst>
+                                      </p:cBhvr>
+                                      <p:tavLst>
+                                        <p:tav tm="0">
+                                          <p:val>
+                                            <p:strVal val="1+#ppt_h/2"/>
+                                          </p:val>
+                                        </p:tav>
+                                        <p:tav tm="100000">
+                                          <p:val>
+                                            <p:strVal val="#ppt_y"/>
+                                          </p:val>
+                                        </p:tav>
+                                      </p:tavLst>
+                                    </p:anim>
+                                  </p:childTnLst>
+                                  <p:subTnLst>
+                                    <p:set>
+                                      <p:cBhvr override="childStyle">
+                                        <p:cTn dur="65" fill="hold" display="1" masterRel="nextClick" afterEffect="1"/>
+                                        <p:tgtEl>
+                                          <p:spTgt spid="15"/>
+                                        </p:tgtEl>
+                                        <p:attrNameLst>
+                                          <p:attrName>style.visibility</p:attrName>
+                                        </p:attrNameLst>
+                                      </p:cBhvr>
+                                      <p:to>
+                                        <p:strVal val="hidden"/>
+                                      </p:to>
+                                    </p:set>
+                                  </p:subTnLst>
+                                </p:cTn>
+                              </p:par>
+                              <p:par>
+                                <p:cTn id="51" presetID="2" presetClass="entr" presetSubtype="4" fill="hold" grpId="0" nodeType="withEffect">
+                                  <p:stCondLst>
+                                    <p:cond delay="0"/>
+                                  </p:stCondLst>
+                                  <p:childTnLst>
+                                    <p:set>
+                                      <p:cBhvr>
+                                        <p:cTn id="52" dur="1" fill="hold">
+                                          <p:stCondLst>
+                                            <p:cond delay="0"/>
+                                          </p:stCondLst>
+                                        </p:cTn>
+                                        <p:tgtEl>
+                                          <p:spTgt spid="18"/>
+                                        </p:tgtEl>
+                                        <p:attrNameLst>
+                                          <p:attrName>style.visibility</p:attrName>
+                                        </p:attrNameLst>
+                                      </p:cBhvr>
+                                      <p:to>
+                                        <p:strVal val="visible"/>
+                                      </p:to>
+                                    </p:set>
+                                    <p:anim calcmode="lin" valueType="num">
+                                      <p:cBhvr additive="base">
+                                        <p:cTn id="53" dur="500" fill="hold"/>
+                                        <p:tgtEl>
+                                          <p:spTgt spid="18"/>
+                                        </p:tgtEl>
+                                        <p:attrNameLst>
+                                          <p:attrName>ppt_x</p:attrName>
+                                        </p:attrNameLst>
+                                      </p:cBhvr>
+                                      <p:tavLst>
+                                        <p:tav tm="0">
+                                          <p:val>
+                                            <p:strVal val="#ppt_x"/>
+                                          </p:val>
+                                        </p:tav>
+                                        <p:tav tm="100000">
+                                          <p:val>
+                                            <p:strVal val="#ppt_x"/>
+                                          </p:val>
+                                        </p:tav>
+                                      </p:tavLst>
+                                    </p:anim>
+                                    <p:anim calcmode="lin" valueType="num">
+                                      <p:cBhvr additive="base">
+                                        <p:cTn id="54" dur="500" fill="hold"/>
+                                        <p:tgtEl>
+                                          <p:spTgt spid="18"/>
+                                        </p:tgtEl>
+                                        <p:attrNameLst>
+                                          <p:attrName>ppt_y</p:attrName>
+                                        </p:attrNameLst>
+                                      </p:cBhvr>
+                                      <p:tavLst>
+                                        <p:tav tm="0">
+                                          <p:val>
+                                            <p:strVal val="1+#ppt_h/2"/>
+                                          </p:val>
+                                        </p:tav>
+                                        <p:tav tm="100000">
+                                          <p:val>
+                                            <p:strVal val="#ppt_y"/>
+                                          </p:val>
+                                        </p:tav>
+                                      </p:tavLst>
+                                    </p:anim>
+                                  </p:childTnLst>
+                                  <p:subTnLst>
+                                    <p:set>
+                                      <p:cBhvr override="childStyle">
+                                        <p:cTn dur="65" fill="hold" display="1" masterRel="nextClick" afterEffect="1"/>
+                                        <p:tgtEl>
+                                          <p:spTgt spid="18"/>
+                                        </p:tgtEl>
+                                        <p:attrNameLst>
+                                          <p:attrName>style.visibility</p:attrName>
+                                        </p:attrNameLst>
+                                      </p:cBhvr>
+                                      <p:to>
+                                        <p:strVal val="hidden"/>
+                                      </p:to>
+                                    </p:set>
+                                  </p:subTnLst>
+                                </p:cTn>
+                              </p:par>
+                              <p:par>
+                                <p:cTn id="55" presetID="2" presetClass="entr" presetSubtype="4" fill="hold" nodeType="withEffect">
+                                  <p:stCondLst>
+                                    <p:cond delay="0"/>
+                                  </p:stCondLst>
+                                  <p:childTnLst>
+                                    <p:set>
+                                      <p:cBhvr>
+                                        <p:cTn id="56" dur="1" fill="hold">
+                                          <p:stCondLst>
+                                            <p:cond delay="0"/>
+                                          </p:stCondLst>
+                                        </p:cTn>
+                                        <p:tgtEl>
+                                          <p:spTgt spid="12"/>
+                                        </p:tgtEl>
+                                        <p:attrNameLst>
+                                          <p:attrName>style.visibility</p:attrName>
+                                        </p:attrNameLst>
+                                      </p:cBhvr>
+                                      <p:to>
+                                        <p:strVal val="visible"/>
+                                      </p:to>
+                                    </p:set>
+                                    <p:anim calcmode="lin" valueType="num">
+                                      <p:cBhvr additive="base">
+                                        <p:cTn id="57" dur="500" fill="hold"/>
+                                        <p:tgtEl>
+                                          <p:spTgt spid="12"/>
+                                        </p:tgtEl>
+                                        <p:attrNameLst>
+                                          <p:attrName>ppt_x</p:attrName>
+                                        </p:attrNameLst>
+                                      </p:cBhvr>
+                                      <p:tavLst>
+                                        <p:tav tm="0">
+                                          <p:val>
+                                            <p:strVal val="#ppt_x"/>
+                                          </p:val>
+                                        </p:tav>
+                                        <p:tav tm="100000">
+                                          <p:val>
+                                            <p:strVal val="#ppt_x"/>
+                                          </p:val>
+                                        </p:tav>
+                                      </p:tavLst>
+                                    </p:anim>
+                                    <p:anim calcmode="lin" valueType="num">
+                                      <p:cBhvr additive="base">
+                                        <p:cTn id="58" dur="500" fill="hold"/>
+                                        <p:tgtEl>
+                                          <p:spTgt spid="12"/>
+                                        </p:tgtEl>
+                                        <p:attrNameLst>
+                                          <p:attrName>ppt_y</p:attrName>
+                                        </p:attrNameLst>
+                                      </p:cBhvr>
+                                      <p:tavLst>
+                                        <p:tav tm="0">
+                                          <p:val>
+                                            <p:strVal val="1+#ppt_h/2"/>
+                                          </p:val>
+                                        </p:tav>
+                                        <p:tav tm="100000">
+                                          <p:val>
+                                            <p:strVal val="#ppt_y"/>
+                                          </p:val>
+                                        </p:tav>
+                                      </p:tavLst>
+                                    </p:anim>
+                                  </p:childTnLst>
+                                  <p:subTnLst>
+                                    <p:set>
+                                      <p:cBhvr override="childStyle">
+                                        <p:cTn dur="65" fill="hold" display="1" masterRel="nextClick" afterEffect="1"/>
+                                        <p:tgtEl>
+                                          <p:spTgt spid="12"/>
+                                        </p:tgtEl>
+                                        <p:attrNameLst>
+                                          <p:attrName>style.visibility</p:attrName>
+                                        </p:attrNameLst>
+                                      </p:cBhvr>
+                                      <p:to>
+                                        <p:strVal val="hidden"/>
+                                      </p:to>
+                                    </p:set>
+                                  </p:subTnLst>
+                                </p:cTn>
+                              </p:par>
+                            </p:childTnLst>
+                          </p:cTn>
+                        </p:par>
+                      </p:childTnLst>
+                    </p:cTn>
+                  </p:par>
+                  <p:par>
+                    <p:cTn id="59" fill="hold">
+                      <p:stCondLst>
+                        <p:cond delay="indefinite"/>
+                      </p:stCondLst>
+                      <p:childTnLst>
+                        <p:par>
+                          <p:cTn id="60" fill="hold">
+                            <p:stCondLst>
+                              <p:cond delay="0"/>
+                            </p:stCondLst>
+                            <p:childTnLst>
+                              <p:par>
+                                <p:cTn id="61" presetID="22" presetClass="entr" presetSubtype="4" fill="hold" nodeType="clickEffect">
+                                  <p:stCondLst>
+                                    <p:cond delay="0"/>
+                                  </p:stCondLst>
+                                  <p:childTnLst>
+                                    <p:set>
+                                      <p:cBhvr>
+                                        <p:cTn id="62" dur="1" fill="hold">
+                                          <p:stCondLst>
+                                            <p:cond delay="0"/>
+                                          </p:stCondLst>
+                                        </p:cTn>
+                                        <p:tgtEl>
+                                          <p:spTgt spid="19"/>
+                                        </p:tgtEl>
+                                        <p:attrNameLst>
+                                          <p:attrName>style.visibility</p:attrName>
+                                        </p:attrNameLst>
+                                      </p:cBhvr>
+                                      <p:to>
+                                        <p:strVal val="visible"/>
+                                      </p:to>
+                                    </p:set>
+                                    <p:animEffect transition="in" filter="wipe(down)">
+                                      <p:cBhvr>
+                                        <p:cTn id="63" dur="500"/>
+                                        <p:tgtEl>
+                                          <p:spTgt spid="19"/>
+                                        </p:tgtEl>
+                                      </p:cBhvr>
+                                    </p:animEffect>
+                                  </p:childTnLst>
+                                </p:cTn>
+                              </p:par>
+                              <p:par>
+                                <p:cTn id="64" presetID="4" presetClass="entr" presetSubtype="16" fill="hold" grpId="0" nodeType="withEffect">
+                                  <p:stCondLst>
+                                    <p:cond delay="0"/>
+                                  </p:stCondLst>
+                                  <p:childTnLst>
+                                    <p:set>
+                                      <p:cBhvr>
+                                        <p:cTn id="65" dur="1" fill="hold">
+                                          <p:stCondLst>
+                                            <p:cond delay="0"/>
+                                          </p:stCondLst>
+                                        </p:cTn>
+                                        <p:tgtEl>
+                                          <p:spTgt spid="21"/>
+                                        </p:tgtEl>
+                                        <p:attrNameLst>
+                                          <p:attrName>style.visibility</p:attrName>
+                                        </p:attrNameLst>
+                                      </p:cBhvr>
+                                      <p:to>
+                                        <p:strVal val="visible"/>
+                                      </p:to>
+                                    </p:set>
+                                    <p:animEffect transition="in" filter="box(in)">
+                                      <p:cBhvr>
+                                        <p:cTn id="66" dur="2000"/>
+                                        <p:tgtEl>
+                                          <p:spTgt spid="21"/>
+                                        </p:tgtEl>
+                                      </p:cBhvr>
+                                    </p:animEffect>
+                                  </p:childTnLst>
+                                </p:cTn>
+                              </p:par>
+                            </p:childTnLst>
+                          </p:cTn>
+                        </p:par>
+                      </p:childTnLst>
+                    </p:cTn>
+                  </p:par>
+                </p:childTnLst>
+              </p:cTn>
+              <p:prevCondLst>
+                <p:cond evt="onPrev" delay="0">
+                  <p:tgtEl>
+                    <p:sldTgt/>
+                  </p:tgtEl>
+                </p:cond>
+              </p:prevCondLst>
+              <p:nextCondLst>
+                <p:cond evt="onNext" delay="0">
+                  <p:tgtEl>
+                    <p:sldTgt/>
+                  </p:tgtEl>
+                </p:cond>
+              </p:nextCondLst>
+            </p:seq>
+          </p:childTnLst>
+        </p:cTn>
+      </p:par>
+    </p:tnLst>
+    <p:bldLst>
+      <p:bldP spid="8" grpId="0"/>
+      <p:bldP spid="5" grpId="0"/>
+      <p:bldP spid="5" grpId="1"/>
+      <p:bldP spid="9" grpId="0" animBg="1"/>
+      <p:bldP spid="9" grpId="1" animBg="1"/>
+      <p:bldP spid="11" grpId="0" animBg="1"/>
+      <p:bldP spid="11" grpId="1" animBg="1"/>
+      <p:bldP spid="14" grpId="0" animBg="1"/>
+      <p:bldP spid="14" grpId="1" animBg="1"/>
+      <p:bldP spid="18" grpId="0" animBg="1"/>
+      <p:bldP spid="18" grpId="1" animBg="1"/>
+      <p:bldP spid="21" grpId="0"/>
+      <p:bldP spid="21" grpId="1"/>
     </p:bldLst>
   </p:timing>
 </p:sld>
